--- a/实训项目中期汇报.pptx
+++ b/实训项目中期汇报.pptx
@@ -5,7 +5,7 @@
     <p:sldMasterId id="2147483648" r:id="rId1"/>
   </p:sldMasterIdLst>
   <p:notesMasterIdLst>
-    <p:notesMasterId r:id="rId9"/>
+    <p:notesMasterId r:id="rId11"/>
   </p:notesMasterIdLst>
   <p:sldIdLst>
     <p:sldId id="256" r:id="rId2"/>
@@ -14,12 +14,14 @@
     <p:sldId id="300" r:id="rId5"/>
     <p:sldId id="301" r:id="rId6"/>
     <p:sldId id="302" r:id="rId7"/>
-    <p:sldId id="284" r:id="rId8"/>
+    <p:sldId id="303" r:id="rId8"/>
+    <p:sldId id="304" r:id="rId9"/>
+    <p:sldId id="284" r:id="rId10"/>
   </p:sldIdLst>
   <p:sldSz cx="12192000" cy="6858000"/>
   <p:notesSz cx="6858000" cy="9144000"/>
   <p:custDataLst>
-    <p:tags r:id="rId10"/>
+    <p:tags r:id="rId12"/>
   </p:custDataLst>
   <p:defaultTextStyle>
     <a:defPPr>
@@ -1718,6 +1720,342 @@
   <p:cSld>
     <p:spTree>
       <p:nvGrpSpPr>
+        <p:cNvPr id="1" name="">
+          <a:extLst>
+            <a:ext uri="{FF2B5EF4-FFF2-40B4-BE49-F238E27FC236}">
+              <a16:creationId xmlns:a16="http://schemas.microsoft.com/office/drawing/2014/main" id="{F8914B05-439A-F15B-4531-E2E49009E46F}"/>
+            </a:ext>
+          </a:extLst>
+        </p:cNvPr>
+        <p:cNvGrpSpPr/>
+        <p:nvPr/>
+      </p:nvGrpSpPr>
+      <p:grpSpPr>
+        <a:xfrm>
+          <a:off x="0" y="0"/>
+          <a:ext cx="0" cy="0"/>
+          <a:chOff x="0" y="0"/>
+          <a:chExt cx="0" cy="0"/>
+        </a:xfrm>
+      </p:grpSpPr>
+      <p:sp>
+        <p:nvSpPr>
+          <p:cNvPr id="2" name="幻灯片图像占位符 1">
+            <a:extLst>
+              <a:ext uri="{FF2B5EF4-FFF2-40B4-BE49-F238E27FC236}">
+                <a16:creationId xmlns:a16="http://schemas.microsoft.com/office/drawing/2014/main" id="{27BE286D-475B-E728-A82C-6A3BBCE22D76}"/>
+              </a:ext>
+            </a:extLst>
+          </p:cNvPr>
+          <p:cNvSpPr>
+            <a:spLocks noGrp="1" noRot="1" noChangeAspect="1"/>
+          </p:cNvSpPr>
+          <p:nvPr>
+            <p:ph type="sldImg"/>
+          </p:nvPr>
+        </p:nvSpPr>
+        <p:spPr/>
+      </p:sp>
+      <p:sp>
+        <p:nvSpPr>
+          <p:cNvPr id="3" name="备注占位符 2">
+            <a:extLst>
+              <a:ext uri="{FF2B5EF4-FFF2-40B4-BE49-F238E27FC236}">
+                <a16:creationId xmlns:a16="http://schemas.microsoft.com/office/drawing/2014/main" id="{C895DAD2-B3EA-66F8-BCA1-9FA64823735D}"/>
+              </a:ext>
+            </a:extLst>
+          </p:cNvPr>
+          <p:cNvSpPr>
+            <a:spLocks noGrp="1"/>
+          </p:cNvSpPr>
+          <p:nvPr>
+            <p:ph type="body" idx="1"/>
+          </p:nvPr>
+        </p:nvSpPr>
+        <p:spPr/>
+        <p:txBody>
+          <a:bodyPr/>
+          <a:lstStyle/>
+          <a:p>
+            <a:endParaRPr lang="zh-CN" altLang="en-US"/>
+          </a:p>
+        </p:txBody>
+      </p:sp>
+      <p:sp>
+        <p:nvSpPr>
+          <p:cNvPr id="4" name="灯片编号占位符 3">
+            <a:extLst>
+              <a:ext uri="{FF2B5EF4-FFF2-40B4-BE49-F238E27FC236}">
+                <a16:creationId xmlns:a16="http://schemas.microsoft.com/office/drawing/2014/main" id="{6B2DD25A-4007-FE06-3374-69AA65E68F37}"/>
+              </a:ext>
+            </a:extLst>
+          </p:cNvPr>
+          <p:cNvSpPr>
+            <a:spLocks noGrp="1"/>
+          </p:cNvSpPr>
+          <p:nvPr>
+            <p:ph type="sldNum" sz="quarter" idx="10"/>
+          </p:nvPr>
+        </p:nvSpPr>
+        <p:spPr/>
+        <p:txBody>
+          <a:bodyPr/>
+          <a:lstStyle/>
+          <a:p>
+            <a:pPr marL="0" marR="0" lvl="0" indent="0" algn="r" defTabSz="914400" rtl="0" eaLnBrk="1" fontAlgn="auto" latinLnBrk="0" hangingPunct="1">
+              <a:lnSpc>
+                <a:spcPct val="100000"/>
+              </a:lnSpc>
+              <a:spcBef>
+                <a:spcPts val="0"/>
+              </a:spcBef>
+              <a:spcAft>
+                <a:spcPts val="0"/>
+              </a:spcAft>
+              <a:buClrTx/>
+              <a:buSzTx/>
+              <a:buFontTx/>
+              <a:buNone/>
+              <a:tabLst/>
+              <a:defRPr/>
+            </a:pPr>
+            <a:fld id="{AB2A0F9D-3357-4A94-85C8-3B842B870DC6}" type="slidenum">
+              <a:rPr kumimoji="0" lang="zh-CN" altLang="en-US" sz="1200" b="0" i="0" u="none" strike="noStrike" kern="1200" cap="none" spc="0" normalizeH="0" baseline="0" noProof="0" smtClean="0">
+                <a:ln>
+                  <a:noFill/>
+                </a:ln>
+                <a:solidFill>
+                  <a:prstClr val="black"/>
+                </a:solidFill>
+                <a:effectLst/>
+                <a:uLnTx/>
+                <a:uFillTx/>
+                <a:latin typeface="Calibri" panose="020F0502020204030204"/>
+                <a:ea typeface="宋体" panose="02010600030101010101" pitchFamily="2" charset="-122"/>
+                <a:cs typeface="+mn-cs"/>
+              </a:rPr>
+              <a:pPr marL="0" marR="0" lvl="0" indent="0" algn="r" defTabSz="914400" rtl="0" eaLnBrk="1" fontAlgn="auto" latinLnBrk="0" hangingPunct="1">
+                <a:lnSpc>
+                  <a:spcPct val="100000"/>
+                </a:lnSpc>
+                <a:spcBef>
+                  <a:spcPts val="0"/>
+                </a:spcBef>
+                <a:spcAft>
+                  <a:spcPts val="0"/>
+                </a:spcAft>
+                <a:buClrTx/>
+                <a:buSzTx/>
+                <a:buFontTx/>
+                <a:buNone/>
+                <a:tabLst/>
+                <a:defRPr/>
+              </a:pPr>
+              <a:t>7</a:t>
+            </a:fld>
+            <a:endParaRPr kumimoji="0" lang="zh-CN" altLang="en-US" sz="1200" b="0" i="0" u="none" strike="noStrike" kern="1200" cap="none" spc="0" normalizeH="0" baseline="0" noProof="0">
+              <a:ln>
+                <a:noFill/>
+              </a:ln>
+              <a:solidFill>
+                <a:prstClr val="black"/>
+              </a:solidFill>
+              <a:effectLst/>
+              <a:uLnTx/>
+              <a:uFillTx/>
+              <a:latin typeface="Calibri" panose="020F0502020204030204"/>
+              <a:ea typeface="宋体" panose="02010600030101010101" pitchFamily="2" charset="-122"/>
+              <a:cs typeface="+mn-cs"/>
+            </a:endParaRPr>
+          </a:p>
+        </p:txBody>
+      </p:sp>
+    </p:spTree>
+    <p:extLst>
+      <p:ext uri="{BB962C8B-B14F-4D97-AF65-F5344CB8AC3E}">
+        <p14:creationId xmlns:p14="http://schemas.microsoft.com/office/powerpoint/2010/main" val="4004508022"/>
+      </p:ext>
+    </p:extLst>
+  </p:cSld>
+  <p:clrMapOvr>
+    <a:masterClrMapping/>
+  </p:clrMapOvr>
+</p:notes>
+</file>
+
+<file path=ppt/notesSlides/notesSlide8.xml><?xml version="1.0" encoding="utf-8"?>
+<p:notes xmlns:a="http://schemas.openxmlformats.org/drawingml/2006/main" xmlns:r="http://schemas.openxmlformats.org/officeDocument/2006/relationships" xmlns:p="http://schemas.openxmlformats.org/presentationml/2006/main">
+  <p:cSld>
+    <p:spTree>
+      <p:nvGrpSpPr>
+        <p:cNvPr id="1" name="">
+          <a:extLst>
+            <a:ext uri="{FF2B5EF4-FFF2-40B4-BE49-F238E27FC236}">
+              <a16:creationId xmlns:a16="http://schemas.microsoft.com/office/drawing/2014/main" id="{E02544DA-1347-52D0-86A9-942D1BB95FC8}"/>
+            </a:ext>
+          </a:extLst>
+        </p:cNvPr>
+        <p:cNvGrpSpPr/>
+        <p:nvPr/>
+      </p:nvGrpSpPr>
+      <p:grpSpPr>
+        <a:xfrm>
+          <a:off x="0" y="0"/>
+          <a:ext cx="0" cy="0"/>
+          <a:chOff x="0" y="0"/>
+          <a:chExt cx="0" cy="0"/>
+        </a:xfrm>
+      </p:grpSpPr>
+      <p:sp>
+        <p:nvSpPr>
+          <p:cNvPr id="2" name="幻灯片图像占位符 1">
+            <a:extLst>
+              <a:ext uri="{FF2B5EF4-FFF2-40B4-BE49-F238E27FC236}">
+                <a16:creationId xmlns:a16="http://schemas.microsoft.com/office/drawing/2014/main" id="{6110C0FA-0647-C9BC-1536-0AF91E941187}"/>
+              </a:ext>
+            </a:extLst>
+          </p:cNvPr>
+          <p:cNvSpPr>
+            <a:spLocks noGrp="1" noRot="1" noChangeAspect="1"/>
+          </p:cNvSpPr>
+          <p:nvPr>
+            <p:ph type="sldImg"/>
+          </p:nvPr>
+        </p:nvSpPr>
+        <p:spPr/>
+      </p:sp>
+      <p:sp>
+        <p:nvSpPr>
+          <p:cNvPr id="3" name="备注占位符 2">
+            <a:extLst>
+              <a:ext uri="{FF2B5EF4-FFF2-40B4-BE49-F238E27FC236}">
+                <a16:creationId xmlns:a16="http://schemas.microsoft.com/office/drawing/2014/main" id="{0DD5F3E9-F6A1-D1E1-105D-8B50FA5BFD4A}"/>
+              </a:ext>
+            </a:extLst>
+          </p:cNvPr>
+          <p:cNvSpPr>
+            <a:spLocks noGrp="1"/>
+          </p:cNvSpPr>
+          <p:nvPr>
+            <p:ph type="body" idx="1"/>
+          </p:nvPr>
+        </p:nvSpPr>
+        <p:spPr/>
+        <p:txBody>
+          <a:bodyPr/>
+          <a:lstStyle/>
+          <a:p>
+            <a:endParaRPr lang="zh-CN" altLang="en-US"/>
+          </a:p>
+        </p:txBody>
+      </p:sp>
+      <p:sp>
+        <p:nvSpPr>
+          <p:cNvPr id="4" name="灯片编号占位符 3">
+            <a:extLst>
+              <a:ext uri="{FF2B5EF4-FFF2-40B4-BE49-F238E27FC236}">
+                <a16:creationId xmlns:a16="http://schemas.microsoft.com/office/drawing/2014/main" id="{8668365A-4287-CF10-B992-4426B9182C76}"/>
+              </a:ext>
+            </a:extLst>
+          </p:cNvPr>
+          <p:cNvSpPr>
+            <a:spLocks noGrp="1"/>
+          </p:cNvSpPr>
+          <p:nvPr>
+            <p:ph type="sldNum" sz="quarter" idx="10"/>
+          </p:nvPr>
+        </p:nvSpPr>
+        <p:spPr/>
+        <p:txBody>
+          <a:bodyPr/>
+          <a:lstStyle/>
+          <a:p>
+            <a:pPr marL="0" marR="0" lvl="0" indent="0" algn="r" defTabSz="914400" rtl="0" eaLnBrk="1" fontAlgn="auto" latinLnBrk="0" hangingPunct="1">
+              <a:lnSpc>
+                <a:spcPct val="100000"/>
+              </a:lnSpc>
+              <a:spcBef>
+                <a:spcPts val="0"/>
+              </a:spcBef>
+              <a:spcAft>
+                <a:spcPts val="0"/>
+              </a:spcAft>
+              <a:buClrTx/>
+              <a:buSzTx/>
+              <a:buFontTx/>
+              <a:buNone/>
+              <a:tabLst/>
+              <a:defRPr/>
+            </a:pPr>
+            <a:fld id="{AB2A0F9D-3357-4A94-85C8-3B842B870DC6}" type="slidenum">
+              <a:rPr kumimoji="0" lang="zh-CN" altLang="en-US" sz="1200" b="0" i="0" u="none" strike="noStrike" kern="1200" cap="none" spc="0" normalizeH="0" baseline="0" noProof="0" smtClean="0">
+                <a:ln>
+                  <a:noFill/>
+                </a:ln>
+                <a:solidFill>
+                  <a:prstClr val="black"/>
+                </a:solidFill>
+                <a:effectLst/>
+                <a:uLnTx/>
+                <a:uFillTx/>
+                <a:latin typeface="Calibri" panose="020F0502020204030204"/>
+                <a:ea typeface="宋体" panose="02010600030101010101" pitchFamily="2" charset="-122"/>
+                <a:cs typeface="+mn-cs"/>
+              </a:rPr>
+              <a:pPr marL="0" marR="0" lvl="0" indent="0" algn="r" defTabSz="914400" rtl="0" eaLnBrk="1" fontAlgn="auto" latinLnBrk="0" hangingPunct="1">
+                <a:lnSpc>
+                  <a:spcPct val="100000"/>
+                </a:lnSpc>
+                <a:spcBef>
+                  <a:spcPts val="0"/>
+                </a:spcBef>
+                <a:spcAft>
+                  <a:spcPts val="0"/>
+                </a:spcAft>
+                <a:buClrTx/>
+                <a:buSzTx/>
+                <a:buFontTx/>
+                <a:buNone/>
+                <a:tabLst/>
+                <a:defRPr/>
+              </a:pPr>
+              <a:t>8</a:t>
+            </a:fld>
+            <a:endParaRPr kumimoji="0" lang="zh-CN" altLang="en-US" sz="1200" b="0" i="0" u="none" strike="noStrike" kern="1200" cap="none" spc="0" normalizeH="0" baseline="0" noProof="0">
+              <a:ln>
+                <a:noFill/>
+              </a:ln>
+              <a:solidFill>
+                <a:prstClr val="black"/>
+              </a:solidFill>
+              <a:effectLst/>
+              <a:uLnTx/>
+              <a:uFillTx/>
+              <a:latin typeface="Calibri" panose="020F0502020204030204"/>
+              <a:ea typeface="宋体" panose="02010600030101010101" pitchFamily="2" charset="-122"/>
+              <a:cs typeface="+mn-cs"/>
+            </a:endParaRPr>
+          </a:p>
+        </p:txBody>
+      </p:sp>
+    </p:spTree>
+    <p:extLst>
+      <p:ext uri="{BB962C8B-B14F-4D97-AF65-F5344CB8AC3E}">
+        <p14:creationId xmlns:p14="http://schemas.microsoft.com/office/powerpoint/2010/main" val="3909660766"/>
+      </p:ext>
+    </p:extLst>
+  </p:cSld>
+  <p:clrMapOvr>
+    <a:masterClrMapping/>
+  </p:clrMapOvr>
+</p:notes>
+</file>
+
+<file path=ppt/notesSlides/notesSlide9.xml><?xml version="1.0" encoding="utf-8"?>
+<p:notes xmlns:a="http://schemas.openxmlformats.org/drawingml/2006/main" xmlns:r="http://schemas.openxmlformats.org/officeDocument/2006/relationships" xmlns:p="http://schemas.openxmlformats.org/presentationml/2006/main">
+  <p:cSld>
+    <p:spTree>
+      <p:nvGrpSpPr>
         <p:cNvPr id="1" name=""/>
         <p:cNvGrpSpPr/>
         <p:nvPr/>
@@ -1778,7 +2116,7 @@
           <a:p>
             <a:fld id="{946044AE-6422-40B1-88B0-B88CD884551D}" type="slidenum">
               <a:rPr lang="zh-CN" altLang="en-US" smtClean="0"/>
-              <a:t>7</a:t>
+              <a:t>9</a:t>
             </a:fld>
             <a:endParaRPr lang="zh-CN" altLang="en-US"/>
           </a:p>
@@ -3123,7 +3461,7 @@
                 <a:ea typeface="微软雅黑" panose="020B0503020204020204" pitchFamily="34" charset="-122"/>
                 <a:cs typeface="Times New Roman" panose="02020603050405020304" pitchFamily="18" charset="0"/>
               </a:rPr>
-              <a:t>车云解析系统</a:t>
+              <a:t>车云解析系统报告</a:t>
             </a:r>
           </a:p>
         </p:txBody>
@@ -6504,6 +6842,892 @@
 </file>
 
 <file path=ppt/slides/slide7.xml><?xml version="1.0" encoding="utf-8"?>
+<p:sld xmlns:a="http://schemas.openxmlformats.org/drawingml/2006/main" xmlns:r="http://schemas.openxmlformats.org/officeDocument/2006/relationships" xmlns:p="http://schemas.openxmlformats.org/presentationml/2006/main">
+  <p:cSld>
+    <p:spTree>
+      <p:nvGrpSpPr>
+        <p:cNvPr id="1" name="">
+          <a:extLst>
+            <a:ext uri="{FF2B5EF4-FFF2-40B4-BE49-F238E27FC236}">
+              <a16:creationId xmlns:a16="http://schemas.microsoft.com/office/drawing/2014/main" id="{8FD7F174-634E-808F-8C4F-6DAAE542659F}"/>
+            </a:ext>
+          </a:extLst>
+        </p:cNvPr>
+        <p:cNvGrpSpPr/>
+        <p:nvPr/>
+      </p:nvGrpSpPr>
+      <p:grpSpPr>
+        <a:xfrm>
+          <a:off x="0" y="0"/>
+          <a:ext cx="0" cy="0"/>
+          <a:chOff x="0" y="0"/>
+          <a:chExt cx="0" cy="0"/>
+        </a:xfrm>
+      </p:grpSpPr>
+      <p:sp>
+        <p:nvSpPr>
+          <p:cNvPr id="24" name="TextBox 23">
+            <a:extLst>
+              <a:ext uri="{FF2B5EF4-FFF2-40B4-BE49-F238E27FC236}">
+                <a16:creationId xmlns:a16="http://schemas.microsoft.com/office/drawing/2014/main" id="{5B51B4EA-3B81-1CBE-778A-248417BF4CC2}"/>
+              </a:ext>
+            </a:extLst>
+          </p:cNvPr>
+          <p:cNvSpPr txBox="1"/>
+          <p:nvPr/>
+        </p:nvSpPr>
+        <p:spPr>
+          <a:xfrm>
+            <a:off x="8999745" y="2644634"/>
+            <a:ext cx="2688299" cy="363882"/>
+          </a:xfrm>
+          <a:prstGeom prst="rect">
+            <a:avLst/>
+          </a:prstGeom>
+          <a:noFill/>
+          <a:ln>
+            <a:noFill/>
+          </a:ln>
+        </p:spPr>
+        <p:txBody>
+          <a:bodyPr wrap="square" rtlCol="0">
+            <a:spAutoFit/>
+          </a:bodyPr>
+          <a:lstStyle/>
+          <a:p>
+            <a:pPr marL="0" marR="0" lvl="0" indent="0" algn="l" defTabSz="914400" rtl="0" eaLnBrk="1" fontAlgn="auto" latinLnBrk="0" hangingPunct="1">
+              <a:lnSpc>
+                <a:spcPct val="150000"/>
+              </a:lnSpc>
+              <a:spcBef>
+                <a:spcPts val="0"/>
+              </a:spcBef>
+              <a:spcAft>
+                <a:spcPts val="0"/>
+              </a:spcAft>
+              <a:buClrTx/>
+              <a:buSzTx/>
+              <a:buFontTx/>
+              <a:buNone/>
+              <a:tabLst/>
+              <a:defRPr/>
+            </a:pPr>
+            <a:endParaRPr kumimoji="0" lang="zh-CN" altLang="en-US" sz="1333" b="0" i="0" u="none" strike="noStrike" kern="1200" cap="none" spc="0" normalizeH="0" baseline="0" noProof="0">
+              <a:ln>
+                <a:noFill/>
+              </a:ln>
+              <a:solidFill>
+                <a:srgbClr val="5B9BD5"/>
+              </a:solidFill>
+              <a:effectLst/>
+              <a:uLnTx/>
+              <a:uFillTx/>
+              <a:latin typeface="微软雅黑" pitchFamily="34" charset="-122"/>
+              <a:ea typeface="微软雅黑" pitchFamily="34" charset="-122"/>
+              <a:cs typeface="+mn-cs"/>
+              <a:sym typeface="微软雅黑" pitchFamily="34" charset="-122"/>
+            </a:endParaRPr>
+          </a:p>
+        </p:txBody>
+      </p:sp>
+      <p:sp>
+        <p:nvSpPr>
+          <p:cNvPr id="35" name="矩形 80">
+            <a:extLst>
+              <a:ext uri="{FF2B5EF4-FFF2-40B4-BE49-F238E27FC236}">
+                <a16:creationId xmlns:a16="http://schemas.microsoft.com/office/drawing/2014/main" id="{FDA7B3CB-F6C8-DB30-7C02-B603C058676A}"/>
+              </a:ext>
+            </a:extLst>
+          </p:cNvPr>
+          <p:cNvSpPr>
+            <a:spLocks noChangeArrowheads="1"/>
+          </p:cNvSpPr>
+          <p:nvPr/>
+        </p:nvSpPr>
+        <p:spPr bwMode="auto">
+          <a:xfrm>
+            <a:off x="828326" y="335226"/>
+            <a:ext cx="1963999" cy="461665"/>
+          </a:xfrm>
+          <a:prstGeom prst="rect">
+            <a:avLst/>
+          </a:prstGeom>
+          <a:noFill/>
+          <a:ln>
+            <a:noFill/>
+          </a:ln>
+          <a:extLst>
+            <a:ext uri="{909E8E84-426E-40DD-AFC4-6F175D3DCCD1}">
+              <a14:hiddenFill xmlns:a14="http://schemas.microsoft.com/office/drawing/2010/main">
+                <a:solidFill>
+                  <a:srgbClr val="FFFFFF"/>
+                </a:solidFill>
+              </a14:hiddenFill>
+            </a:ext>
+            <a:ext uri="{91240B29-F687-4F45-9708-019B960494DF}">
+              <a14:hiddenLine xmlns:a14="http://schemas.microsoft.com/office/drawing/2010/main" w="9525">
+                <a:solidFill>
+                  <a:srgbClr val="000000"/>
+                </a:solidFill>
+                <a:miter lim="800000"/>
+                <a:headEnd/>
+                <a:tailEnd/>
+              </a14:hiddenLine>
+            </a:ext>
+          </a:extLst>
+        </p:spPr>
+        <p:txBody>
+          <a:bodyPr wrap="none">
+            <a:spAutoFit/>
+          </a:bodyPr>
+          <a:lstStyle>
+            <a:lvl1pPr>
+              <a:lnSpc>
+                <a:spcPct val="90000"/>
+              </a:lnSpc>
+              <a:spcBef>
+                <a:spcPts val="1000"/>
+              </a:spcBef>
+              <a:buChar char="•"/>
+              <a:defRPr sz="2800">
+                <a:solidFill>
+                  <a:schemeClr val="tx1"/>
+                </a:solidFill>
+                <a:latin typeface="Calibri" panose="020F0502020204030204" pitchFamily="34" charset="0"/>
+                <a:ea typeface="宋体" panose="02010600030101010101" pitchFamily="2" charset="-122"/>
+              </a:defRPr>
+            </a:lvl1pPr>
+            <a:lvl2pPr marL="742950" indent="-285750">
+              <a:lnSpc>
+                <a:spcPct val="90000"/>
+              </a:lnSpc>
+              <a:spcBef>
+                <a:spcPts val="500"/>
+              </a:spcBef>
+              <a:buChar char="•"/>
+              <a:defRPr sz="2400">
+                <a:solidFill>
+                  <a:schemeClr val="tx1"/>
+                </a:solidFill>
+                <a:latin typeface="Calibri" panose="020F0502020204030204" pitchFamily="34" charset="0"/>
+                <a:ea typeface="宋体" panose="02010600030101010101" pitchFamily="2" charset="-122"/>
+              </a:defRPr>
+            </a:lvl2pPr>
+            <a:lvl3pPr marL="1143000" indent="-228600">
+              <a:lnSpc>
+                <a:spcPct val="90000"/>
+              </a:lnSpc>
+              <a:spcBef>
+                <a:spcPts val="500"/>
+              </a:spcBef>
+              <a:buChar char="•"/>
+              <a:defRPr sz="2000">
+                <a:solidFill>
+                  <a:schemeClr val="tx1"/>
+                </a:solidFill>
+                <a:latin typeface="Calibri" panose="020F0502020204030204" pitchFamily="34" charset="0"/>
+                <a:ea typeface="宋体" panose="02010600030101010101" pitchFamily="2" charset="-122"/>
+              </a:defRPr>
+            </a:lvl3pPr>
+            <a:lvl4pPr marL="1600200" indent="-228600">
+              <a:lnSpc>
+                <a:spcPct val="90000"/>
+              </a:lnSpc>
+              <a:spcBef>
+                <a:spcPts val="500"/>
+              </a:spcBef>
+              <a:buChar char="•"/>
+              <a:defRPr>
+                <a:solidFill>
+                  <a:schemeClr val="tx1"/>
+                </a:solidFill>
+                <a:latin typeface="Calibri" panose="020F0502020204030204" pitchFamily="34" charset="0"/>
+                <a:ea typeface="宋体" panose="02010600030101010101" pitchFamily="2" charset="-122"/>
+              </a:defRPr>
+            </a:lvl4pPr>
+            <a:lvl5pPr marL="2057400" indent="-228600">
+              <a:lnSpc>
+                <a:spcPct val="90000"/>
+              </a:lnSpc>
+              <a:spcBef>
+                <a:spcPts val="500"/>
+              </a:spcBef>
+              <a:buChar char="•"/>
+              <a:defRPr>
+                <a:solidFill>
+                  <a:schemeClr val="tx1"/>
+                </a:solidFill>
+                <a:latin typeface="Calibri" panose="020F0502020204030204" pitchFamily="34" charset="0"/>
+                <a:ea typeface="宋体" panose="02010600030101010101" pitchFamily="2" charset="-122"/>
+              </a:defRPr>
+            </a:lvl5pPr>
+            <a:lvl6pPr marL="2514600" indent="-228600" eaLnBrk="0" fontAlgn="base" hangingPunct="0">
+              <a:lnSpc>
+                <a:spcPct val="90000"/>
+              </a:lnSpc>
+              <a:spcBef>
+                <a:spcPts val="500"/>
+              </a:spcBef>
+              <a:spcAft>
+                <a:spcPct val="0"/>
+              </a:spcAft>
+              <a:buFont typeface="Arial" panose="020B0604020202020204" pitchFamily="34" charset="0"/>
+              <a:buChar char="•"/>
+              <a:defRPr>
+                <a:solidFill>
+                  <a:schemeClr val="tx1"/>
+                </a:solidFill>
+                <a:latin typeface="Calibri" panose="020F0502020204030204" pitchFamily="34" charset="0"/>
+                <a:ea typeface="宋体" panose="02010600030101010101" pitchFamily="2" charset="-122"/>
+              </a:defRPr>
+            </a:lvl6pPr>
+            <a:lvl7pPr marL="2971800" indent="-228600" eaLnBrk="0" fontAlgn="base" hangingPunct="0">
+              <a:lnSpc>
+                <a:spcPct val="90000"/>
+              </a:lnSpc>
+              <a:spcBef>
+                <a:spcPts val="500"/>
+              </a:spcBef>
+              <a:spcAft>
+                <a:spcPct val="0"/>
+              </a:spcAft>
+              <a:buFont typeface="Arial" panose="020B0604020202020204" pitchFamily="34" charset="0"/>
+              <a:buChar char="•"/>
+              <a:defRPr>
+                <a:solidFill>
+                  <a:schemeClr val="tx1"/>
+                </a:solidFill>
+                <a:latin typeface="Calibri" panose="020F0502020204030204" pitchFamily="34" charset="0"/>
+                <a:ea typeface="宋体" panose="02010600030101010101" pitchFamily="2" charset="-122"/>
+              </a:defRPr>
+            </a:lvl7pPr>
+            <a:lvl8pPr marL="3429000" indent="-228600" eaLnBrk="0" fontAlgn="base" hangingPunct="0">
+              <a:lnSpc>
+                <a:spcPct val="90000"/>
+              </a:lnSpc>
+              <a:spcBef>
+                <a:spcPts val="500"/>
+              </a:spcBef>
+              <a:spcAft>
+                <a:spcPct val="0"/>
+              </a:spcAft>
+              <a:buFont typeface="Arial" panose="020B0604020202020204" pitchFamily="34" charset="0"/>
+              <a:buChar char="•"/>
+              <a:defRPr>
+                <a:solidFill>
+                  <a:schemeClr val="tx1"/>
+                </a:solidFill>
+                <a:latin typeface="Calibri" panose="020F0502020204030204" pitchFamily="34" charset="0"/>
+                <a:ea typeface="宋体" panose="02010600030101010101" pitchFamily="2" charset="-122"/>
+              </a:defRPr>
+            </a:lvl8pPr>
+            <a:lvl9pPr marL="3886200" indent="-228600" eaLnBrk="0" fontAlgn="base" hangingPunct="0">
+              <a:lnSpc>
+                <a:spcPct val="90000"/>
+              </a:lnSpc>
+              <a:spcBef>
+                <a:spcPts val="500"/>
+              </a:spcBef>
+              <a:spcAft>
+                <a:spcPct val="0"/>
+              </a:spcAft>
+              <a:buFont typeface="Arial" panose="020B0604020202020204" pitchFamily="34" charset="0"/>
+              <a:buChar char="•"/>
+              <a:defRPr>
+                <a:solidFill>
+                  <a:schemeClr val="tx1"/>
+                </a:solidFill>
+                <a:latin typeface="Calibri" panose="020F0502020204030204" pitchFamily="34" charset="0"/>
+                <a:ea typeface="宋体" panose="02010600030101010101" pitchFamily="2" charset="-122"/>
+              </a:defRPr>
+            </a:lvl9pPr>
+          </a:lstStyle>
+          <a:p>
+            <a:pPr lvl="0">
+              <a:lnSpc>
+                <a:spcPct val="100000"/>
+              </a:lnSpc>
+              <a:spcBef>
+                <a:spcPct val="0"/>
+              </a:spcBef>
+              <a:buNone/>
+              <a:defRPr/>
+            </a:pPr>
+            <a:r>
+              <a:rPr kumimoji="0" lang="en-US" altLang="zh-CN" sz="2400" b="0" i="0" u="none" strike="noStrike" kern="1200" cap="none" spc="0" normalizeH="0" baseline="0" noProof="0" dirty="0">
+                <a:ln>
+                  <a:noFill/>
+                </a:ln>
+                <a:solidFill>
+                  <a:prstClr val="black"/>
+                </a:solidFill>
+                <a:effectLst/>
+                <a:uLnTx/>
+                <a:uFillTx/>
+                <a:latin typeface="Times New Roman" panose="02020603050405020304" pitchFamily="18" charset="0"/>
+                <a:ea typeface="微软雅黑" panose="020B0503020204020204" pitchFamily="34" charset="-122"/>
+                <a:cs typeface="Times New Roman" panose="02020603050405020304" pitchFamily="18" charset="0"/>
+              </a:rPr>
+              <a:t>EXHIBITION</a:t>
+            </a:r>
+            <a:endParaRPr kumimoji="0" lang="zh-CN" altLang="en-US" sz="2400" b="0" i="0" u="none" strike="noStrike" kern="1200" cap="none" spc="0" normalizeH="0" baseline="0" noProof="0" dirty="0">
+              <a:ln>
+                <a:noFill/>
+              </a:ln>
+              <a:solidFill>
+                <a:prstClr val="black"/>
+              </a:solidFill>
+              <a:effectLst/>
+              <a:uLnTx/>
+              <a:uFillTx/>
+              <a:latin typeface="Times New Roman" panose="02020603050405020304" pitchFamily="18" charset="0"/>
+              <a:ea typeface="微软雅黑" panose="020B0503020204020204" pitchFamily="34" charset="-122"/>
+              <a:cs typeface="Times New Roman" panose="02020603050405020304" pitchFamily="18" charset="0"/>
+            </a:endParaRPr>
+          </a:p>
+        </p:txBody>
+      </p:sp>
+      <p:pic>
+        <p:nvPicPr>
+          <p:cNvPr id="7" name="Picture 2" descr="西南大学高清透明背景校徽（全透明）">
+            <a:extLst>
+              <a:ext uri="{FF2B5EF4-FFF2-40B4-BE49-F238E27FC236}">
+                <a16:creationId xmlns:a16="http://schemas.microsoft.com/office/drawing/2014/main" id="{C7613B50-9189-1FD5-B474-A5AED573BADB}"/>
+              </a:ext>
+            </a:extLst>
+          </p:cNvPr>
+          <p:cNvPicPr>
+            <a:picLocks noChangeAspect="1" noChangeArrowheads="1"/>
+          </p:cNvPicPr>
+          <p:nvPr/>
+        </p:nvPicPr>
+        <p:blipFill>
+          <a:blip r:embed="rId3" cstate="print">
+            <a:extLst>
+              <a:ext uri="{28A0092B-C50C-407E-A947-70E740481C1C}">
+                <a14:useLocalDpi xmlns:a14="http://schemas.microsoft.com/office/drawing/2010/main" val="0"/>
+              </a:ext>
+            </a:extLst>
+          </a:blip>
+          <a:srcRect/>
+          <a:stretch>
+            <a:fillRect/>
+          </a:stretch>
+        </p:blipFill>
+        <p:spPr bwMode="auto">
+          <a:xfrm>
+            <a:off x="10040938" y="81755"/>
+            <a:ext cx="2103831" cy="2103831"/>
+          </a:xfrm>
+          <a:prstGeom prst="rect">
+            <a:avLst/>
+          </a:prstGeom>
+          <a:noFill/>
+          <a:extLst>
+            <a:ext uri="{909E8E84-426E-40DD-AFC4-6F175D3DCCD1}">
+              <a14:hiddenFill xmlns:a14="http://schemas.microsoft.com/office/drawing/2010/main">
+                <a:solidFill>
+                  <a:srgbClr val="FFFFFF"/>
+                </a:solidFill>
+              </a14:hiddenFill>
+            </a:ext>
+          </a:extLst>
+        </p:spPr>
+      </p:pic>
+      <p:pic>
+        <p:nvPicPr>
+          <p:cNvPr id="4" name="图片 3" descr="地图&#10;&#10;AI 生成的内容可能不正确。">
+            <a:extLst>
+              <a:ext uri="{FF2B5EF4-FFF2-40B4-BE49-F238E27FC236}">
+                <a16:creationId xmlns:a16="http://schemas.microsoft.com/office/drawing/2014/main" id="{CA5A8F8E-A0CF-D2F2-1BE4-66A47C3EAE31}"/>
+              </a:ext>
+            </a:extLst>
+          </p:cNvPr>
+          <p:cNvPicPr>
+            <a:picLocks noChangeAspect="1"/>
+          </p:cNvPicPr>
+          <p:nvPr/>
+        </p:nvPicPr>
+        <p:blipFill>
+          <a:blip r:embed="rId4">
+            <a:extLst>
+              <a:ext uri="{28A0092B-C50C-407E-A947-70E740481C1C}">
+                <a14:useLocalDpi xmlns:a14="http://schemas.microsoft.com/office/drawing/2010/main" val="0"/>
+              </a:ext>
+            </a:extLst>
+          </a:blip>
+          <a:stretch>
+            <a:fillRect/>
+          </a:stretch>
+        </p:blipFill>
+        <p:spPr>
+          <a:xfrm>
+            <a:off x="404190" y="931865"/>
+            <a:ext cx="9554817" cy="4774919"/>
+          </a:xfrm>
+          <a:prstGeom prst="rect">
+            <a:avLst/>
+          </a:prstGeom>
+        </p:spPr>
+      </p:pic>
+    </p:spTree>
+    <p:extLst>
+      <p:ext uri="{BB962C8B-B14F-4D97-AF65-F5344CB8AC3E}">
+        <p14:creationId xmlns:p14="http://schemas.microsoft.com/office/powerpoint/2010/main" val="2947040980"/>
+      </p:ext>
+    </p:extLst>
+  </p:cSld>
+  <p:clrMapOvr>
+    <a:masterClrMapping/>
+  </p:clrMapOvr>
+  <p:transition/>
+</p:sld>
+</file>
+
+<file path=ppt/slides/slide8.xml><?xml version="1.0" encoding="utf-8"?>
+<p:sld xmlns:a="http://schemas.openxmlformats.org/drawingml/2006/main" xmlns:r="http://schemas.openxmlformats.org/officeDocument/2006/relationships" xmlns:p="http://schemas.openxmlformats.org/presentationml/2006/main">
+  <p:cSld>
+    <p:spTree>
+      <p:nvGrpSpPr>
+        <p:cNvPr id="1" name="">
+          <a:extLst>
+            <a:ext uri="{FF2B5EF4-FFF2-40B4-BE49-F238E27FC236}">
+              <a16:creationId xmlns:a16="http://schemas.microsoft.com/office/drawing/2014/main" id="{F912E606-A4F8-9A97-F479-782F49F365D1}"/>
+            </a:ext>
+          </a:extLst>
+        </p:cNvPr>
+        <p:cNvGrpSpPr/>
+        <p:nvPr/>
+      </p:nvGrpSpPr>
+      <p:grpSpPr>
+        <a:xfrm>
+          <a:off x="0" y="0"/>
+          <a:ext cx="0" cy="0"/>
+          <a:chOff x="0" y="0"/>
+          <a:chExt cx="0" cy="0"/>
+        </a:xfrm>
+      </p:grpSpPr>
+      <p:sp>
+        <p:nvSpPr>
+          <p:cNvPr id="24" name="TextBox 23">
+            <a:extLst>
+              <a:ext uri="{FF2B5EF4-FFF2-40B4-BE49-F238E27FC236}">
+                <a16:creationId xmlns:a16="http://schemas.microsoft.com/office/drawing/2014/main" id="{5A34470E-DB4A-6B0F-3669-89351F46B7E9}"/>
+              </a:ext>
+            </a:extLst>
+          </p:cNvPr>
+          <p:cNvSpPr txBox="1"/>
+          <p:nvPr/>
+        </p:nvSpPr>
+        <p:spPr>
+          <a:xfrm>
+            <a:off x="8999745" y="2644634"/>
+            <a:ext cx="2688299" cy="363882"/>
+          </a:xfrm>
+          <a:prstGeom prst="rect">
+            <a:avLst/>
+          </a:prstGeom>
+          <a:noFill/>
+          <a:ln>
+            <a:noFill/>
+          </a:ln>
+        </p:spPr>
+        <p:txBody>
+          <a:bodyPr wrap="square" rtlCol="0">
+            <a:spAutoFit/>
+          </a:bodyPr>
+          <a:lstStyle/>
+          <a:p>
+            <a:pPr marL="0" marR="0" lvl="0" indent="0" algn="l" defTabSz="914400" rtl="0" eaLnBrk="1" fontAlgn="auto" latinLnBrk="0" hangingPunct="1">
+              <a:lnSpc>
+                <a:spcPct val="150000"/>
+              </a:lnSpc>
+              <a:spcBef>
+                <a:spcPts val="0"/>
+              </a:spcBef>
+              <a:spcAft>
+                <a:spcPts val="0"/>
+              </a:spcAft>
+              <a:buClrTx/>
+              <a:buSzTx/>
+              <a:buFontTx/>
+              <a:buNone/>
+              <a:tabLst/>
+              <a:defRPr/>
+            </a:pPr>
+            <a:endParaRPr kumimoji="0" lang="zh-CN" altLang="en-US" sz="1333" b="0" i="0" u="none" strike="noStrike" kern="1200" cap="none" spc="0" normalizeH="0" baseline="0" noProof="0">
+              <a:ln>
+                <a:noFill/>
+              </a:ln>
+              <a:solidFill>
+                <a:srgbClr val="5B9BD5"/>
+              </a:solidFill>
+              <a:effectLst/>
+              <a:uLnTx/>
+              <a:uFillTx/>
+              <a:latin typeface="微软雅黑" pitchFamily="34" charset="-122"/>
+              <a:ea typeface="微软雅黑" pitchFamily="34" charset="-122"/>
+              <a:cs typeface="+mn-cs"/>
+              <a:sym typeface="微软雅黑" pitchFamily="34" charset="-122"/>
+            </a:endParaRPr>
+          </a:p>
+        </p:txBody>
+      </p:sp>
+      <p:sp>
+        <p:nvSpPr>
+          <p:cNvPr id="35" name="矩形 80">
+            <a:extLst>
+              <a:ext uri="{FF2B5EF4-FFF2-40B4-BE49-F238E27FC236}">
+                <a16:creationId xmlns:a16="http://schemas.microsoft.com/office/drawing/2014/main" id="{BAD40F97-E783-248A-D6FD-7DF89B0526CB}"/>
+              </a:ext>
+            </a:extLst>
+          </p:cNvPr>
+          <p:cNvSpPr>
+            <a:spLocks noChangeArrowheads="1"/>
+          </p:cNvSpPr>
+          <p:nvPr/>
+        </p:nvSpPr>
+        <p:spPr bwMode="auto">
+          <a:xfrm>
+            <a:off x="828326" y="335226"/>
+            <a:ext cx="1963999" cy="461665"/>
+          </a:xfrm>
+          <a:prstGeom prst="rect">
+            <a:avLst/>
+          </a:prstGeom>
+          <a:noFill/>
+          <a:ln>
+            <a:noFill/>
+          </a:ln>
+          <a:extLst>
+            <a:ext uri="{909E8E84-426E-40DD-AFC4-6F175D3DCCD1}">
+              <a14:hiddenFill xmlns:a14="http://schemas.microsoft.com/office/drawing/2010/main">
+                <a:solidFill>
+                  <a:srgbClr val="FFFFFF"/>
+                </a:solidFill>
+              </a14:hiddenFill>
+            </a:ext>
+            <a:ext uri="{91240B29-F687-4F45-9708-019B960494DF}">
+              <a14:hiddenLine xmlns:a14="http://schemas.microsoft.com/office/drawing/2010/main" w="9525">
+                <a:solidFill>
+                  <a:srgbClr val="000000"/>
+                </a:solidFill>
+                <a:miter lim="800000"/>
+                <a:headEnd/>
+                <a:tailEnd/>
+              </a14:hiddenLine>
+            </a:ext>
+          </a:extLst>
+        </p:spPr>
+        <p:txBody>
+          <a:bodyPr wrap="none">
+            <a:spAutoFit/>
+          </a:bodyPr>
+          <a:lstStyle>
+            <a:lvl1pPr>
+              <a:lnSpc>
+                <a:spcPct val="90000"/>
+              </a:lnSpc>
+              <a:spcBef>
+                <a:spcPts val="1000"/>
+              </a:spcBef>
+              <a:buChar char="•"/>
+              <a:defRPr sz="2800">
+                <a:solidFill>
+                  <a:schemeClr val="tx1"/>
+                </a:solidFill>
+                <a:latin typeface="Calibri" panose="020F0502020204030204" pitchFamily="34" charset="0"/>
+                <a:ea typeface="宋体" panose="02010600030101010101" pitchFamily="2" charset="-122"/>
+              </a:defRPr>
+            </a:lvl1pPr>
+            <a:lvl2pPr marL="742950" indent="-285750">
+              <a:lnSpc>
+                <a:spcPct val="90000"/>
+              </a:lnSpc>
+              <a:spcBef>
+                <a:spcPts val="500"/>
+              </a:spcBef>
+              <a:buChar char="•"/>
+              <a:defRPr sz="2400">
+                <a:solidFill>
+                  <a:schemeClr val="tx1"/>
+                </a:solidFill>
+                <a:latin typeface="Calibri" panose="020F0502020204030204" pitchFamily="34" charset="0"/>
+                <a:ea typeface="宋体" panose="02010600030101010101" pitchFamily="2" charset="-122"/>
+              </a:defRPr>
+            </a:lvl2pPr>
+            <a:lvl3pPr marL="1143000" indent="-228600">
+              <a:lnSpc>
+                <a:spcPct val="90000"/>
+              </a:lnSpc>
+              <a:spcBef>
+                <a:spcPts val="500"/>
+              </a:spcBef>
+              <a:buChar char="•"/>
+              <a:defRPr sz="2000">
+                <a:solidFill>
+                  <a:schemeClr val="tx1"/>
+                </a:solidFill>
+                <a:latin typeface="Calibri" panose="020F0502020204030204" pitchFamily="34" charset="0"/>
+                <a:ea typeface="宋体" panose="02010600030101010101" pitchFamily="2" charset="-122"/>
+              </a:defRPr>
+            </a:lvl3pPr>
+            <a:lvl4pPr marL="1600200" indent="-228600">
+              <a:lnSpc>
+                <a:spcPct val="90000"/>
+              </a:lnSpc>
+              <a:spcBef>
+                <a:spcPts val="500"/>
+              </a:spcBef>
+              <a:buChar char="•"/>
+              <a:defRPr>
+                <a:solidFill>
+                  <a:schemeClr val="tx1"/>
+                </a:solidFill>
+                <a:latin typeface="Calibri" panose="020F0502020204030204" pitchFamily="34" charset="0"/>
+                <a:ea typeface="宋体" panose="02010600030101010101" pitchFamily="2" charset="-122"/>
+              </a:defRPr>
+            </a:lvl4pPr>
+            <a:lvl5pPr marL="2057400" indent="-228600">
+              <a:lnSpc>
+                <a:spcPct val="90000"/>
+              </a:lnSpc>
+              <a:spcBef>
+                <a:spcPts val="500"/>
+              </a:spcBef>
+              <a:buChar char="•"/>
+              <a:defRPr>
+                <a:solidFill>
+                  <a:schemeClr val="tx1"/>
+                </a:solidFill>
+                <a:latin typeface="Calibri" panose="020F0502020204030204" pitchFamily="34" charset="0"/>
+                <a:ea typeface="宋体" panose="02010600030101010101" pitchFamily="2" charset="-122"/>
+              </a:defRPr>
+            </a:lvl5pPr>
+            <a:lvl6pPr marL="2514600" indent="-228600" eaLnBrk="0" fontAlgn="base" hangingPunct="0">
+              <a:lnSpc>
+                <a:spcPct val="90000"/>
+              </a:lnSpc>
+              <a:spcBef>
+                <a:spcPts val="500"/>
+              </a:spcBef>
+              <a:spcAft>
+                <a:spcPct val="0"/>
+              </a:spcAft>
+              <a:buFont typeface="Arial" panose="020B0604020202020204" pitchFamily="34" charset="0"/>
+              <a:buChar char="•"/>
+              <a:defRPr>
+                <a:solidFill>
+                  <a:schemeClr val="tx1"/>
+                </a:solidFill>
+                <a:latin typeface="Calibri" panose="020F0502020204030204" pitchFamily="34" charset="0"/>
+                <a:ea typeface="宋体" panose="02010600030101010101" pitchFamily="2" charset="-122"/>
+              </a:defRPr>
+            </a:lvl6pPr>
+            <a:lvl7pPr marL="2971800" indent="-228600" eaLnBrk="0" fontAlgn="base" hangingPunct="0">
+              <a:lnSpc>
+                <a:spcPct val="90000"/>
+              </a:lnSpc>
+              <a:spcBef>
+                <a:spcPts val="500"/>
+              </a:spcBef>
+              <a:spcAft>
+                <a:spcPct val="0"/>
+              </a:spcAft>
+              <a:buFont typeface="Arial" panose="020B0604020202020204" pitchFamily="34" charset="0"/>
+              <a:buChar char="•"/>
+              <a:defRPr>
+                <a:solidFill>
+                  <a:schemeClr val="tx1"/>
+                </a:solidFill>
+                <a:latin typeface="Calibri" panose="020F0502020204030204" pitchFamily="34" charset="0"/>
+                <a:ea typeface="宋体" panose="02010600030101010101" pitchFamily="2" charset="-122"/>
+              </a:defRPr>
+            </a:lvl7pPr>
+            <a:lvl8pPr marL="3429000" indent="-228600" eaLnBrk="0" fontAlgn="base" hangingPunct="0">
+              <a:lnSpc>
+                <a:spcPct val="90000"/>
+              </a:lnSpc>
+              <a:spcBef>
+                <a:spcPts val="500"/>
+              </a:spcBef>
+              <a:spcAft>
+                <a:spcPct val="0"/>
+              </a:spcAft>
+              <a:buFont typeface="Arial" panose="020B0604020202020204" pitchFamily="34" charset="0"/>
+              <a:buChar char="•"/>
+              <a:defRPr>
+                <a:solidFill>
+                  <a:schemeClr val="tx1"/>
+                </a:solidFill>
+                <a:latin typeface="Calibri" panose="020F0502020204030204" pitchFamily="34" charset="0"/>
+                <a:ea typeface="宋体" panose="02010600030101010101" pitchFamily="2" charset="-122"/>
+              </a:defRPr>
+            </a:lvl8pPr>
+            <a:lvl9pPr marL="3886200" indent="-228600" eaLnBrk="0" fontAlgn="base" hangingPunct="0">
+              <a:lnSpc>
+                <a:spcPct val="90000"/>
+              </a:lnSpc>
+              <a:spcBef>
+                <a:spcPts val="500"/>
+              </a:spcBef>
+              <a:spcAft>
+                <a:spcPct val="0"/>
+              </a:spcAft>
+              <a:buFont typeface="Arial" panose="020B0604020202020204" pitchFamily="34" charset="0"/>
+              <a:buChar char="•"/>
+              <a:defRPr>
+                <a:solidFill>
+                  <a:schemeClr val="tx1"/>
+                </a:solidFill>
+                <a:latin typeface="Calibri" panose="020F0502020204030204" pitchFamily="34" charset="0"/>
+                <a:ea typeface="宋体" panose="02010600030101010101" pitchFamily="2" charset="-122"/>
+              </a:defRPr>
+            </a:lvl9pPr>
+          </a:lstStyle>
+          <a:p>
+            <a:pPr lvl="0">
+              <a:lnSpc>
+                <a:spcPct val="100000"/>
+              </a:lnSpc>
+              <a:spcBef>
+                <a:spcPct val="0"/>
+              </a:spcBef>
+              <a:buNone/>
+              <a:defRPr/>
+            </a:pPr>
+            <a:r>
+              <a:rPr kumimoji="0" lang="en-US" altLang="zh-CN" sz="2400" b="0" i="0" u="none" strike="noStrike" kern="1200" cap="none" spc="0" normalizeH="0" baseline="0" noProof="0" dirty="0">
+                <a:ln>
+                  <a:noFill/>
+                </a:ln>
+                <a:solidFill>
+                  <a:prstClr val="black"/>
+                </a:solidFill>
+                <a:effectLst/>
+                <a:uLnTx/>
+                <a:uFillTx/>
+                <a:latin typeface="Times New Roman" panose="02020603050405020304" pitchFamily="18" charset="0"/>
+                <a:ea typeface="微软雅黑" panose="020B0503020204020204" pitchFamily="34" charset="-122"/>
+                <a:cs typeface="Times New Roman" panose="02020603050405020304" pitchFamily="18" charset="0"/>
+              </a:rPr>
+              <a:t>EXHIBITION</a:t>
+            </a:r>
+            <a:endParaRPr kumimoji="0" lang="zh-CN" altLang="en-US" sz="2400" b="0" i="0" u="none" strike="noStrike" kern="1200" cap="none" spc="0" normalizeH="0" baseline="0" noProof="0" dirty="0">
+              <a:ln>
+                <a:noFill/>
+              </a:ln>
+              <a:solidFill>
+                <a:prstClr val="black"/>
+              </a:solidFill>
+              <a:effectLst/>
+              <a:uLnTx/>
+              <a:uFillTx/>
+              <a:latin typeface="Times New Roman" panose="02020603050405020304" pitchFamily="18" charset="0"/>
+              <a:ea typeface="微软雅黑" panose="020B0503020204020204" pitchFamily="34" charset="-122"/>
+              <a:cs typeface="Times New Roman" panose="02020603050405020304" pitchFamily="18" charset="0"/>
+            </a:endParaRPr>
+          </a:p>
+        </p:txBody>
+      </p:sp>
+      <p:pic>
+        <p:nvPicPr>
+          <p:cNvPr id="7" name="Picture 2" descr="西南大学高清透明背景校徽（全透明）">
+            <a:extLst>
+              <a:ext uri="{FF2B5EF4-FFF2-40B4-BE49-F238E27FC236}">
+                <a16:creationId xmlns:a16="http://schemas.microsoft.com/office/drawing/2014/main" id="{01423191-F089-6978-B8F0-A12AC2BAD5E2}"/>
+              </a:ext>
+            </a:extLst>
+          </p:cNvPr>
+          <p:cNvPicPr>
+            <a:picLocks noChangeAspect="1" noChangeArrowheads="1"/>
+          </p:cNvPicPr>
+          <p:nvPr/>
+        </p:nvPicPr>
+        <p:blipFill>
+          <a:blip r:embed="rId3" cstate="print">
+            <a:extLst>
+              <a:ext uri="{28A0092B-C50C-407E-A947-70E740481C1C}">
+                <a14:useLocalDpi xmlns:a14="http://schemas.microsoft.com/office/drawing/2010/main" val="0"/>
+              </a:ext>
+            </a:extLst>
+          </a:blip>
+          <a:srcRect/>
+          <a:stretch>
+            <a:fillRect/>
+          </a:stretch>
+        </p:blipFill>
+        <p:spPr bwMode="auto">
+          <a:xfrm>
+            <a:off x="10040938" y="81755"/>
+            <a:ext cx="2103831" cy="2103831"/>
+          </a:xfrm>
+          <a:prstGeom prst="rect">
+            <a:avLst/>
+          </a:prstGeom>
+          <a:noFill/>
+          <a:extLst>
+            <a:ext uri="{909E8E84-426E-40DD-AFC4-6F175D3DCCD1}">
+              <a14:hiddenFill xmlns:a14="http://schemas.microsoft.com/office/drawing/2010/main">
+                <a:solidFill>
+                  <a:srgbClr val="FFFFFF"/>
+                </a:solidFill>
+              </a14:hiddenFill>
+            </a:ext>
+          </a:extLst>
+        </p:spPr>
+      </p:pic>
+      <p:pic>
+        <p:nvPicPr>
+          <p:cNvPr id="4" name="图片 3" descr="图形用户界面, 应用程序&#10;&#10;AI 生成的内容可能不正确。">
+            <a:extLst>
+              <a:ext uri="{FF2B5EF4-FFF2-40B4-BE49-F238E27FC236}">
+                <a16:creationId xmlns:a16="http://schemas.microsoft.com/office/drawing/2014/main" id="{037BCD04-DA47-588D-5377-C83C9EE8B9D5}"/>
+              </a:ext>
+            </a:extLst>
+          </p:cNvPr>
+          <p:cNvPicPr>
+            <a:picLocks noChangeAspect="1"/>
+          </p:cNvPicPr>
+          <p:nvPr/>
+        </p:nvPicPr>
+        <p:blipFill>
+          <a:blip r:embed="rId4">
+            <a:extLst>
+              <a:ext uri="{28A0092B-C50C-407E-A947-70E740481C1C}">
+                <a14:useLocalDpi xmlns:a14="http://schemas.microsoft.com/office/drawing/2010/main" val="0"/>
+              </a:ext>
+            </a:extLst>
+          </a:blip>
+          <a:stretch>
+            <a:fillRect/>
+          </a:stretch>
+        </p:blipFill>
+        <p:spPr>
+          <a:xfrm>
+            <a:off x="265891" y="1076707"/>
+            <a:ext cx="9620230" cy="4321588"/>
+          </a:xfrm>
+          <a:prstGeom prst="rect">
+            <a:avLst/>
+          </a:prstGeom>
+        </p:spPr>
+      </p:pic>
+    </p:spTree>
+    <p:extLst>
+      <p:ext uri="{BB962C8B-B14F-4D97-AF65-F5344CB8AC3E}">
+        <p14:creationId xmlns:p14="http://schemas.microsoft.com/office/powerpoint/2010/main" val="1517340126"/>
+      </p:ext>
+    </p:extLst>
+  </p:cSld>
+  <p:clrMapOvr>
+    <a:masterClrMapping/>
+  </p:clrMapOvr>
+  <p:transition/>
+</p:sld>
+</file>
+
+<file path=ppt/slides/slide9.xml><?xml version="1.0" encoding="utf-8"?>
 <p:sld xmlns:a="http://schemas.openxmlformats.org/drawingml/2006/main" xmlns:r="http://schemas.openxmlformats.org/officeDocument/2006/relationships" xmlns:p="http://schemas.openxmlformats.org/presentationml/2006/main">
   <p:cSld>
     <p:spTree>

--- a/实训项目中期汇报.pptx
+++ b/实训项目中期汇报.pptx
@@ -5,23 +5,25 @@
     <p:sldMasterId id="2147483648" r:id="rId1"/>
   </p:sldMasterIdLst>
   <p:notesMasterIdLst>
-    <p:notesMasterId r:id="rId11"/>
+    <p:notesMasterId r:id="rId13"/>
   </p:notesMasterIdLst>
   <p:sldIdLst>
     <p:sldId id="256" r:id="rId2"/>
     <p:sldId id="267" r:id="rId3"/>
     <p:sldId id="299" r:id="rId4"/>
-    <p:sldId id="300" r:id="rId5"/>
-    <p:sldId id="301" r:id="rId6"/>
-    <p:sldId id="302" r:id="rId7"/>
-    <p:sldId id="303" r:id="rId8"/>
-    <p:sldId id="304" r:id="rId9"/>
-    <p:sldId id="284" r:id="rId10"/>
+    <p:sldId id="305" r:id="rId5"/>
+    <p:sldId id="306" r:id="rId6"/>
+    <p:sldId id="300" r:id="rId7"/>
+    <p:sldId id="301" r:id="rId8"/>
+    <p:sldId id="302" r:id="rId9"/>
+    <p:sldId id="303" r:id="rId10"/>
+    <p:sldId id="304" r:id="rId11"/>
+    <p:sldId id="284" r:id="rId12"/>
   </p:sldIdLst>
   <p:sldSz cx="12192000" cy="6858000"/>
   <p:notesSz cx="6858000" cy="9144000"/>
   <p:custDataLst>
-    <p:tags r:id="rId12"/>
+    <p:tags r:id="rId14"/>
   </p:custDataLst>
   <p:defaultTextStyle>
     <a:defPPr>
@@ -983,6 +985,258 @@
 </p:notes>
 </file>
 
+<file path=ppt/notesSlides/notesSlide10.xml><?xml version="1.0" encoding="utf-8"?>
+<p:notes xmlns:a="http://schemas.openxmlformats.org/drawingml/2006/main" xmlns:r="http://schemas.openxmlformats.org/officeDocument/2006/relationships" xmlns:p="http://schemas.openxmlformats.org/presentationml/2006/main">
+  <p:cSld>
+    <p:spTree>
+      <p:nvGrpSpPr>
+        <p:cNvPr id="1" name="">
+          <a:extLst>
+            <a:ext uri="{FF2B5EF4-FFF2-40B4-BE49-F238E27FC236}">
+              <a16:creationId xmlns:a16="http://schemas.microsoft.com/office/drawing/2014/main" id="{E02544DA-1347-52D0-86A9-942D1BB95FC8}"/>
+            </a:ext>
+          </a:extLst>
+        </p:cNvPr>
+        <p:cNvGrpSpPr/>
+        <p:nvPr/>
+      </p:nvGrpSpPr>
+      <p:grpSpPr>
+        <a:xfrm>
+          <a:off x="0" y="0"/>
+          <a:ext cx="0" cy="0"/>
+          <a:chOff x="0" y="0"/>
+          <a:chExt cx="0" cy="0"/>
+        </a:xfrm>
+      </p:grpSpPr>
+      <p:sp>
+        <p:nvSpPr>
+          <p:cNvPr id="2" name="幻灯片图像占位符 1">
+            <a:extLst>
+              <a:ext uri="{FF2B5EF4-FFF2-40B4-BE49-F238E27FC236}">
+                <a16:creationId xmlns:a16="http://schemas.microsoft.com/office/drawing/2014/main" id="{6110C0FA-0647-C9BC-1536-0AF91E941187}"/>
+              </a:ext>
+            </a:extLst>
+          </p:cNvPr>
+          <p:cNvSpPr>
+            <a:spLocks noGrp="1" noRot="1" noChangeAspect="1"/>
+          </p:cNvSpPr>
+          <p:nvPr>
+            <p:ph type="sldImg"/>
+          </p:nvPr>
+        </p:nvSpPr>
+        <p:spPr/>
+      </p:sp>
+      <p:sp>
+        <p:nvSpPr>
+          <p:cNvPr id="3" name="备注占位符 2">
+            <a:extLst>
+              <a:ext uri="{FF2B5EF4-FFF2-40B4-BE49-F238E27FC236}">
+                <a16:creationId xmlns:a16="http://schemas.microsoft.com/office/drawing/2014/main" id="{0DD5F3E9-F6A1-D1E1-105D-8B50FA5BFD4A}"/>
+              </a:ext>
+            </a:extLst>
+          </p:cNvPr>
+          <p:cNvSpPr>
+            <a:spLocks noGrp="1"/>
+          </p:cNvSpPr>
+          <p:nvPr>
+            <p:ph type="body" idx="1"/>
+          </p:nvPr>
+        </p:nvSpPr>
+        <p:spPr/>
+        <p:txBody>
+          <a:bodyPr/>
+          <a:lstStyle/>
+          <a:p>
+            <a:endParaRPr lang="zh-CN" altLang="en-US"/>
+          </a:p>
+        </p:txBody>
+      </p:sp>
+      <p:sp>
+        <p:nvSpPr>
+          <p:cNvPr id="4" name="灯片编号占位符 3">
+            <a:extLst>
+              <a:ext uri="{FF2B5EF4-FFF2-40B4-BE49-F238E27FC236}">
+                <a16:creationId xmlns:a16="http://schemas.microsoft.com/office/drawing/2014/main" id="{8668365A-4287-CF10-B992-4426B9182C76}"/>
+              </a:ext>
+            </a:extLst>
+          </p:cNvPr>
+          <p:cNvSpPr>
+            <a:spLocks noGrp="1"/>
+          </p:cNvSpPr>
+          <p:nvPr>
+            <p:ph type="sldNum" sz="quarter" idx="10"/>
+          </p:nvPr>
+        </p:nvSpPr>
+        <p:spPr/>
+        <p:txBody>
+          <a:bodyPr/>
+          <a:lstStyle/>
+          <a:p>
+            <a:pPr marL="0" marR="0" lvl="0" indent="0" algn="r" defTabSz="914400" rtl="0" eaLnBrk="1" fontAlgn="auto" latinLnBrk="0" hangingPunct="1">
+              <a:lnSpc>
+                <a:spcPct val="100000"/>
+              </a:lnSpc>
+              <a:spcBef>
+                <a:spcPts val="0"/>
+              </a:spcBef>
+              <a:spcAft>
+                <a:spcPts val="0"/>
+              </a:spcAft>
+              <a:buClrTx/>
+              <a:buSzTx/>
+              <a:buFontTx/>
+              <a:buNone/>
+              <a:tabLst/>
+              <a:defRPr/>
+            </a:pPr>
+            <a:fld id="{AB2A0F9D-3357-4A94-85C8-3B842B870DC6}" type="slidenum">
+              <a:rPr kumimoji="0" lang="zh-CN" altLang="en-US" sz="1200" b="0" i="0" u="none" strike="noStrike" kern="1200" cap="none" spc="0" normalizeH="0" baseline="0" noProof="0" smtClean="0">
+                <a:ln>
+                  <a:noFill/>
+                </a:ln>
+                <a:solidFill>
+                  <a:prstClr val="black"/>
+                </a:solidFill>
+                <a:effectLst/>
+                <a:uLnTx/>
+                <a:uFillTx/>
+                <a:latin typeface="Calibri" panose="020F0502020204030204"/>
+                <a:ea typeface="宋体" panose="02010600030101010101" pitchFamily="2" charset="-122"/>
+                <a:cs typeface="+mn-cs"/>
+              </a:rPr>
+              <a:pPr marL="0" marR="0" lvl="0" indent="0" algn="r" defTabSz="914400" rtl="0" eaLnBrk="1" fontAlgn="auto" latinLnBrk="0" hangingPunct="1">
+                <a:lnSpc>
+                  <a:spcPct val="100000"/>
+                </a:lnSpc>
+                <a:spcBef>
+                  <a:spcPts val="0"/>
+                </a:spcBef>
+                <a:spcAft>
+                  <a:spcPts val="0"/>
+                </a:spcAft>
+                <a:buClrTx/>
+                <a:buSzTx/>
+                <a:buFontTx/>
+                <a:buNone/>
+                <a:tabLst/>
+                <a:defRPr/>
+              </a:pPr>
+              <a:t>10</a:t>
+            </a:fld>
+            <a:endParaRPr kumimoji="0" lang="zh-CN" altLang="en-US" sz="1200" b="0" i="0" u="none" strike="noStrike" kern="1200" cap="none" spc="0" normalizeH="0" baseline="0" noProof="0">
+              <a:ln>
+                <a:noFill/>
+              </a:ln>
+              <a:solidFill>
+                <a:prstClr val="black"/>
+              </a:solidFill>
+              <a:effectLst/>
+              <a:uLnTx/>
+              <a:uFillTx/>
+              <a:latin typeface="Calibri" panose="020F0502020204030204"/>
+              <a:ea typeface="宋体" panose="02010600030101010101" pitchFamily="2" charset="-122"/>
+              <a:cs typeface="+mn-cs"/>
+            </a:endParaRPr>
+          </a:p>
+        </p:txBody>
+      </p:sp>
+    </p:spTree>
+    <p:extLst>
+      <p:ext uri="{BB962C8B-B14F-4D97-AF65-F5344CB8AC3E}">
+        <p14:creationId xmlns:p14="http://schemas.microsoft.com/office/powerpoint/2010/main" val="3909660766"/>
+      </p:ext>
+    </p:extLst>
+  </p:cSld>
+  <p:clrMapOvr>
+    <a:masterClrMapping/>
+  </p:clrMapOvr>
+</p:notes>
+</file>
+
+<file path=ppt/notesSlides/notesSlide11.xml><?xml version="1.0" encoding="utf-8"?>
+<p:notes xmlns:a="http://schemas.openxmlformats.org/drawingml/2006/main" xmlns:r="http://schemas.openxmlformats.org/officeDocument/2006/relationships" xmlns:p="http://schemas.openxmlformats.org/presentationml/2006/main">
+  <p:cSld>
+    <p:spTree>
+      <p:nvGrpSpPr>
+        <p:cNvPr id="1" name=""/>
+        <p:cNvGrpSpPr/>
+        <p:nvPr/>
+      </p:nvGrpSpPr>
+      <p:grpSpPr>
+        <a:xfrm>
+          <a:off x="0" y="0"/>
+          <a:ext cx="0" cy="0"/>
+          <a:chOff x="0" y="0"/>
+          <a:chExt cx="0" cy="0"/>
+        </a:xfrm>
+      </p:grpSpPr>
+      <p:sp>
+        <p:nvSpPr>
+          <p:cNvPr id="2" name="幻灯片图像占位符 1"/>
+          <p:cNvSpPr>
+            <a:spLocks noGrp="1" noRot="1" noChangeAspect="1"/>
+          </p:cNvSpPr>
+          <p:nvPr>
+            <p:ph type="sldImg"/>
+          </p:nvPr>
+        </p:nvSpPr>
+        <p:spPr/>
+      </p:sp>
+      <p:sp>
+        <p:nvSpPr>
+          <p:cNvPr id="3" name="备注占位符 2"/>
+          <p:cNvSpPr>
+            <a:spLocks noGrp="1"/>
+          </p:cNvSpPr>
+          <p:nvPr>
+            <p:ph type="body" idx="1"/>
+          </p:nvPr>
+        </p:nvSpPr>
+        <p:spPr/>
+        <p:txBody>
+          <a:bodyPr/>
+          <a:lstStyle/>
+          <a:p>
+            <a:endParaRPr lang="zh-CN" altLang="en-US"/>
+          </a:p>
+        </p:txBody>
+      </p:sp>
+      <p:sp>
+        <p:nvSpPr>
+          <p:cNvPr id="4" name="灯片编号占位符 3"/>
+          <p:cNvSpPr>
+            <a:spLocks noGrp="1"/>
+          </p:cNvSpPr>
+          <p:nvPr>
+            <p:ph type="sldNum" sz="quarter" idx="10"/>
+          </p:nvPr>
+        </p:nvSpPr>
+        <p:spPr/>
+        <p:txBody>
+          <a:bodyPr/>
+          <a:lstStyle/>
+          <a:p>
+            <a:fld id="{946044AE-6422-40B1-88B0-B88CD884551D}" type="slidenum">
+              <a:rPr lang="zh-CN" altLang="en-US" smtClean="0"/>
+              <a:t>11</a:t>
+            </a:fld>
+            <a:endParaRPr lang="zh-CN" altLang="en-US"/>
+          </a:p>
+        </p:txBody>
+      </p:sp>
+    </p:spTree>
+    <p:extLst>
+      <p:ext uri="{BB962C8B-B14F-4D97-AF65-F5344CB8AC3E}">
+        <p14:creationId xmlns:p14="http://schemas.microsoft.com/office/powerpoint/2010/main" val="3127387993"/>
+      </p:ext>
+    </p:extLst>
+  </p:cSld>
+  <p:clrMapOvr>
+    <a:masterClrMapping/>
+  </p:clrMapOvr>
+</p:notes>
+</file>
+
 <file path=ppt/notesSlides/notesSlide2.xml><?xml version="1.0" encoding="utf-8"?>
 <p:notes xmlns:a="http://schemas.openxmlformats.org/drawingml/2006/main" xmlns:r="http://schemas.openxmlformats.org/officeDocument/2006/relationships" xmlns:p="http://schemas.openxmlformats.org/presentationml/2006/main">
   <p:cSld>
@@ -1212,6 +1466,342 @@
 </file>
 
 <file path=ppt/notesSlides/notesSlide4.xml><?xml version="1.0" encoding="utf-8"?>
+<p:notes xmlns:a="http://schemas.openxmlformats.org/drawingml/2006/main" xmlns:r="http://schemas.openxmlformats.org/officeDocument/2006/relationships" xmlns:p="http://schemas.openxmlformats.org/presentationml/2006/main">
+  <p:cSld>
+    <p:spTree>
+      <p:nvGrpSpPr>
+        <p:cNvPr id="1" name="">
+          <a:extLst>
+            <a:ext uri="{FF2B5EF4-FFF2-40B4-BE49-F238E27FC236}">
+              <a16:creationId xmlns:a16="http://schemas.microsoft.com/office/drawing/2014/main" id="{ED69C5BD-AF52-0BC6-3590-745D41590AB7}"/>
+            </a:ext>
+          </a:extLst>
+        </p:cNvPr>
+        <p:cNvGrpSpPr/>
+        <p:nvPr/>
+      </p:nvGrpSpPr>
+      <p:grpSpPr>
+        <a:xfrm>
+          <a:off x="0" y="0"/>
+          <a:ext cx="0" cy="0"/>
+          <a:chOff x="0" y="0"/>
+          <a:chExt cx="0" cy="0"/>
+        </a:xfrm>
+      </p:grpSpPr>
+      <p:sp>
+        <p:nvSpPr>
+          <p:cNvPr id="2" name="幻灯片图像占位符 1">
+            <a:extLst>
+              <a:ext uri="{FF2B5EF4-FFF2-40B4-BE49-F238E27FC236}">
+                <a16:creationId xmlns:a16="http://schemas.microsoft.com/office/drawing/2014/main" id="{AA9807D4-3810-E7A6-0DFB-A37C43A709D6}"/>
+              </a:ext>
+            </a:extLst>
+          </p:cNvPr>
+          <p:cNvSpPr>
+            <a:spLocks noGrp="1" noRot="1" noChangeAspect="1"/>
+          </p:cNvSpPr>
+          <p:nvPr>
+            <p:ph type="sldImg"/>
+          </p:nvPr>
+        </p:nvSpPr>
+        <p:spPr/>
+      </p:sp>
+      <p:sp>
+        <p:nvSpPr>
+          <p:cNvPr id="3" name="备注占位符 2">
+            <a:extLst>
+              <a:ext uri="{FF2B5EF4-FFF2-40B4-BE49-F238E27FC236}">
+                <a16:creationId xmlns:a16="http://schemas.microsoft.com/office/drawing/2014/main" id="{F7F8448D-D010-CDA9-7223-B46501E3CF20}"/>
+              </a:ext>
+            </a:extLst>
+          </p:cNvPr>
+          <p:cNvSpPr>
+            <a:spLocks noGrp="1"/>
+          </p:cNvSpPr>
+          <p:nvPr>
+            <p:ph type="body" idx="1"/>
+          </p:nvPr>
+        </p:nvSpPr>
+        <p:spPr/>
+        <p:txBody>
+          <a:bodyPr/>
+          <a:lstStyle/>
+          <a:p>
+            <a:endParaRPr lang="zh-CN" altLang="en-US"/>
+          </a:p>
+        </p:txBody>
+      </p:sp>
+      <p:sp>
+        <p:nvSpPr>
+          <p:cNvPr id="4" name="灯片编号占位符 3">
+            <a:extLst>
+              <a:ext uri="{FF2B5EF4-FFF2-40B4-BE49-F238E27FC236}">
+                <a16:creationId xmlns:a16="http://schemas.microsoft.com/office/drawing/2014/main" id="{5E90D926-7AFA-418C-7B90-8B00F545CAB7}"/>
+              </a:ext>
+            </a:extLst>
+          </p:cNvPr>
+          <p:cNvSpPr>
+            <a:spLocks noGrp="1"/>
+          </p:cNvSpPr>
+          <p:nvPr>
+            <p:ph type="sldNum" sz="quarter" idx="10"/>
+          </p:nvPr>
+        </p:nvSpPr>
+        <p:spPr/>
+        <p:txBody>
+          <a:bodyPr/>
+          <a:lstStyle/>
+          <a:p>
+            <a:pPr marL="0" marR="0" lvl="0" indent="0" algn="r" defTabSz="914400" rtl="0" eaLnBrk="1" fontAlgn="auto" latinLnBrk="0" hangingPunct="1">
+              <a:lnSpc>
+                <a:spcPct val="100000"/>
+              </a:lnSpc>
+              <a:spcBef>
+                <a:spcPts val="0"/>
+              </a:spcBef>
+              <a:spcAft>
+                <a:spcPts val="0"/>
+              </a:spcAft>
+              <a:buClrTx/>
+              <a:buSzTx/>
+              <a:buFontTx/>
+              <a:buNone/>
+              <a:tabLst/>
+              <a:defRPr/>
+            </a:pPr>
+            <a:fld id="{AB2A0F9D-3357-4A94-85C8-3B842B870DC6}" type="slidenum">
+              <a:rPr kumimoji="0" lang="zh-CN" altLang="en-US" sz="1200" b="0" i="0" u="none" strike="noStrike" kern="1200" cap="none" spc="0" normalizeH="0" baseline="0" noProof="0" smtClean="0">
+                <a:ln>
+                  <a:noFill/>
+                </a:ln>
+                <a:solidFill>
+                  <a:prstClr val="black"/>
+                </a:solidFill>
+                <a:effectLst/>
+                <a:uLnTx/>
+                <a:uFillTx/>
+                <a:latin typeface="Calibri" panose="020F0502020204030204"/>
+                <a:ea typeface="宋体" panose="02010600030101010101" pitchFamily="2" charset="-122"/>
+                <a:cs typeface="+mn-cs"/>
+              </a:rPr>
+              <a:pPr marL="0" marR="0" lvl="0" indent="0" algn="r" defTabSz="914400" rtl="0" eaLnBrk="1" fontAlgn="auto" latinLnBrk="0" hangingPunct="1">
+                <a:lnSpc>
+                  <a:spcPct val="100000"/>
+                </a:lnSpc>
+                <a:spcBef>
+                  <a:spcPts val="0"/>
+                </a:spcBef>
+                <a:spcAft>
+                  <a:spcPts val="0"/>
+                </a:spcAft>
+                <a:buClrTx/>
+                <a:buSzTx/>
+                <a:buFontTx/>
+                <a:buNone/>
+                <a:tabLst/>
+                <a:defRPr/>
+              </a:pPr>
+              <a:t>4</a:t>
+            </a:fld>
+            <a:endParaRPr kumimoji="0" lang="zh-CN" altLang="en-US" sz="1200" b="0" i="0" u="none" strike="noStrike" kern="1200" cap="none" spc="0" normalizeH="0" baseline="0" noProof="0">
+              <a:ln>
+                <a:noFill/>
+              </a:ln>
+              <a:solidFill>
+                <a:prstClr val="black"/>
+              </a:solidFill>
+              <a:effectLst/>
+              <a:uLnTx/>
+              <a:uFillTx/>
+              <a:latin typeface="Calibri" panose="020F0502020204030204"/>
+              <a:ea typeface="宋体" panose="02010600030101010101" pitchFamily="2" charset="-122"/>
+              <a:cs typeface="+mn-cs"/>
+            </a:endParaRPr>
+          </a:p>
+        </p:txBody>
+      </p:sp>
+    </p:spTree>
+    <p:extLst>
+      <p:ext uri="{BB962C8B-B14F-4D97-AF65-F5344CB8AC3E}">
+        <p14:creationId xmlns:p14="http://schemas.microsoft.com/office/powerpoint/2010/main" val="3567110452"/>
+      </p:ext>
+    </p:extLst>
+  </p:cSld>
+  <p:clrMapOvr>
+    <a:masterClrMapping/>
+  </p:clrMapOvr>
+</p:notes>
+</file>
+
+<file path=ppt/notesSlides/notesSlide5.xml><?xml version="1.0" encoding="utf-8"?>
+<p:notes xmlns:a="http://schemas.openxmlformats.org/drawingml/2006/main" xmlns:r="http://schemas.openxmlformats.org/officeDocument/2006/relationships" xmlns:p="http://schemas.openxmlformats.org/presentationml/2006/main">
+  <p:cSld>
+    <p:spTree>
+      <p:nvGrpSpPr>
+        <p:cNvPr id="1" name="">
+          <a:extLst>
+            <a:ext uri="{FF2B5EF4-FFF2-40B4-BE49-F238E27FC236}">
+              <a16:creationId xmlns:a16="http://schemas.microsoft.com/office/drawing/2014/main" id="{3BDFB398-FA16-CF63-05EC-34C0F1D4A018}"/>
+            </a:ext>
+          </a:extLst>
+        </p:cNvPr>
+        <p:cNvGrpSpPr/>
+        <p:nvPr/>
+      </p:nvGrpSpPr>
+      <p:grpSpPr>
+        <a:xfrm>
+          <a:off x="0" y="0"/>
+          <a:ext cx="0" cy="0"/>
+          <a:chOff x="0" y="0"/>
+          <a:chExt cx="0" cy="0"/>
+        </a:xfrm>
+      </p:grpSpPr>
+      <p:sp>
+        <p:nvSpPr>
+          <p:cNvPr id="2" name="幻灯片图像占位符 1">
+            <a:extLst>
+              <a:ext uri="{FF2B5EF4-FFF2-40B4-BE49-F238E27FC236}">
+                <a16:creationId xmlns:a16="http://schemas.microsoft.com/office/drawing/2014/main" id="{E6E51EF0-6B4B-CA7A-9FEA-1A37FA5A2054}"/>
+              </a:ext>
+            </a:extLst>
+          </p:cNvPr>
+          <p:cNvSpPr>
+            <a:spLocks noGrp="1" noRot="1" noChangeAspect="1"/>
+          </p:cNvSpPr>
+          <p:nvPr>
+            <p:ph type="sldImg"/>
+          </p:nvPr>
+        </p:nvSpPr>
+        <p:spPr/>
+      </p:sp>
+      <p:sp>
+        <p:nvSpPr>
+          <p:cNvPr id="3" name="备注占位符 2">
+            <a:extLst>
+              <a:ext uri="{FF2B5EF4-FFF2-40B4-BE49-F238E27FC236}">
+                <a16:creationId xmlns:a16="http://schemas.microsoft.com/office/drawing/2014/main" id="{A87E1EAF-DB78-13BA-BF1D-92D7C34CCFE9}"/>
+              </a:ext>
+            </a:extLst>
+          </p:cNvPr>
+          <p:cNvSpPr>
+            <a:spLocks noGrp="1"/>
+          </p:cNvSpPr>
+          <p:nvPr>
+            <p:ph type="body" idx="1"/>
+          </p:nvPr>
+        </p:nvSpPr>
+        <p:spPr/>
+        <p:txBody>
+          <a:bodyPr/>
+          <a:lstStyle/>
+          <a:p>
+            <a:endParaRPr lang="zh-CN" altLang="en-US"/>
+          </a:p>
+        </p:txBody>
+      </p:sp>
+      <p:sp>
+        <p:nvSpPr>
+          <p:cNvPr id="4" name="灯片编号占位符 3">
+            <a:extLst>
+              <a:ext uri="{FF2B5EF4-FFF2-40B4-BE49-F238E27FC236}">
+                <a16:creationId xmlns:a16="http://schemas.microsoft.com/office/drawing/2014/main" id="{AC64A156-4E2B-FB41-BEF3-20E02D96B1E6}"/>
+              </a:ext>
+            </a:extLst>
+          </p:cNvPr>
+          <p:cNvSpPr>
+            <a:spLocks noGrp="1"/>
+          </p:cNvSpPr>
+          <p:nvPr>
+            <p:ph type="sldNum" sz="quarter" idx="10"/>
+          </p:nvPr>
+        </p:nvSpPr>
+        <p:spPr/>
+        <p:txBody>
+          <a:bodyPr/>
+          <a:lstStyle/>
+          <a:p>
+            <a:pPr marL="0" marR="0" lvl="0" indent="0" algn="r" defTabSz="914400" rtl="0" eaLnBrk="1" fontAlgn="auto" latinLnBrk="0" hangingPunct="1">
+              <a:lnSpc>
+                <a:spcPct val="100000"/>
+              </a:lnSpc>
+              <a:spcBef>
+                <a:spcPts val="0"/>
+              </a:spcBef>
+              <a:spcAft>
+                <a:spcPts val="0"/>
+              </a:spcAft>
+              <a:buClrTx/>
+              <a:buSzTx/>
+              <a:buFontTx/>
+              <a:buNone/>
+              <a:tabLst/>
+              <a:defRPr/>
+            </a:pPr>
+            <a:fld id="{AB2A0F9D-3357-4A94-85C8-3B842B870DC6}" type="slidenum">
+              <a:rPr kumimoji="0" lang="zh-CN" altLang="en-US" sz="1200" b="0" i="0" u="none" strike="noStrike" kern="1200" cap="none" spc="0" normalizeH="0" baseline="0" noProof="0" smtClean="0">
+                <a:ln>
+                  <a:noFill/>
+                </a:ln>
+                <a:solidFill>
+                  <a:prstClr val="black"/>
+                </a:solidFill>
+                <a:effectLst/>
+                <a:uLnTx/>
+                <a:uFillTx/>
+                <a:latin typeface="Calibri" panose="020F0502020204030204"/>
+                <a:ea typeface="宋体" panose="02010600030101010101" pitchFamily="2" charset="-122"/>
+                <a:cs typeface="+mn-cs"/>
+              </a:rPr>
+              <a:pPr marL="0" marR="0" lvl="0" indent="0" algn="r" defTabSz="914400" rtl="0" eaLnBrk="1" fontAlgn="auto" latinLnBrk="0" hangingPunct="1">
+                <a:lnSpc>
+                  <a:spcPct val="100000"/>
+                </a:lnSpc>
+                <a:spcBef>
+                  <a:spcPts val="0"/>
+                </a:spcBef>
+                <a:spcAft>
+                  <a:spcPts val="0"/>
+                </a:spcAft>
+                <a:buClrTx/>
+                <a:buSzTx/>
+                <a:buFontTx/>
+                <a:buNone/>
+                <a:tabLst/>
+                <a:defRPr/>
+              </a:pPr>
+              <a:t>5</a:t>
+            </a:fld>
+            <a:endParaRPr kumimoji="0" lang="zh-CN" altLang="en-US" sz="1200" b="0" i="0" u="none" strike="noStrike" kern="1200" cap="none" spc="0" normalizeH="0" baseline="0" noProof="0">
+              <a:ln>
+                <a:noFill/>
+              </a:ln>
+              <a:solidFill>
+                <a:prstClr val="black"/>
+              </a:solidFill>
+              <a:effectLst/>
+              <a:uLnTx/>
+              <a:uFillTx/>
+              <a:latin typeface="Calibri" panose="020F0502020204030204"/>
+              <a:ea typeface="宋体" panose="02010600030101010101" pitchFamily="2" charset="-122"/>
+              <a:cs typeface="+mn-cs"/>
+            </a:endParaRPr>
+          </a:p>
+        </p:txBody>
+      </p:sp>
+    </p:spTree>
+    <p:extLst>
+      <p:ext uri="{BB962C8B-B14F-4D97-AF65-F5344CB8AC3E}">
+        <p14:creationId xmlns:p14="http://schemas.microsoft.com/office/powerpoint/2010/main" val="1875756131"/>
+      </p:ext>
+    </p:extLst>
+  </p:cSld>
+  <p:clrMapOvr>
+    <a:masterClrMapping/>
+  </p:clrMapOvr>
+</p:notes>
+</file>
+
+<file path=ppt/notesSlides/notesSlide6.xml><?xml version="1.0" encoding="utf-8"?>
 <p:notes xmlns:a="http://schemas.openxmlformats.org/drawingml/2006/main" xmlns:r="http://schemas.openxmlformats.org/officeDocument/2006/relationships" xmlns:p="http://schemas.openxmlformats.org/presentationml/2006/main">
   <p:cSld>
     <p:spTree>
@@ -1273,7 +1863,7 @@
           <a:bodyPr/>
           <a:lstStyle/>
           <a:p>
-            <a:endParaRPr lang="zh-CN" altLang="en-US"/>
+            <a:endParaRPr lang="zh-CN" altLang="en-US" dirty="0"/>
           </a:p>
         </p:txBody>
       </p:sp>
@@ -1347,7 +1937,7 @@
                 <a:tabLst/>
                 <a:defRPr/>
               </a:pPr>
-              <a:t>4</a:t>
+              <a:t>6</a:t>
             </a:fld>
             <a:endParaRPr kumimoji="0" lang="zh-CN" altLang="en-US" sz="1200" b="0" i="0" u="none" strike="noStrike" kern="1200" cap="none" spc="0" normalizeH="0" baseline="0" noProof="0">
               <a:ln>
@@ -1379,7 +1969,7 @@
 </p:notes>
 </file>
 
-<file path=ppt/notesSlides/notesSlide5.xml><?xml version="1.0" encoding="utf-8"?>
+<file path=ppt/notesSlides/notesSlide7.xml><?xml version="1.0" encoding="utf-8"?>
 <p:notes xmlns:a="http://schemas.openxmlformats.org/drawingml/2006/main" xmlns:r="http://schemas.openxmlformats.org/officeDocument/2006/relationships" xmlns:p="http://schemas.openxmlformats.org/presentationml/2006/main">
   <p:cSld>
     <p:spTree>
@@ -1515,7 +2105,7 @@
                 <a:tabLst/>
                 <a:defRPr/>
               </a:pPr>
-              <a:t>5</a:t>
+              <a:t>7</a:t>
             </a:fld>
             <a:endParaRPr kumimoji="0" lang="zh-CN" altLang="en-US" sz="1200" b="0" i="0" u="none" strike="noStrike" kern="1200" cap="none" spc="0" normalizeH="0" baseline="0" noProof="0">
               <a:ln>
@@ -1547,7 +2137,7 @@
 </p:notes>
 </file>
 
-<file path=ppt/notesSlides/notesSlide6.xml><?xml version="1.0" encoding="utf-8"?>
+<file path=ppt/notesSlides/notesSlide8.xml><?xml version="1.0" encoding="utf-8"?>
 <p:notes xmlns:a="http://schemas.openxmlformats.org/drawingml/2006/main" xmlns:r="http://schemas.openxmlformats.org/officeDocument/2006/relationships" xmlns:p="http://schemas.openxmlformats.org/presentationml/2006/main">
   <p:cSld>
     <p:spTree>
@@ -1683,7 +2273,7 @@
                 <a:tabLst/>
                 <a:defRPr/>
               </a:pPr>
-              <a:t>6</a:t>
+              <a:t>8</a:t>
             </a:fld>
             <a:endParaRPr kumimoji="0" lang="zh-CN" altLang="en-US" sz="1200" b="0" i="0" u="none" strike="noStrike" kern="1200" cap="none" spc="0" normalizeH="0" baseline="0" noProof="0">
               <a:ln>
@@ -1715,7 +2305,7 @@
 </p:notes>
 </file>
 
-<file path=ppt/notesSlides/notesSlide7.xml><?xml version="1.0" encoding="utf-8"?>
+<file path=ppt/notesSlides/notesSlide9.xml><?xml version="1.0" encoding="utf-8"?>
 <p:notes xmlns:a="http://schemas.openxmlformats.org/drawingml/2006/main" xmlns:r="http://schemas.openxmlformats.org/officeDocument/2006/relationships" xmlns:p="http://schemas.openxmlformats.org/presentationml/2006/main">
   <p:cSld>
     <p:spTree>
@@ -1851,7 +2441,7 @@
                 <a:tabLst/>
                 <a:defRPr/>
               </a:pPr>
-              <a:t>7</a:t>
+              <a:t>9</a:t>
             </a:fld>
             <a:endParaRPr kumimoji="0" lang="zh-CN" altLang="en-US" sz="1200" b="0" i="0" u="none" strike="noStrike" kern="1200" cap="none" spc="0" normalizeH="0" baseline="0" noProof="0">
               <a:ln>
@@ -1874,258 +2464,6 @@
     <p:extLst>
       <p:ext uri="{BB962C8B-B14F-4D97-AF65-F5344CB8AC3E}">
         <p14:creationId xmlns:p14="http://schemas.microsoft.com/office/powerpoint/2010/main" val="4004508022"/>
-      </p:ext>
-    </p:extLst>
-  </p:cSld>
-  <p:clrMapOvr>
-    <a:masterClrMapping/>
-  </p:clrMapOvr>
-</p:notes>
-</file>
-
-<file path=ppt/notesSlides/notesSlide8.xml><?xml version="1.0" encoding="utf-8"?>
-<p:notes xmlns:a="http://schemas.openxmlformats.org/drawingml/2006/main" xmlns:r="http://schemas.openxmlformats.org/officeDocument/2006/relationships" xmlns:p="http://schemas.openxmlformats.org/presentationml/2006/main">
-  <p:cSld>
-    <p:spTree>
-      <p:nvGrpSpPr>
-        <p:cNvPr id="1" name="">
-          <a:extLst>
-            <a:ext uri="{FF2B5EF4-FFF2-40B4-BE49-F238E27FC236}">
-              <a16:creationId xmlns:a16="http://schemas.microsoft.com/office/drawing/2014/main" id="{E02544DA-1347-52D0-86A9-942D1BB95FC8}"/>
-            </a:ext>
-          </a:extLst>
-        </p:cNvPr>
-        <p:cNvGrpSpPr/>
-        <p:nvPr/>
-      </p:nvGrpSpPr>
-      <p:grpSpPr>
-        <a:xfrm>
-          <a:off x="0" y="0"/>
-          <a:ext cx="0" cy="0"/>
-          <a:chOff x="0" y="0"/>
-          <a:chExt cx="0" cy="0"/>
-        </a:xfrm>
-      </p:grpSpPr>
-      <p:sp>
-        <p:nvSpPr>
-          <p:cNvPr id="2" name="幻灯片图像占位符 1">
-            <a:extLst>
-              <a:ext uri="{FF2B5EF4-FFF2-40B4-BE49-F238E27FC236}">
-                <a16:creationId xmlns:a16="http://schemas.microsoft.com/office/drawing/2014/main" id="{6110C0FA-0647-C9BC-1536-0AF91E941187}"/>
-              </a:ext>
-            </a:extLst>
-          </p:cNvPr>
-          <p:cNvSpPr>
-            <a:spLocks noGrp="1" noRot="1" noChangeAspect="1"/>
-          </p:cNvSpPr>
-          <p:nvPr>
-            <p:ph type="sldImg"/>
-          </p:nvPr>
-        </p:nvSpPr>
-        <p:spPr/>
-      </p:sp>
-      <p:sp>
-        <p:nvSpPr>
-          <p:cNvPr id="3" name="备注占位符 2">
-            <a:extLst>
-              <a:ext uri="{FF2B5EF4-FFF2-40B4-BE49-F238E27FC236}">
-                <a16:creationId xmlns:a16="http://schemas.microsoft.com/office/drawing/2014/main" id="{0DD5F3E9-F6A1-D1E1-105D-8B50FA5BFD4A}"/>
-              </a:ext>
-            </a:extLst>
-          </p:cNvPr>
-          <p:cNvSpPr>
-            <a:spLocks noGrp="1"/>
-          </p:cNvSpPr>
-          <p:nvPr>
-            <p:ph type="body" idx="1"/>
-          </p:nvPr>
-        </p:nvSpPr>
-        <p:spPr/>
-        <p:txBody>
-          <a:bodyPr/>
-          <a:lstStyle/>
-          <a:p>
-            <a:endParaRPr lang="zh-CN" altLang="en-US"/>
-          </a:p>
-        </p:txBody>
-      </p:sp>
-      <p:sp>
-        <p:nvSpPr>
-          <p:cNvPr id="4" name="灯片编号占位符 3">
-            <a:extLst>
-              <a:ext uri="{FF2B5EF4-FFF2-40B4-BE49-F238E27FC236}">
-                <a16:creationId xmlns:a16="http://schemas.microsoft.com/office/drawing/2014/main" id="{8668365A-4287-CF10-B992-4426B9182C76}"/>
-              </a:ext>
-            </a:extLst>
-          </p:cNvPr>
-          <p:cNvSpPr>
-            <a:spLocks noGrp="1"/>
-          </p:cNvSpPr>
-          <p:nvPr>
-            <p:ph type="sldNum" sz="quarter" idx="10"/>
-          </p:nvPr>
-        </p:nvSpPr>
-        <p:spPr/>
-        <p:txBody>
-          <a:bodyPr/>
-          <a:lstStyle/>
-          <a:p>
-            <a:pPr marL="0" marR="0" lvl="0" indent="0" algn="r" defTabSz="914400" rtl="0" eaLnBrk="1" fontAlgn="auto" latinLnBrk="0" hangingPunct="1">
-              <a:lnSpc>
-                <a:spcPct val="100000"/>
-              </a:lnSpc>
-              <a:spcBef>
-                <a:spcPts val="0"/>
-              </a:spcBef>
-              <a:spcAft>
-                <a:spcPts val="0"/>
-              </a:spcAft>
-              <a:buClrTx/>
-              <a:buSzTx/>
-              <a:buFontTx/>
-              <a:buNone/>
-              <a:tabLst/>
-              <a:defRPr/>
-            </a:pPr>
-            <a:fld id="{AB2A0F9D-3357-4A94-85C8-3B842B870DC6}" type="slidenum">
-              <a:rPr kumimoji="0" lang="zh-CN" altLang="en-US" sz="1200" b="0" i="0" u="none" strike="noStrike" kern="1200" cap="none" spc="0" normalizeH="0" baseline="0" noProof="0" smtClean="0">
-                <a:ln>
-                  <a:noFill/>
-                </a:ln>
-                <a:solidFill>
-                  <a:prstClr val="black"/>
-                </a:solidFill>
-                <a:effectLst/>
-                <a:uLnTx/>
-                <a:uFillTx/>
-                <a:latin typeface="Calibri" panose="020F0502020204030204"/>
-                <a:ea typeface="宋体" panose="02010600030101010101" pitchFamily="2" charset="-122"/>
-                <a:cs typeface="+mn-cs"/>
-              </a:rPr>
-              <a:pPr marL="0" marR="0" lvl="0" indent="0" algn="r" defTabSz="914400" rtl="0" eaLnBrk="1" fontAlgn="auto" latinLnBrk="0" hangingPunct="1">
-                <a:lnSpc>
-                  <a:spcPct val="100000"/>
-                </a:lnSpc>
-                <a:spcBef>
-                  <a:spcPts val="0"/>
-                </a:spcBef>
-                <a:spcAft>
-                  <a:spcPts val="0"/>
-                </a:spcAft>
-                <a:buClrTx/>
-                <a:buSzTx/>
-                <a:buFontTx/>
-                <a:buNone/>
-                <a:tabLst/>
-                <a:defRPr/>
-              </a:pPr>
-              <a:t>8</a:t>
-            </a:fld>
-            <a:endParaRPr kumimoji="0" lang="zh-CN" altLang="en-US" sz="1200" b="0" i="0" u="none" strike="noStrike" kern="1200" cap="none" spc="0" normalizeH="0" baseline="0" noProof="0">
-              <a:ln>
-                <a:noFill/>
-              </a:ln>
-              <a:solidFill>
-                <a:prstClr val="black"/>
-              </a:solidFill>
-              <a:effectLst/>
-              <a:uLnTx/>
-              <a:uFillTx/>
-              <a:latin typeface="Calibri" panose="020F0502020204030204"/>
-              <a:ea typeface="宋体" panose="02010600030101010101" pitchFamily="2" charset="-122"/>
-              <a:cs typeface="+mn-cs"/>
-            </a:endParaRPr>
-          </a:p>
-        </p:txBody>
-      </p:sp>
-    </p:spTree>
-    <p:extLst>
-      <p:ext uri="{BB962C8B-B14F-4D97-AF65-F5344CB8AC3E}">
-        <p14:creationId xmlns:p14="http://schemas.microsoft.com/office/powerpoint/2010/main" val="3909660766"/>
-      </p:ext>
-    </p:extLst>
-  </p:cSld>
-  <p:clrMapOvr>
-    <a:masterClrMapping/>
-  </p:clrMapOvr>
-</p:notes>
-</file>
-
-<file path=ppt/notesSlides/notesSlide9.xml><?xml version="1.0" encoding="utf-8"?>
-<p:notes xmlns:a="http://schemas.openxmlformats.org/drawingml/2006/main" xmlns:r="http://schemas.openxmlformats.org/officeDocument/2006/relationships" xmlns:p="http://schemas.openxmlformats.org/presentationml/2006/main">
-  <p:cSld>
-    <p:spTree>
-      <p:nvGrpSpPr>
-        <p:cNvPr id="1" name=""/>
-        <p:cNvGrpSpPr/>
-        <p:nvPr/>
-      </p:nvGrpSpPr>
-      <p:grpSpPr>
-        <a:xfrm>
-          <a:off x="0" y="0"/>
-          <a:ext cx="0" cy="0"/>
-          <a:chOff x="0" y="0"/>
-          <a:chExt cx="0" cy="0"/>
-        </a:xfrm>
-      </p:grpSpPr>
-      <p:sp>
-        <p:nvSpPr>
-          <p:cNvPr id="2" name="幻灯片图像占位符 1"/>
-          <p:cNvSpPr>
-            <a:spLocks noGrp="1" noRot="1" noChangeAspect="1"/>
-          </p:cNvSpPr>
-          <p:nvPr>
-            <p:ph type="sldImg"/>
-          </p:nvPr>
-        </p:nvSpPr>
-        <p:spPr/>
-      </p:sp>
-      <p:sp>
-        <p:nvSpPr>
-          <p:cNvPr id="3" name="备注占位符 2"/>
-          <p:cNvSpPr>
-            <a:spLocks noGrp="1"/>
-          </p:cNvSpPr>
-          <p:nvPr>
-            <p:ph type="body" idx="1"/>
-          </p:nvPr>
-        </p:nvSpPr>
-        <p:spPr/>
-        <p:txBody>
-          <a:bodyPr/>
-          <a:lstStyle/>
-          <a:p>
-            <a:endParaRPr lang="zh-CN" altLang="en-US"/>
-          </a:p>
-        </p:txBody>
-      </p:sp>
-      <p:sp>
-        <p:nvSpPr>
-          <p:cNvPr id="4" name="灯片编号占位符 3"/>
-          <p:cNvSpPr>
-            <a:spLocks noGrp="1"/>
-          </p:cNvSpPr>
-          <p:nvPr>
-            <p:ph type="sldNum" sz="quarter" idx="10"/>
-          </p:nvPr>
-        </p:nvSpPr>
-        <p:spPr/>
-        <p:txBody>
-          <a:bodyPr/>
-          <a:lstStyle/>
-          <a:p>
-            <a:fld id="{946044AE-6422-40B1-88B0-B88CD884551D}" type="slidenum">
-              <a:rPr lang="zh-CN" altLang="en-US" smtClean="0"/>
-              <a:t>9</a:t>
-            </a:fld>
-            <a:endParaRPr lang="zh-CN" altLang="en-US"/>
-          </a:p>
-        </p:txBody>
-      </p:sp>
-    </p:spTree>
-    <p:extLst>
-      <p:ext uri="{BB962C8B-B14F-4D97-AF65-F5344CB8AC3E}">
-        <p14:creationId xmlns:p14="http://schemas.microsoft.com/office/powerpoint/2010/main" val="3127387993"/>
       </p:ext>
     </p:extLst>
   </p:cSld>
@@ -2945,7 +3283,7 @@
         </p:blipFill>
         <p:spPr>
           <a:xfrm>
-            <a:off x="2133600" y="1826670"/>
+            <a:off x="2133600" y="1821335"/>
             <a:ext cx="10058400" cy="5031330"/>
           </a:xfrm>
           <a:prstGeom prst="rect">
@@ -3100,7 +3438,7 @@
         </p:nvSpPr>
         <p:spPr bwMode="auto">
           <a:xfrm>
-            <a:off x="1478996" y="4142280"/>
+            <a:off x="1490247" y="4145530"/>
             <a:ext cx="9211505" cy="1015663"/>
           </a:xfrm>
           <a:prstGeom prst="rect">
@@ -3466,10 +3804,881 @@
           </a:p>
         </p:txBody>
       </p:sp>
+      <p:pic>
+        <p:nvPicPr>
+          <p:cNvPr id="7" name="图片 6" descr="图标&#10;&#10;AI 生成的内容可能不正确。">
+            <a:extLst>
+              <a:ext uri="{FF2B5EF4-FFF2-40B4-BE49-F238E27FC236}">
+                <a16:creationId xmlns:a16="http://schemas.microsoft.com/office/drawing/2014/main" id="{C0EC8C12-C3E0-895B-68D1-8C1ADEF5B194}"/>
+              </a:ext>
+            </a:extLst>
+          </p:cNvPr>
+          <p:cNvPicPr>
+            <a:picLocks noChangeAspect="1"/>
+          </p:cNvPicPr>
+          <p:nvPr/>
+        </p:nvPicPr>
+        <p:blipFill>
+          <a:blip r:embed="rId8" cstate="print">
+            <a:extLst>
+              <a:ext uri="{28A0092B-C50C-407E-A947-70E740481C1C}">
+                <a14:useLocalDpi xmlns:a14="http://schemas.microsoft.com/office/drawing/2010/main" val="0"/>
+              </a:ext>
+            </a:extLst>
+          </a:blip>
+          <a:stretch>
+            <a:fillRect/>
+          </a:stretch>
+        </p:blipFill>
+        <p:spPr>
+          <a:xfrm>
+            <a:off x="2114434" y="2112526"/>
+            <a:ext cx="799841" cy="1119181"/>
+          </a:xfrm>
+          <a:prstGeom prst="rect">
+            <a:avLst/>
+          </a:prstGeom>
+          <a:solidFill>
+            <a:schemeClr val="tx2">
+              <a:lumMod val="75000"/>
+            </a:schemeClr>
+          </a:solidFill>
+        </p:spPr>
+      </p:pic>
     </p:spTree>
     <p:extLst>
       <p:ext uri="{BB962C8B-B14F-4D97-AF65-F5344CB8AC3E}">
         <p14:creationId xmlns:p14="http://schemas.microsoft.com/office/powerpoint/2010/main" val="4208120632"/>
+      </p:ext>
+    </p:extLst>
+  </p:cSld>
+  <p:clrMapOvr>
+    <a:masterClrMapping/>
+  </p:clrMapOvr>
+  <p:transition/>
+</p:sld>
+</file>
+
+<file path=ppt/slides/slide10.xml><?xml version="1.0" encoding="utf-8"?>
+<p:sld xmlns:a="http://schemas.openxmlformats.org/drawingml/2006/main" xmlns:r="http://schemas.openxmlformats.org/officeDocument/2006/relationships" xmlns:p="http://schemas.openxmlformats.org/presentationml/2006/main">
+  <p:cSld>
+    <p:spTree>
+      <p:nvGrpSpPr>
+        <p:cNvPr id="1" name="">
+          <a:extLst>
+            <a:ext uri="{FF2B5EF4-FFF2-40B4-BE49-F238E27FC236}">
+              <a16:creationId xmlns:a16="http://schemas.microsoft.com/office/drawing/2014/main" id="{F912E606-A4F8-9A97-F479-782F49F365D1}"/>
+            </a:ext>
+          </a:extLst>
+        </p:cNvPr>
+        <p:cNvGrpSpPr/>
+        <p:nvPr/>
+      </p:nvGrpSpPr>
+      <p:grpSpPr>
+        <a:xfrm>
+          <a:off x="0" y="0"/>
+          <a:ext cx="0" cy="0"/>
+          <a:chOff x="0" y="0"/>
+          <a:chExt cx="0" cy="0"/>
+        </a:xfrm>
+      </p:grpSpPr>
+      <p:sp>
+        <p:nvSpPr>
+          <p:cNvPr id="24" name="TextBox 23">
+            <a:extLst>
+              <a:ext uri="{FF2B5EF4-FFF2-40B4-BE49-F238E27FC236}">
+                <a16:creationId xmlns:a16="http://schemas.microsoft.com/office/drawing/2014/main" id="{5A34470E-DB4A-6B0F-3669-89351F46B7E9}"/>
+              </a:ext>
+            </a:extLst>
+          </p:cNvPr>
+          <p:cNvSpPr txBox="1"/>
+          <p:nvPr/>
+        </p:nvSpPr>
+        <p:spPr>
+          <a:xfrm>
+            <a:off x="8999745" y="2644634"/>
+            <a:ext cx="2688299" cy="363882"/>
+          </a:xfrm>
+          <a:prstGeom prst="rect">
+            <a:avLst/>
+          </a:prstGeom>
+          <a:noFill/>
+          <a:ln>
+            <a:noFill/>
+          </a:ln>
+        </p:spPr>
+        <p:txBody>
+          <a:bodyPr wrap="square" rtlCol="0">
+            <a:spAutoFit/>
+          </a:bodyPr>
+          <a:lstStyle/>
+          <a:p>
+            <a:pPr marL="0" marR="0" lvl="0" indent="0" algn="l" defTabSz="914400" rtl="0" eaLnBrk="1" fontAlgn="auto" latinLnBrk="0" hangingPunct="1">
+              <a:lnSpc>
+                <a:spcPct val="150000"/>
+              </a:lnSpc>
+              <a:spcBef>
+                <a:spcPts val="0"/>
+              </a:spcBef>
+              <a:spcAft>
+                <a:spcPts val="0"/>
+              </a:spcAft>
+              <a:buClrTx/>
+              <a:buSzTx/>
+              <a:buFontTx/>
+              <a:buNone/>
+              <a:tabLst/>
+              <a:defRPr/>
+            </a:pPr>
+            <a:endParaRPr kumimoji="0" lang="zh-CN" altLang="en-US" sz="1333" b="0" i="0" u="none" strike="noStrike" kern="1200" cap="none" spc="0" normalizeH="0" baseline="0" noProof="0">
+              <a:ln>
+                <a:noFill/>
+              </a:ln>
+              <a:solidFill>
+                <a:srgbClr val="5B9BD5"/>
+              </a:solidFill>
+              <a:effectLst/>
+              <a:uLnTx/>
+              <a:uFillTx/>
+              <a:latin typeface="微软雅黑" pitchFamily="34" charset="-122"/>
+              <a:ea typeface="微软雅黑" pitchFamily="34" charset="-122"/>
+              <a:cs typeface="+mn-cs"/>
+              <a:sym typeface="微软雅黑" pitchFamily="34" charset="-122"/>
+            </a:endParaRPr>
+          </a:p>
+        </p:txBody>
+      </p:sp>
+      <p:sp>
+        <p:nvSpPr>
+          <p:cNvPr id="35" name="矩形 80">
+            <a:extLst>
+              <a:ext uri="{FF2B5EF4-FFF2-40B4-BE49-F238E27FC236}">
+                <a16:creationId xmlns:a16="http://schemas.microsoft.com/office/drawing/2014/main" id="{BAD40F97-E783-248A-D6FD-7DF89B0526CB}"/>
+              </a:ext>
+            </a:extLst>
+          </p:cNvPr>
+          <p:cNvSpPr>
+            <a:spLocks noChangeArrowheads="1"/>
+          </p:cNvSpPr>
+          <p:nvPr/>
+        </p:nvSpPr>
+        <p:spPr bwMode="auto">
+          <a:xfrm>
+            <a:off x="828326" y="335226"/>
+            <a:ext cx="1963999" cy="461665"/>
+          </a:xfrm>
+          <a:prstGeom prst="rect">
+            <a:avLst/>
+          </a:prstGeom>
+          <a:noFill/>
+          <a:ln>
+            <a:noFill/>
+          </a:ln>
+          <a:extLst>
+            <a:ext uri="{909E8E84-426E-40DD-AFC4-6F175D3DCCD1}">
+              <a14:hiddenFill xmlns:a14="http://schemas.microsoft.com/office/drawing/2010/main">
+                <a:solidFill>
+                  <a:srgbClr val="FFFFFF"/>
+                </a:solidFill>
+              </a14:hiddenFill>
+            </a:ext>
+            <a:ext uri="{91240B29-F687-4F45-9708-019B960494DF}">
+              <a14:hiddenLine xmlns:a14="http://schemas.microsoft.com/office/drawing/2010/main" w="9525">
+                <a:solidFill>
+                  <a:srgbClr val="000000"/>
+                </a:solidFill>
+                <a:miter lim="800000"/>
+                <a:headEnd/>
+                <a:tailEnd/>
+              </a14:hiddenLine>
+            </a:ext>
+          </a:extLst>
+        </p:spPr>
+        <p:txBody>
+          <a:bodyPr wrap="none">
+            <a:spAutoFit/>
+          </a:bodyPr>
+          <a:lstStyle>
+            <a:lvl1pPr>
+              <a:lnSpc>
+                <a:spcPct val="90000"/>
+              </a:lnSpc>
+              <a:spcBef>
+                <a:spcPts val="1000"/>
+              </a:spcBef>
+              <a:buChar char="•"/>
+              <a:defRPr sz="2800">
+                <a:solidFill>
+                  <a:schemeClr val="tx1"/>
+                </a:solidFill>
+                <a:latin typeface="Calibri" panose="020F0502020204030204" pitchFamily="34" charset="0"/>
+                <a:ea typeface="宋体" panose="02010600030101010101" pitchFamily="2" charset="-122"/>
+              </a:defRPr>
+            </a:lvl1pPr>
+            <a:lvl2pPr marL="742950" indent="-285750">
+              <a:lnSpc>
+                <a:spcPct val="90000"/>
+              </a:lnSpc>
+              <a:spcBef>
+                <a:spcPts val="500"/>
+              </a:spcBef>
+              <a:buChar char="•"/>
+              <a:defRPr sz="2400">
+                <a:solidFill>
+                  <a:schemeClr val="tx1"/>
+                </a:solidFill>
+                <a:latin typeface="Calibri" panose="020F0502020204030204" pitchFamily="34" charset="0"/>
+                <a:ea typeface="宋体" panose="02010600030101010101" pitchFamily="2" charset="-122"/>
+              </a:defRPr>
+            </a:lvl2pPr>
+            <a:lvl3pPr marL="1143000" indent="-228600">
+              <a:lnSpc>
+                <a:spcPct val="90000"/>
+              </a:lnSpc>
+              <a:spcBef>
+                <a:spcPts val="500"/>
+              </a:spcBef>
+              <a:buChar char="•"/>
+              <a:defRPr sz="2000">
+                <a:solidFill>
+                  <a:schemeClr val="tx1"/>
+                </a:solidFill>
+                <a:latin typeface="Calibri" panose="020F0502020204030204" pitchFamily="34" charset="0"/>
+                <a:ea typeface="宋体" panose="02010600030101010101" pitchFamily="2" charset="-122"/>
+              </a:defRPr>
+            </a:lvl3pPr>
+            <a:lvl4pPr marL="1600200" indent="-228600">
+              <a:lnSpc>
+                <a:spcPct val="90000"/>
+              </a:lnSpc>
+              <a:spcBef>
+                <a:spcPts val="500"/>
+              </a:spcBef>
+              <a:buChar char="•"/>
+              <a:defRPr>
+                <a:solidFill>
+                  <a:schemeClr val="tx1"/>
+                </a:solidFill>
+                <a:latin typeface="Calibri" panose="020F0502020204030204" pitchFamily="34" charset="0"/>
+                <a:ea typeface="宋体" panose="02010600030101010101" pitchFamily="2" charset="-122"/>
+              </a:defRPr>
+            </a:lvl4pPr>
+            <a:lvl5pPr marL="2057400" indent="-228600">
+              <a:lnSpc>
+                <a:spcPct val="90000"/>
+              </a:lnSpc>
+              <a:spcBef>
+                <a:spcPts val="500"/>
+              </a:spcBef>
+              <a:buChar char="•"/>
+              <a:defRPr>
+                <a:solidFill>
+                  <a:schemeClr val="tx1"/>
+                </a:solidFill>
+                <a:latin typeface="Calibri" panose="020F0502020204030204" pitchFamily="34" charset="0"/>
+                <a:ea typeface="宋体" panose="02010600030101010101" pitchFamily="2" charset="-122"/>
+              </a:defRPr>
+            </a:lvl5pPr>
+            <a:lvl6pPr marL="2514600" indent="-228600" eaLnBrk="0" fontAlgn="base" hangingPunct="0">
+              <a:lnSpc>
+                <a:spcPct val="90000"/>
+              </a:lnSpc>
+              <a:spcBef>
+                <a:spcPts val="500"/>
+              </a:spcBef>
+              <a:spcAft>
+                <a:spcPct val="0"/>
+              </a:spcAft>
+              <a:buFont typeface="Arial" panose="020B0604020202020204" pitchFamily="34" charset="0"/>
+              <a:buChar char="•"/>
+              <a:defRPr>
+                <a:solidFill>
+                  <a:schemeClr val="tx1"/>
+                </a:solidFill>
+                <a:latin typeface="Calibri" panose="020F0502020204030204" pitchFamily="34" charset="0"/>
+                <a:ea typeface="宋体" panose="02010600030101010101" pitchFamily="2" charset="-122"/>
+              </a:defRPr>
+            </a:lvl6pPr>
+            <a:lvl7pPr marL="2971800" indent="-228600" eaLnBrk="0" fontAlgn="base" hangingPunct="0">
+              <a:lnSpc>
+                <a:spcPct val="90000"/>
+              </a:lnSpc>
+              <a:spcBef>
+                <a:spcPts val="500"/>
+              </a:spcBef>
+              <a:spcAft>
+                <a:spcPct val="0"/>
+              </a:spcAft>
+              <a:buFont typeface="Arial" panose="020B0604020202020204" pitchFamily="34" charset="0"/>
+              <a:buChar char="•"/>
+              <a:defRPr>
+                <a:solidFill>
+                  <a:schemeClr val="tx1"/>
+                </a:solidFill>
+                <a:latin typeface="Calibri" panose="020F0502020204030204" pitchFamily="34" charset="0"/>
+                <a:ea typeface="宋体" panose="02010600030101010101" pitchFamily="2" charset="-122"/>
+              </a:defRPr>
+            </a:lvl7pPr>
+            <a:lvl8pPr marL="3429000" indent="-228600" eaLnBrk="0" fontAlgn="base" hangingPunct="0">
+              <a:lnSpc>
+                <a:spcPct val="90000"/>
+              </a:lnSpc>
+              <a:spcBef>
+                <a:spcPts val="500"/>
+              </a:spcBef>
+              <a:spcAft>
+                <a:spcPct val="0"/>
+              </a:spcAft>
+              <a:buFont typeface="Arial" panose="020B0604020202020204" pitchFamily="34" charset="0"/>
+              <a:buChar char="•"/>
+              <a:defRPr>
+                <a:solidFill>
+                  <a:schemeClr val="tx1"/>
+                </a:solidFill>
+                <a:latin typeface="Calibri" panose="020F0502020204030204" pitchFamily="34" charset="0"/>
+                <a:ea typeface="宋体" panose="02010600030101010101" pitchFamily="2" charset="-122"/>
+              </a:defRPr>
+            </a:lvl8pPr>
+            <a:lvl9pPr marL="3886200" indent="-228600" eaLnBrk="0" fontAlgn="base" hangingPunct="0">
+              <a:lnSpc>
+                <a:spcPct val="90000"/>
+              </a:lnSpc>
+              <a:spcBef>
+                <a:spcPts val="500"/>
+              </a:spcBef>
+              <a:spcAft>
+                <a:spcPct val="0"/>
+              </a:spcAft>
+              <a:buFont typeface="Arial" panose="020B0604020202020204" pitchFamily="34" charset="0"/>
+              <a:buChar char="•"/>
+              <a:defRPr>
+                <a:solidFill>
+                  <a:schemeClr val="tx1"/>
+                </a:solidFill>
+                <a:latin typeface="Calibri" panose="020F0502020204030204" pitchFamily="34" charset="0"/>
+                <a:ea typeface="宋体" panose="02010600030101010101" pitchFamily="2" charset="-122"/>
+              </a:defRPr>
+            </a:lvl9pPr>
+          </a:lstStyle>
+          <a:p>
+            <a:pPr lvl="0">
+              <a:lnSpc>
+                <a:spcPct val="100000"/>
+              </a:lnSpc>
+              <a:spcBef>
+                <a:spcPct val="0"/>
+              </a:spcBef>
+              <a:buNone/>
+              <a:defRPr/>
+            </a:pPr>
+            <a:r>
+              <a:rPr kumimoji="0" lang="en-US" altLang="zh-CN" sz="2400" b="0" i="0" u="none" strike="noStrike" kern="1200" cap="none" spc="0" normalizeH="0" baseline="0" noProof="0" dirty="0">
+                <a:ln>
+                  <a:noFill/>
+                </a:ln>
+                <a:solidFill>
+                  <a:prstClr val="black"/>
+                </a:solidFill>
+                <a:effectLst/>
+                <a:uLnTx/>
+                <a:uFillTx/>
+                <a:latin typeface="Times New Roman" panose="02020603050405020304" pitchFamily="18" charset="0"/>
+                <a:ea typeface="微软雅黑" panose="020B0503020204020204" pitchFamily="34" charset="-122"/>
+                <a:cs typeface="Times New Roman" panose="02020603050405020304" pitchFamily="18" charset="0"/>
+              </a:rPr>
+              <a:t>EXHIBITION</a:t>
+            </a:r>
+            <a:endParaRPr kumimoji="0" lang="zh-CN" altLang="en-US" sz="2400" b="0" i="0" u="none" strike="noStrike" kern="1200" cap="none" spc="0" normalizeH="0" baseline="0" noProof="0" dirty="0">
+              <a:ln>
+                <a:noFill/>
+              </a:ln>
+              <a:solidFill>
+                <a:prstClr val="black"/>
+              </a:solidFill>
+              <a:effectLst/>
+              <a:uLnTx/>
+              <a:uFillTx/>
+              <a:latin typeface="Times New Roman" panose="02020603050405020304" pitchFamily="18" charset="0"/>
+              <a:ea typeface="微软雅黑" panose="020B0503020204020204" pitchFamily="34" charset="-122"/>
+              <a:cs typeface="Times New Roman" panose="02020603050405020304" pitchFamily="18" charset="0"/>
+            </a:endParaRPr>
+          </a:p>
+        </p:txBody>
+      </p:sp>
+      <p:pic>
+        <p:nvPicPr>
+          <p:cNvPr id="7" name="Picture 2" descr="西南大学高清透明背景校徽（全透明）">
+            <a:extLst>
+              <a:ext uri="{FF2B5EF4-FFF2-40B4-BE49-F238E27FC236}">
+                <a16:creationId xmlns:a16="http://schemas.microsoft.com/office/drawing/2014/main" id="{01423191-F089-6978-B8F0-A12AC2BAD5E2}"/>
+              </a:ext>
+            </a:extLst>
+          </p:cNvPr>
+          <p:cNvPicPr>
+            <a:picLocks noChangeAspect="1" noChangeArrowheads="1"/>
+          </p:cNvPicPr>
+          <p:nvPr/>
+        </p:nvPicPr>
+        <p:blipFill>
+          <a:blip r:embed="rId3" cstate="print">
+            <a:extLst>
+              <a:ext uri="{28A0092B-C50C-407E-A947-70E740481C1C}">
+                <a14:useLocalDpi xmlns:a14="http://schemas.microsoft.com/office/drawing/2010/main" val="0"/>
+              </a:ext>
+            </a:extLst>
+          </a:blip>
+          <a:srcRect/>
+          <a:stretch>
+            <a:fillRect/>
+          </a:stretch>
+        </p:blipFill>
+        <p:spPr bwMode="auto">
+          <a:xfrm>
+            <a:off x="10040938" y="81755"/>
+            <a:ext cx="2103831" cy="2103831"/>
+          </a:xfrm>
+          <a:prstGeom prst="rect">
+            <a:avLst/>
+          </a:prstGeom>
+          <a:noFill/>
+          <a:extLst>
+            <a:ext uri="{909E8E84-426E-40DD-AFC4-6F175D3DCCD1}">
+              <a14:hiddenFill xmlns:a14="http://schemas.microsoft.com/office/drawing/2010/main">
+                <a:solidFill>
+                  <a:srgbClr val="FFFFFF"/>
+                </a:solidFill>
+              </a14:hiddenFill>
+            </a:ext>
+          </a:extLst>
+        </p:spPr>
+      </p:pic>
+      <p:pic>
+        <p:nvPicPr>
+          <p:cNvPr id="4" name="图片 3" descr="图形用户界面, 应用程序&#10;&#10;AI 生成的内容可能不正确。">
+            <a:extLst>
+              <a:ext uri="{FF2B5EF4-FFF2-40B4-BE49-F238E27FC236}">
+                <a16:creationId xmlns:a16="http://schemas.microsoft.com/office/drawing/2014/main" id="{037BCD04-DA47-588D-5377-C83C9EE8B9D5}"/>
+              </a:ext>
+            </a:extLst>
+          </p:cNvPr>
+          <p:cNvPicPr>
+            <a:picLocks noChangeAspect="1"/>
+          </p:cNvPicPr>
+          <p:nvPr/>
+        </p:nvPicPr>
+        <p:blipFill>
+          <a:blip r:embed="rId4">
+            <a:extLst>
+              <a:ext uri="{28A0092B-C50C-407E-A947-70E740481C1C}">
+                <a14:useLocalDpi xmlns:a14="http://schemas.microsoft.com/office/drawing/2010/main" val="0"/>
+              </a:ext>
+            </a:extLst>
+          </a:blip>
+          <a:stretch>
+            <a:fillRect/>
+          </a:stretch>
+        </p:blipFill>
+        <p:spPr>
+          <a:xfrm>
+            <a:off x="47231" y="796891"/>
+            <a:ext cx="9888689" cy="4994309"/>
+          </a:xfrm>
+          <a:prstGeom prst="rect">
+            <a:avLst/>
+          </a:prstGeom>
+        </p:spPr>
+      </p:pic>
+    </p:spTree>
+    <p:extLst>
+      <p:ext uri="{BB962C8B-B14F-4D97-AF65-F5344CB8AC3E}">
+        <p14:creationId xmlns:p14="http://schemas.microsoft.com/office/powerpoint/2010/main" val="1517340126"/>
+      </p:ext>
+    </p:extLst>
+  </p:cSld>
+  <p:clrMapOvr>
+    <a:masterClrMapping/>
+  </p:clrMapOvr>
+  <p:transition/>
+</p:sld>
+</file>
+
+<file path=ppt/slides/slide11.xml><?xml version="1.0" encoding="utf-8"?>
+<p:sld xmlns:a="http://schemas.openxmlformats.org/drawingml/2006/main" xmlns:r="http://schemas.openxmlformats.org/officeDocument/2006/relationships" xmlns:p="http://schemas.openxmlformats.org/presentationml/2006/main">
+  <p:cSld>
+    <p:spTree>
+      <p:nvGrpSpPr>
+        <p:cNvPr id="1" name=""/>
+        <p:cNvGrpSpPr/>
+        <p:nvPr/>
+      </p:nvGrpSpPr>
+      <p:grpSpPr>
+        <a:xfrm>
+          <a:off x="0" y="0"/>
+          <a:ext cx="0" cy="0"/>
+          <a:chOff x="0" y="0"/>
+          <a:chExt cx="0" cy="0"/>
+        </a:xfrm>
+      </p:grpSpPr>
+      <p:pic>
+        <p:nvPicPr>
+          <p:cNvPr id="2" name="图片 1"/>
+          <p:cNvPicPr>
+            <a:picLocks noChangeAspect="1"/>
+          </p:cNvPicPr>
+          <p:nvPr/>
+        </p:nvPicPr>
+        <p:blipFill>
+          <a:blip r:embed="rId3" cstate="print">
+            <a:extLst>
+              <a:ext uri="{28A0092B-C50C-407E-A947-70E740481C1C}">
+                <a14:useLocalDpi xmlns:a14="http://schemas.microsoft.com/office/drawing/2010/main" val="0"/>
+              </a:ext>
+            </a:extLst>
+          </a:blip>
+          <a:stretch>
+            <a:fillRect/>
+          </a:stretch>
+        </p:blipFill>
+        <p:spPr>
+          <a:xfrm>
+            <a:off x="0" y="-12169"/>
+            <a:ext cx="10058400" cy="5031330"/>
+          </a:xfrm>
+          <a:prstGeom prst="rect">
+            <a:avLst/>
+          </a:prstGeom>
+        </p:spPr>
+      </p:pic>
+      <p:pic>
+        <p:nvPicPr>
+          <p:cNvPr id="3" name="图片 2"/>
+          <p:cNvPicPr>
+            <a:picLocks noChangeAspect="1"/>
+          </p:cNvPicPr>
+          <p:nvPr/>
+        </p:nvPicPr>
+        <p:blipFill>
+          <a:blip r:embed="rId4" cstate="print">
+            <a:extLst>
+              <a:ext uri="{28A0092B-C50C-407E-A947-70E740481C1C}">
+                <a14:useLocalDpi xmlns:a14="http://schemas.microsoft.com/office/drawing/2010/main" val="0"/>
+              </a:ext>
+            </a:extLst>
+          </a:blip>
+          <a:stretch>
+            <a:fillRect/>
+          </a:stretch>
+        </p:blipFill>
+        <p:spPr>
+          <a:xfrm>
+            <a:off x="2133600" y="1826670"/>
+            <a:ext cx="10058400" cy="5031330"/>
+          </a:xfrm>
+          <a:prstGeom prst="rect">
+            <a:avLst/>
+          </a:prstGeom>
+        </p:spPr>
+      </p:pic>
+      <p:pic>
+        <p:nvPicPr>
+          <p:cNvPr id="4" name="图片 3"/>
+          <p:cNvPicPr>
+            <a:picLocks noChangeAspect="1"/>
+          </p:cNvPicPr>
+          <p:nvPr/>
+        </p:nvPicPr>
+        <p:blipFill>
+          <a:blip r:embed="rId5" cstate="print">
+            <a:extLst>
+              <a:ext uri="{28A0092B-C50C-407E-A947-70E740481C1C}">
+                <a14:useLocalDpi xmlns:a14="http://schemas.microsoft.com/office/drawing/2010/main" val="0"/>
+              </a:ext>
+            </a:extLst>
+          </a:blip>
+          <a:stretch>
+            <a:fillRect/>
+          </a:stretch>
+        </p:blipFill>
+        <p:spPr>
+          <a:xfrm>
+            <a:off x="476250" y="-1291"/>
+            <a:ext cx="10058400" cy="5031330"/>
+          </a:xfrm>
+          <a:prstGeom prst="rect">
+            <a:avLst/>
+          </a:prstGeom>
+        </p:spPr>
+      </p:pic>
+      <p:pic>
+        <p:nvPicPr>
+          <p:cNvPr id="5" name="图片 4"/>
+          <p:cNvPicPr>
+            <a:picLocks noChangeAspect="1"/>
+          </p:cNvPicPr>
+          <p:nvPr/>
+        </p:nvPicPr>
+        <p:blipFill>
+          <a:blip r:embed="rId6" cstate="print">
+            <a:extLst>
+              <a:ext uri="{28A0092B-C50C-407E-A947-70E740481C1C}">
+                <a14:useLocalDpi xmlns:a14="http://schemas.microsoft.com/office/drawing/2010/main" val="0"/>
+              </a:ext>
+            </a:extLst>
+          </a:blip>
+          <a:stretch>
+            <a:fillRect/>
+          </a:stretch>
+        </p:blipFill>
+        <p:spPr>
+          <a:xfrm>
+            <a:off x="76200" y="895350"/>
+            <a:ext cx="11920251" cy="5962650"/>
+          </a:xfrm>
+          <a:prstGeom prst="rect">
+            <a:avLst/>
+          </a:prstGeom>
+        </p:spPr>
+      </p:pic>
+      <p:sp>
+        <p:nvSpPr>
+          <p:cNvPr id="8" name="文本框 9"/>
+          <p:cNvSpPr txBox="1">
+            <a:spLocks noChangeArrowheads="1"/>
+          </p:cNvSpPr>
+          <p:nvPr/>
+        </p:nvSpPr>
+        <p:spPr bwMode="auto">
+          <a:xfrm>
+            <a:off x="2319753" y="2078805"/>
+            <a:ext cx="7309063" cy="2123658"/>
+          </a:xfrm>
+          <a:prstGeom prst="rect">
+            <a:avLst/>
+          </a:prstGeom>
+          <a:noFill/>
+          <a:ln>
+            <a:noFill/>
+          </a:ln>
+          <a:extLst>
+            <a:ext uri="{909E8E84-426E-40DD-AFC4-6F175D3DCCD1}">
+              <a14:hiddenFill xmlns:a14="http://schemas.microsoft.com/office/drawing/2010/main">
+                <a:solidFill>
+                  <a:srgbClr val="FFFFFF"/>
+                </a:solidFill>
+              </a14:hiddenFill>
+            </a:ext>
+            <a:ext uri="{91240B29-F687-4F45-9708-019B960494DF}">
+              <a14:hiddenLine xmlns:a14="http://schemas.microsoft.com/office/drawing/2010/main" w="9525">
+                <a:solidFill>
+                  <a:srgbClr val="000000"/>
+                </a:solidFill>
+                <a:miter lim="800000"/>
+                <a:headEnd/>
+                <a:tailEnd/>
+              </a14:hiddenLine>
+            </a:ext>
+          </a:extLst>
+        </p:spPr>
+        <p:txBody>
+          <a:bodyPr wrap="square">
+            <a:spAutoFit/>
+          </a:bodyPr>
+          <a:lstStyle>
+            <a:lvl1pPr>
+              <a:defRPr>
+                <a:solidFill>
+                  <a:schemeClr val="tx1"/>
+                </a:solidFill>
+                <a:latin typeface="Calibri" panose="020F0502020204030204" pitchFamily="34" charset="0"/>
+                <a:ea typeface="宋体" panose="02010600030101010101" pitchFamily="2" charset="-122"/>
+              </a:defRPr>
+            </a:lvl1pPr>
+            <a:lvl2pPr marL="742950" indent="-285750">
+              <a:defRPr>
+                <a:solidFill>
+                  <a:schemeClr val="tx1"/>
+                </a:solidFill>
+                <a:latin typeface="Calibri" panose="020F0502020204030204" pitchFamily="34" charset="0"/>
+                <a:ea typeface="宋体" panose="02010600030101010101" pitchFamily="2" charset="-122"/>
+              </a:defRPr>
+            </a:lvl2pPr>
+            <a:lvl3pPr marL="1143000" indent="-228600">
+              <a:defRPr>
+                <a:solidFill>
+                  <a:schemeClr val="tx1"/>
+                </a:solidFill>
+                <a:latin typeface="Calibri" panose="020F0502020204030204" pitchFamily="34" charset="0"/>
+                <a:ea typeface="宋体" panose="02010600030101010101" pitchFamily="2" charset="-122"/>
+              </a:defRPr>
+            </a:lvl3pPr>
+            <a:lvl4pPr marL="1600200" indent="-228600">
+              <a:defRPr>
+                <a:solidFill>
+                  <a:schemeClr val="tx1"/>
+                </a:solidFill>
+                <a:latin typeface="Calibri" panose="020F0502020204030204" pitchFamily="34" charset="0"/>
+                <a:ea typeface="宋体" panose="02010600030101010101" pitchFamily="2" charset="-122"/>
+              </a:defRPr>
+            </a:lvl4pPr>
+            <a:lvl5pPr marL="2057400" indent="-228600">
+              <a:defRPr>
+                <a:solidFill>
+                  <a:schemeClr val="tx1"/>
+                </a:solidFill>
+                <a:latin typeface="Calibri" panose="020F0502020204030204" pitchFamily="34" charset="0"/>
+                <a:ea typeface="宋体" panose="02010600030101010101" pitchFamily="2" charset="-122"/>
+              </a:defRPr>
+            </a:lvl5pPr>
+            <a:lvl6pPr marL="2514600" indent="-228600" fontAlgn="base">
+              <a:spcBef>
+                <a:spcPct val="0"/>
+              </a:spcBef>
+              <a:spcAft>
+                <a:spcPct val="0"/>
+              </a:spcAft>
+              <a:defRPr>
+                <a:solidFill>
+                  <a:schemeClr val="tx1"/>
+                </a:solidFill>
+                <a:latin typeface="Calibri" panose="020F0502020204030204" pitchFamily="34" charset="0"/>
+                <a:ea typeface="宋体" panose="02010600030101010101" pitchFamily="2" charset="-122"/>
+              </a:defRPr>
+            </a:lvl6pPr>
+            <a:lvl7pPr marL="2971800" indent="-228600" fontAlgn="base">
+              <a:spcBef>
+                <a:spcPct val="0"/>
+              </a:spcBef>
+              <a:spcAft>
+                <a:spcPct val="0"/>
+              </a:spcAft>
+              <a:defRPr>
+                <a:solidFill>
+                  <a:schemeClr val="tx1"/>
+                </a:solidFill>
+                <a:latin typeface="Calibri" panose="020F0502020204030204" pitchFamily="34" charset="0"/>
+                <a:ea typeface="宋体" panose="02010600030101010101" pitchFamily="2" charset="-122"/>
+              </a:defRPr>
+            </a:lvl7pPr>
+            <a:lvl8pPr marL="3429000" indent="-228600" fontAlgn="base">
+              <a:spcBef>
+                <a:spcPct val="0"/>
+              </a:spcBef>
+              <a:spcAft>
+                <a:spcPct val="0"/>
+              </a:spcAft>
+              <a:defRPr>
+                <a:solidFill>
+                  <a:schemeClr val="tx1"/>
+                </a:solidFill>
+                <a:latin typeface="Calibri" panose="020F0502020204030204" pitchFamily="34" charset="0"/>
+                <a:ea typeface="宋体" panose="02010600030101010101" pitchFamily="2" charset="-122"/>
+              </a:defRPr>
+            </a:lvl8pPr>
+            <a:lvl9pPr marL="3886200" indent="-228600" fontAlgn="base">
+              <a:spcBef>
+                <a:spcPct val="0"/>
+              </a:spcBef>
+              <a:spcAft>
+                <a:spcPct val="0"/>
+              </a:spcAft>
+              <a:defRPr>
+                <a:solidFill>
+                  <a:schemeClr val="tx1"/>
+                </a:solidFill>
+                <a:latin typeface="Calibri" panose="020F0502020204030204" pitchFamily="34" charset="0"/>
+                <a:ea typeface="宋体" panose="02010600030101010101" pitchFamily="2" charset="-122"/>
+              </a:defRPr>
+            </a:lvl9pPr>
+          </a:lstStyle>
+          <a:p>
+            <a:pPr algn="ctr" eaLnBrk="1" hangingPunct="1"/>
+            <a:r>
+              <a:rPr lang="en-US" altLang="zh-CN" sz="6600">
+                <a:solidFill>
+                  <a:srgbClr val="4F5D70"/>
+                </a:solidFill>
+                <a:latin typeface="Times New Roman" panose="02020603050405020304" pitchFamily="18" charset="0"/>
+                <a:ea typeface="微软雅黑" panose="020B0503020204020204" pitchFamily="34" charset="-122"/>
+                <a:cs typeface="Times New Roman" panose="02020603050405020304" pitchFamily="18" charset="0"/>
+              </a:rPr>
+              <a:t>THANK </a:t>
+            </a:r>
+          </a:p>
+          <a:p>
+            <a:pPr algn="ctr" eaLnBrk="1" hangingPunct="1"/>
+            <a:r>
+              <a:rPr lang="en-US" altLang="zh-CN" sz="6600">
+                <a:solidFill>
+                  <a:srgbClr val="4F5D70"/>
+                </a:solidFill>
+                <a:latin typeface="Times New Roman" panose="02020603050405020304" pitchFamily="18" charset="0"/>
+                <a:ea typeface="微软雅黑" panose="020B0503020204020204" pitchFamily="34" charset="-122"/>
+                <a:cs typeface="Times New Roman" panose="02020603050405020304" pitchFamily="18" charset="0"/>
+              </a:rPr>
+              <a:t>YOU!</a:t>
+            </a:r>
+            <a:endParaRPr lang="zh-CN" altLang="en-US" sz="6600">
+              <a:solidFill>
+                <a:srgbClr val="4F5D70"/>
+              </a:solidFill>
+              <a:latin typeface="Times New Roman" panose="02020603050405020304" pitchFamily="18" charset="0"/>
+              <a:ea typeface="微软雅黑" panose="020B0503020204020204" pitchFamily="34" charset="-122"/>
+              <a:cs typeface="Times New Roman" panose="02020603050405020304" pitchFamily="18" charset="0"/>
+            </a:endParaRPr>
+          </a:p>
+        </p:txBody>
+      </p:sp>
+      <p:pic>
+        <p:nvPicPr>
+          <p:cNvPr id="6" name="Picture 2" descr="西南大学高清透明背景校徽（全透明）">
+            <a:extLst>
+              <a:ext uri="{FF2B5EF4-FFF2-40B4-BE49-F238E27FC236}">
+                <a16:creationId xmlns:a16="http://schemas.microsoft.com/office/drawing/2014/main" id="{9CE5DB68-0C32-43D4-6BA7-7364A4124842}"/>
+              </a:ext>
+            </a:extLst>
+          </p:cNvPr>
+          <p:cNvPicPr>
+            <a:picLocks noChangeAspect="1" noChangeArrowheads="1"/>
+          </p:cNvPicPr>
+          <p:nvPr/>
+        </p:nvPicPr>
+        <p:blipFill>
+          <a:blip r:embed="rId7" cstate="print">
+            <a:extLst>
+              <a:ext uri="{28A0092B-C50C-407E-A947-70E740481C1C}">
+                <a14:useLocalDpi xmlns:a14="http://schemas.microsoft.com/office/drawing/2010/main" val="0"/>
+              </a:ext>
+            </a:extLst>
+          </a:blip>
+          <a:srcRect/>
+          <a:stretch>
+            <a:fillRect/>
+          </a:stretch>
+        </p:blipFill>
+        <p:spPr bwMode="auto">
+          <a:xfrm>
+            <a:off x="10040938" y="81755"/>
+            <a:ext cx="2103831" cy="2103831"/>
+          </a:xfrm>
+          <a:prstGeom prst="rect">
+            <a:avLst/>
+          </a:prstGeom>
+          <a:noFill/>
+          <a:extLst>
+            <a:ext uri="{909E8E84-426E-40DD-AFC4-6F175D3DCCD1}">
+              <a14:hiddenFill xmlns:a14="http://schemas.microsoft.com/office/drawing/2010/main">
+                <a:solidFill>
+                  <a:srgbClr val="FFFFFF"/>
+                </a:solidFill>
+              </a14:hiddenFill>
+            </a:ext>
+          </a:extLst>
+        </p:spPr>
+      </p:pic>
+    </p:spTree>
+    <p:extLst>
+      <p:ext uri="{BB962C8B-B14F-4D97-AF65-F5344CB8AC3E}">
+        <p14:creationId xmlns:p14="http://schemas.microsoft.com/office/powerpoint/2010/main" val="3952716568"/>
       </p:ext>
     </p:extLst>
   </p:cSld>
@@ -3785,7 +4994,7 @@
         <p:spPr>
           <a:xfrm>
             <a:off x="693471" y="1325573"/>
-            <a:ext cx="9223780" cy="3416320"/>
+            <a:ext cx="9223780" cy="3785652"/>
           </a:xfrm>
           <a:prstGeom prst="rect">
             <a:avLst/>
@@ -3893,7 +5102,26 @@
                 <a:effectLst/>
                 <a:latin typeface="-apple-system"/>
               </a:rPr>
-              <a:t>数据库。</a:t>
+              <a:t>数据库</a:t>
+            </a:r>
+            <a:r>
+              <a:rPr lang="zh-CN" altLang="en-US" sz="2400" dirty="0">
+                <a:solidFill>
+                  <a:srgbClr val="1F2328"/>
+                </a:solidFill>
+                <a:latin typeface="-apple-system"/>
+              </a:rPr>
+              <a:t>或进行逻辑操作实现异常、活跃度检测</a:t>
+            </a:r>
+            <a:r>
+              <a:rPr lang="zh-CN" altLang="en-US" sz="2400" b="0" i="0" dirty="0">
+                <a:solidFill>
+                  <a:srgbClr val="1F2328"/>
+                </a:solidFill>
+                <a:effectLst/>
+                <a:latin typeface="-apple-system"/>
+              </a:rPr>
+              <a:t>。</a:t>
             </a:r>
             <a:endParaRPr lang="en-US" altLang="zh-CN" sz="2400" b="0" i="0" dirty="0">
               <a:solidFill>
@@ -4421,7 +5649,7 @@
         <p:spPr>
           <a:xfrm>
             <a:off x="578179" y="1058236"/>
-            <a:ext cx="9347699" cy="5262979"/>
+            <a:ext cx="9347699" cy="6001643"/>
           </a:xfrm>
           <a:prstGeom prst="rect">
             <a:avLst/>
@@ -4649,6 +5877,48 @@
             </a:endParaRPr>
           </a:p>
           <a:p>
+            <a:endParaRPr lang="en-US" altLang="zh-CN" sz="2400" dirty="0">
+              <a:solidFill>
+                <a:srgbClr val="1F2328"/>
+              </a:solidFill>
+              <a:latin typeface="-apple-system"/>
+              <a:ea typeface="微软雅黑" panose="020B0503020204020204" pitchFamily="34" charset="-122"/>
+              <a:cs typeface="Times New Roman" panose="02020603050405020304" pitchFamily="18" charset="0"/>
+            </a:endParaRPr>
+          </a:p>
+          <a:p>
+            <a:endParaRPr lang="en-US" altLang="zh-CN" sz="2400" dirty="0">
+              <a:solidFill>
+                <a:srgbClr val="1F2328"/>
+              </a:solidFill>
+              <a:latin typeface="-apple-system"/>
+              <a:ea typeface="微软雅黑" panose="020B0503020204020204" pitchFamily="34" charset="-122"/>
+              <a:cs typeface="Times New Roman" panose="02020603050405020304" pitchFamily="18" charset="0"/>
+            </a:endParaRPr>
+          </a:p>
+          <a:p>
+            <a:r>
+              <a:rPr lang="en-US" altLang="zh-CN" sz="2400" dirty="0">
+                <a:solidFill>
+                  <a:srgbClr val="1F2328"/>
+                </a:solidFill>
+                <a:latin typeface="-apple-system"/>
+                <a:ea typeface="微软雅黑" panose="020B0503020204020204" pitchFamily="34" charset="-122"/>
+                <a:cs typeface="Times New Roman" panose="02020603050405020304" pitchFamily="18" charset="0"/>
+              </a:rPr>
+              <a:t>MQTT</a:t>
+            </a:r>
+            <a:r>
+              <a:rPr lang="zh-CN" altLang="en-US" sz="2400" dirty="0">
+                <a:solidFill>
+                  <a:srgbClr val="1F2328"/>
+                </a:solidFill>
+                <a:latin typeface="-apple-system"/>
+                <a:ea typeface="微软雅黑" panose="020B0503020204020204" pitchFamily="34" charset="-122"/>
+                <a:cs typeface="Times New Roman" panose="02020603050405020304" pitchFamily="18" charset="0"/>
+              </a:rPr>
+              <a:t>订阅</a:t>
+            </a:r>
             <a:endParaRPr lang="en-US" altLang="zh-CN" sz="2400" dirty="0">
               <a:solidFill>
                 <a:srgbClr val="1F2328"/>
@@ -4695,6 +5965,2182 @@
 </file>
 
 <file path=ppt/slides/slide4.xml><?xml version="1.0" encoding="utf-8"?>
+<p:sld xmlns:a="http://schemas.openxmlformats.org/drawingml/2006/main" xmlns:r="http://schemas.openxmlformats.org/officeDocument/2006/relationships" xmlns:p="http://schemas.openxmlformats.org/presentationml/2006/main">
+  <p:cSld>
+    <p:spTree>
+      <p:nvGrpSpPr>
+        <p:cNvPr id="1" name="">
+          <a:extLst>
+            <a:ext uri="{FF2B5EF4-FFF2-40B4-BE49-F238E27FC236}">
+              <a16:creationId xmlns:a16="http://schemas.microsoft.com/office/drawing/2014/main" id="{479A299C-19E0-DE0F-6CAE-0646A7F72FD3}"/>
+            </a:ext>
+          </a:extLst>
+        </p:cNvPr>
+        <p:cNvGrpSpPr/>
+        <p:nvPr/>
+      </p:nvGrpSpPr>
+      <p:grpSpPr>
+        <a:xfrm>
+          <a:off x="0" y="0"/>
+          <a:ext cx="0" cy="0"/>
+          <a:chOff x="0" y="0"/>
+          <a:chExt cx="0" cy="0"/>
+        </a:xfrm>
+      </p:grpSpPr>
+      <p:sp>
+        <p:nvSpPr>
+          <p:cNvPr id="24" name="TextBox 23">
+            <a:extLst>
+              <a:ext uri="{FF2B5EF4-FFF2-40B4-BE49-F238E27FC236}">
+                <a16:creationId xmlns:a16="http://schemas.microsoft.com/office/drawing/2014/main" id="{FA07B01F-5555-4D98-859A-D56A0B8C58D4}"/>
+              </a:ext>
+            </a:extLst>
+          </p:cNvPr>
+          <p:cNvSpPr txBox="1"/>
+          <p:nvPr/>
+        </p:nvSpPr>
+        <p:spPr>
+          <a:xfrm>
+            <a:off x="8999745" y="2644634"/>
+            <a:ext cx="2688299" cy="363882"/>
+          </a:xfrm>
+          <a:prstGeom prst="rect">
+            <a:avLst/>
+          </a:prstGeom>
+          <a:noFill/>
+          <a:ln>
+            <a:noFill/>
+          </a:ln>
+        </p:spPr>
+        <p:txBody>
+          <a:bodyPr wrap="square" rtlCol="0">
+            <a:spAutoFit/>
+          </a:bodyPr>
+          <a:lstStyle/>
+          <a:p>
+            <a:pPr marL="0" marR="0" lvl="0" indent="0" algn="l" defTabSz="914400" rtl="0" eaLnBrk="1" fontAlgn="auto" latinLnBrk="0" hangingPunct="1">
+              <a:lnSpc>
+                <a:spcPct val="150000"/>
+              </a:lnSpc>
+              <a:spcBef>
+                <a:spcPts val="0"/>
+              </a:spcBef>
+              <a:spcAft>
+                <a:spcPts val="0"/>
+              </a:spcAft>
+              <a:buClrTx/>
+              <a:buSzTx/>
+              <a:buFontTx/>
+              <a:buNone/>
+              <a:tabLst/>
+              <a:defRPr/>
+            </a:pPr>
+            <a:endParaRPr kumimoji="0" lang="zh-CN" altLang="en-US" sz="1333" b="0" i="0" u="none" strike="noStrike" kern="1200" cap="none" spc="0" normalizeH="0" baseline="0" noProof="0" dirty="0">
+              <a:ln>
+                <a:noFill/>
+              </a:ln>
+              <a:solidFill>
+                <a:srgbClr val="5B9BD5"/>
+              </a:solidFill>
+              <a:effectLst/>
+              <a:uLnTx/>
+              <a:uFillTx/>
+              <a:latin typeface="微软雅黑" pitchFamily="34" charset="-122"/>
+              <a:ea typeface="微软雅黑" pitchFamily="34" charset="-122"/>
+              <a:cs typeface="+mn-cs"/>
+              <a:sym typeface="微软雅黑" pitchFamily="34" charset="-122"/>
+            </a:endParaRPr>
+          </a:p>
+        </p:txBody>
+      </p:sp>
+      <p:sp>
+        <p:nvSpPr>
+          <p:cNvPr id="35" name="矩形 80">
+            <a:extLst>
+              <a:ext uri="{FF2B5EF4-FFF2-40B4-BE49-F238E27FC236}">
+                <a16:creationId xmlns:a16="http://schemas.microsoft.com/office/drawing/2014/main" id="{76A56C1E-5EF0-1D09-551D-E2A72630E3E4}"/>
+              </a:ext>
+            </a:extLst>
+          </p:cNvPr>
+          <p:cNvSpPr>
+            <a:spLocks noChangeArrowheads="1"/>
+          </p:cNvSpPr>
+          <p:nvPr/>
+        </p:nvSpPr>
+        <p:spPr bwMode="auto">
+          <a:xfrm>
+            <a:off x="828326" y="335226"/>
+            <a:ext cx="2186817" cy="461665"/>
+          </a:xfrm>
+          <a:prstGeom prst="rect">
+            <a:avLst/>
+          </a:prstGeom>
+          <a:noFill/>
+          <a:ln>
+            <a:noFill/>
+          </a:ln>
+          <a:extLst>
+            <a:ext uri="{909E8E84-426E-40DD-AFC4-6F175D3DCCD1}">
+              <a14:hiddenFill xmlns:a14="http://schemas.microsoft.com/office/drawing/2010/main">
+                <a:solidFill>
+                  <a:srgbClr val="FFFFFF"/>
+                </a:solidFill>
+              </a14:hiddenFill>
+            </a:ext>
+            <a:ext uri="{91240B29-F687-4F45-9708-019B960494DF}">
+              <a14:hiddenLine xmlns:a14="http://schemas.microsoft.com/office/drawing/2010/main" w="9525">
+                <a:solidFill>
+                  <a:srgbClr val="000000"/>
+                </a:solidFill>
+                <a:miter lim="800000"/>
+                <a:headEnd/>
+                <a:tailEnd/>
+              </a14:hiddenLine>
+            </a:ext>
+          </a:extLst>
+        </p:spPr>
+        <p:txBody>
+          <a:bodyPr wrap="none">
+            <a:spAutoFit/>
+          </a:bodyPr>
+          <a:lstStyle>
+            <a:lvl1pPr>
+              <a:lnSpc>
+                <a:spcPct val="90000"/>
+              </a:lnSpc>
+              <a:spcBef>
+                <a:spcPts val="1000"/>
+              </a:spcBef>
+              <a:buChar char="•"/>
+              <a:defRPr sz="2800">
+                <a:solidFill>
+                  <a:schemeClr val="tx1"/>
+                </a:solidFill>
+                <a:latin typeface="Calibri" panose="020F0502020204030204" pitchFamily="34" charset="0"/>
+                <a:ea typeface="宋体" panose="02010600030101010101" pitchFamily="2" charset="-122"/>
+              </a:defRPr>
+            </a:lvl1pPr>
+            <a:lvl2pPr marL="742950" indent="-285750">
+              <a:lnSpc>
+                <a:spcPct val="90000"/>
+              </a:lnSpc>
+              <a:spcBef>
+                <a:spcPts val="500"/>
+              </a:spcBef>
+              <a:buChar char="•"/>
+              <a:defRPr sz="2400">
+                <a:solidFill>
+                  <a:schemeClr val="tx1"/>
+                </a:solidFill>
+                <a:latin typeface="Calibri" panose="020F0502020204030204" pitchFamily="34" charset="0"/>
+                <a:ea typeface="宋体" panose="02010600030101010101" pitchFamily="2" charset="-122"/>
+              </a:defRPr>
+            </a:lvl2pPr>
+            <a:lvl3pPr marL="1143000" indent="-228600">
+              <a:lnSpc>
+                <a:spcPct val="90000"/>
+              </a:lnSpc>
+              <a:spcBef>
+                <a:spcPts val="500"/>
+              </a:spcBef>
+              <a:buChar char="•"/>
+              <a:defRPr sz="2000">
+                <a:solidFill>
+                  <a:schemeClr val="tx1"/>
+                </a:solidFill>
+                <a:latin typeface="Calibri" panose="020F0502020204030204" pitchFamily="34" charset="0"/>
+                <a:ea typeface="宋体" panose="02010600030101010101" pitchFamily="2" charset="-122"/>
+              </a:defRPr>
+            </a:lvl3pPr>
+            <a:lvl4pPr marL="1600200" indent="-228600">
+              <a:lnSpc>
+                <a:spcPct val="90000"/>
+              </a:lnSpc>
+              <a:spcBef>
+                <a:spcPts val="500"/>
+              </a:spcBef>
+              <a:buChar char="•"/>
+              <a:defRPr>
+                <a:solidFill>
+                  <a:schemeClr val="tx1"/>
+                </a:solidFill>
+                <a:latin typeface="Calibri" panose="020F0502020204030204" pitchFamily="34" charset="0"/>
+                <a:ea typeface="宋体" panose="02010600030101010101" pitchFamily="2" charset="-122"/>
+              </a:defRPr>
+            </a:lvl4pPr>
+            <a:lvl5pPr marL="2057400" indent="-228600">
+              <a:lnSpc>
+                <a:spcPct val="90000"/>
+              </a:lnSpc>
+              <a:spcBef>
+                <a:spcPts val="500"/>
+              </a:spcBef>
+              <a:buChar char="•"/>
+              <a:defRPr>
+                <a:solidFill>
+                  <a:schemeClr val="tx1"/>
+                </a:solidFill>
+                <a:latin typeface="Calibri" panose="020F0502020204030204" pitchFamily="34" charset="0"/>
+                <a:ea typeface="宋体" panose="02010600030101010101" pitchFamily="2" charset="-122"/>
+              </a:defRPr>
+            </a:lvl5pPr>
+            <a:lvl6pPr marL="2514600" indent="-228600" eaLnBrk="0" fontAlgn="base" hangingPunct="0">
+              <a:lnSpc>
+                <a:spcPct val="90000"/>
+              </a:lnSpc>
+              <a:spcBef>
+                <a:spcPts val="500"/>
+              </a:spcBef>
+              <a:spcAft>
+                <a:spcPct val="0"/>
+              </a:spcAft>
+              <a:buFont typeface="Arial" panose="020B0604020202020204" pitchFamily="34" charset="0"/>
+              <a:buChar char="•"/>
+              <a:defRPr>
+                <a:solidFill>
+                  <a:schemeClr val="tx1"/>
+                </a:solidFill>
+                <a:latin typeface="Calibri" panose="020F0502020204030204" pitchFamily="34" charset="0"/>
+                <a:ea typeface="宋体" panose="02010600030101010101" pitchFamily="2" charset="-122"/>
+              </a:defRPr>
+            </a:lvl6pPr>
+            <a:lvl7pPr marL="2971800" indent="-228600" eaLnBrk="0" fontAlgn="base" hangingPunct="0">
+              <a:lnSpc>
+                <a:spcPct val="90000"/>
+              </a:lnSpc>
+              <a:spcBef>
+                <a:spcPts val="500"/>
+              </a:spcBef>
+              <a:spcAft>
+                <a:spcPct val="0"/>
+              </a:spcAft>
+              <a:buFont typeface="Arial" panose="020B0604020202020204" pitchFamily="34" charset="0"/>
+              <a:buChar char="•"/>
+              <a:defRPr>
+                <a:solidFill>
+                  <a:schemeClr val="tx1"/>
+                </a:solidFill>
+                <a:latin typeface="Calibri" panose="020F0502020204030204" pitchFamily="34" charset="0"/>
+                <a:ea typeface="宋体" panose="02010600030101010101" pitchFamily="2" charset="-122"/>
+              </a:defRPr>
+            </a:lvl7pPr>
+            <a:lvl8pPr marL="3429000" indent="-228600" eaLnBrk="0" fontAlgn="base" hangingPunct="0">
+              <a:lnSpc>
+                <a:spcPct val="90000"/>
+              </a:lnSpc>
+              <a:spcBef>
+                <a:spcPts val="500"/>
+              </a:spcBef>
+              <a:spcAft>
+                <a:spcPct val="0"/>
+              </a:spcAft>
+              <a:buFont typeface="Arial" panose="020B0604020202020204" pitchFamily="34" charset="0"/>
+              <a:buChar char="•"/>
+              <a:defRPr>
+                <a:solidFill>
+                  <a:schemeClr val="tx1"/>
+                </a:solidFill>
+                <a:latin typeface="Calibri" panose="020F0502020204030204" pitchFamily="34" charset="0"/>
+                <a:ea typeface="宋体" panose="02010600030101010101" pitchFamily="2" charset="-122"/>
+              </a:defRPr>
+            </a:lvl8pPr>
+            <a:lvl9pPr marL="3886200" indent="-228600" eaLnBrk="0" fontAlgn="base" hangingPunct="0">
+              <a:lnSpc>
+                <a:spcPct val="90000"/>
+              </a:lnSpc>
+              <a:spcBef>
+                <a:spcPts val="500"/>
+              </a:spcBef>
+              <a:spcAft>
+                <a:spcPct val="0"/>
+              </a:spcAft>
+              <a:buFont typeface="Arial" panose="020B0604020202020204" pitchFamily="34" charset="0"/>
+              <a:buChar char="•"/>
+              <a:defRPr>
+                <a:solidFill>
+                  <a:schemeClr val="tx1"/>
+                </a:solidFill>
+                <a:latin typeface="Calibri" panose="020F0502020204030204" pitchFamily="34" charset="0"/>
+                <a:ea typeface="宋体" panose="02010600030101010101" pitchFamily="2" charset="-122"/>
+              </a:defRPr>
+            </a:lvl9pPr>
+          </a:lstStyle>
+          <a:p>
+            <a:pPr lvl="0">
+              <a:lnSpc>
+                <a:spcPct val="100000"/>
+              </a:lnSpc>
+              <a:spcBef>
+                <a:spcPct val="0"/>
+              </a:spcBef>
+              <a:buNone/>
+              <a:defRPr/>
+            </a:pPr>
+            <a:r>
+              <a:rPr kumimoji="0" lang="en-US" altLang="zh-CN" sz="2400" b="0" i="0" u="none" strike="noStrike" kern="1200" cap="none" spc="0" normalizeH="0" baseline="0" noProof="0" dirty="0">
+                <a:ln>
+                  <a:noFill/>
+                </a:ln>
+                <a:solidFill>
+                  <a:prstClr val="black"/>
+                </a:solidFill>
+                <a:effectLst/>
+                <a:uLnTx/>
+                <a:uFillTx/>
+                <a:latin typeface="Times New Roman" panose="02020603050405020304" pitchFamily="18" charset="0"/>
+                <a:ea typeface="微软雅黑" panose="020B0503020204020204" pitchFamily="34" charset="-122"/>
+                <a:cs typeface="Times New Roman" panose="02020603050405020304" pitchFamily="18" charset="0"/>
+              </a:rPr>
+              <a:t>FRAMEWORK</a:t>
+            </a:r>
+            <a:endParaRPr kumimoji="0" lang="zh-CN" altLang="en-US" sz="2400" b="0" i="0" u="none" strike="noStrike" kern="1200" cap="none" spc="0" normalizeH="0" baseline="0" noProof="0" dirty="0">
+              <a:ln>
+                <a:noFill/>
+              </a:ln>
+              <a:solidFill>
+                <a:prstClr val="black"/>
+              </a:solidFill>
+              <a:effectLst/>
+              <a:uLnTx/>
+              <a:uFillTx/>
+              <a:latin typeface="Times New Roman" panose="02020603050405020304" pitchFamily="18" charset="0"/>
+              <a:ea typeface="微软雅黑" panose="020B0503020204020204" pitchFamily="34" charset="-122"/>
+              <a:cs typeface="Times New Roman" panose="02020603050405020304" pitchFamily="18" charset="0"/>
+            </a:endParaRPr>
+          </a:p>
+        </p:txBody>
+      </p:sp>
+      <p:pic>
+        <p:nvPicPr>
+          <p:cNvPr id="7" name="Picture 2" descr="西南大学高清透明背景校徽（全透明）">
+            <a:extLst>
+              <a:ext uri="{FF2B5EF4-FFF2-40B4-BE49-F238E27FC236}">
+                <a16:creationId xmlns:a16="http://schemas.microsoft.com/office/drawing/2014/main" id="{1C61E592-D550-B151-AA15-31B1063A0650}"/>
+              </a:ext>
+            </a:extLst>
+          </p:cNvPr>
+          <p:cNvPicPr>
+            <a:picLocks noChangeAspect="1" noChangeArrowheads="1"/>
+          </p:cNvPicPr>
+          <p:nvPr/>
+        </p:nvPicPr>
+        <p:blipFill>
+          <a:blip r:embed="rId3" cstate="print">
+            <a:extLst>
+              <a:ext uri="{28A0092B-C50C-407E-A947-70E740481C1C}">
+                <a14:useLocalDpi xmlns:a14="http://schemas.microsoft.com/office/drawing/2010/main" val="0"/>
+              </a:ext>
+            </a:extLst>
+          </a:blip>
+          <a:srcRect/>
+          <a:stretch>
+            <a:fillRect/>
+          </a:stretch>
+        </p:blipFill>
+        <p:spPr bwMode="auto">
+          <a:xfrm>
+            <a:off x="10040938" y="81755"/>
+            <a:ext cx="2103831" cy="2103831"/>
+          </a:xfrm>
+          <a:prstGeom prst="rect">
+            <a:avLst/>
+          </a:prstGeom>
+          <a:noFill/>
+          <a:extLst>
+            <a:ext uri="{909E8E84-426E-40DD-AFC4-6F175D3DCCD1}">
+              <a14:hiddenFill xmlns:a14="http://schemas.microsoft.com/office/drawing/2010/main">
+                <a:solidFill>
+                  <a:srgbClr val="FFFFFF"/>
+                </a:solidFill>
+              </a14:hiddenFill>
+            </a:ext>
+          </a:extLst>
+        </p:spPr>
+      </p:pic>
+      <p:sp>
+        <p:nvSpPr>
+          <p:cNvPr id="3" name="文本框 2">
+            <a:extLst>
+              <a:ext uri="{FF2B5EF4-FFF2-40B4-BE49-F238E27FC236}">
+                <a16:creationId xmlns:a16="http://schemas.microsoft.com/office/drawing/2014/main" id="{DC756D5F-B00A-5BA9-22B6-AA526028028B}"/>
+              </a:ext>
+            </a:extLst>
+          </p:cNvPr>
+          <p:cNvSpPr txBox="1"/>
+          <p:nvPr/>
+        </p:nvSpPr>
+        <p:spPr>
+          <a:xfrm>
+            <a:off x="2797070" y="1031731"/>
+            <a:ext cx="9347699" cy="830997"/>
+          </a:xfrm>
+          <a:prstGeom prst="rect">
+            <a:avLst/>
+          </a:prstGeom>
+          <a:noFill/>
+        </p:spPr>
+        <p:txBody>
+          <a:bodyPr wrap="square">
+            <a:spAutoFit/>
+          </a:bodyPr>
+          <a:lstStyle/>
+          <a:p>
+            <a:r>
+              <a:rPr lang="zh-CN" altLang="en-US" sz="2400" dirty="0">
+                <a:solidFill>
+                  <a:srgbClr val="1F2328"/>
+                </a:solidFill>
+                <a:latin typeface="-apple-system"/>
+                <a:ea typeface="微软雅黑" panose="020B0503020204020204" pitchFamily="34" charset="-122"/>
+                <a:cs typeface="Times New Roman" panose="02020603050405020304" pitchFamily="18" charset="0"/>
+              </a:rPr>
+              <a:t>从</a:t>
+            </a:r>
+            <a:r>
+              <a:rPr lang="en-US" altLang="zh-CN" sz="2400" dirty="0">
+                <a:solidFill>
+                  <a:srgbClr val="1F2328"/>
+                </a:solidFill>
+                <a:latin typeface="-apple-system"/>
+                <a:ea typeface="微软雅黑" panose="020B0503020204020204" pitchFamily="34" charset="-122"/>
+                <a:cs typeface="Times New Roman" panose="02020603050405020304" pitchFamily="18" charset="0"/>
+              </a:rPr>
+              <a:t>MQTT</a:t>
+            </a:r>
+            <a:r>
+              <a:rPr lang="zh-CN" altLang="en-US" sz="2400" dirty="0">
+                <a:solidFill>
+                  <a:srgbClr val="1F2328"/>
+                </a:solidFill>
+                <a:latin typeface="-apple-system"/>
+                <a:ea typeface="微软雅黑" panose="020B0503020204020204" pitchFamily="34" charset="-122"/>
+                <a:cs typeface="Times New Roman" panose="02020603050405020304" pitchFamily="18" charset="0"/>
+              </a:rPr>
+              <a:t>订阅到未解密数据</a:t>
+            </a:r>
+            <a:endParaRPr lang="en-US" altLang="zh-CN" sz="2400" dirty="0">
+              <a:solidFill>
+                <a:srgbClr val="1F2328"/>
+              </a:solidFill>
+              <a:latin typeface="-apple-system"/>
+              <a:ea typeface="微软雅黑" panose="020B0503020204020204" pitchFamily="34" charset="-122"/>
+              <a:cs typeface="Times New Roman" panose="02020603050405020304" pitchFamily="18" charset="0"/>
+            </a:endParaRPr>
+          </a:p>
+          <a:p>
+            <a:endParaRPr lang="en-US" altLang="zh-CN" sz="2400" dirty="0">
+              <a:solidFill>
+                <a:srgbClr val="1F2328"/>
+              </a:solidFill>
+              <a:latin typeface="-apple-system"/>
+              <a:ea typeface="微软雅黑" panose="020B0503020204020204" pitchFamily="34" charset="-122"/>
+              <a:cs typeface="Times New Roman" panose="02020603050405020304" pitchFamily="18" charset="0"/>
+            </a:endParaRPr>
+          </a:p>
+        </p:txBody>
+      </p:sp>
+      <p:sp>
+        <p:nvSpPr>
+          <p:cNvPr id="4" name="文本框 3">
+            <a:extLst>
+              <a:ext uri="{FF2B5EF4-FFF2-40B4-BE49-F238E27FC236}">
+                <a16:creationId xmlns:a16="http://schemas.microsoft.com/office/drawing/2014/main" id="{83F15433-D3C0-3E40-4D01-2709B1B9E4E1}"/>
+              </a:ext>
+            </a:extLst>
+          </p:cNvPr>
+          <p:cNvSpPr txBox="1"/>
+          <p:nvPr/>
+        </p:nvSpPr>
+        <p:spPr>
+          <a:xfrm>
+            <a:off x="2797070" y="2336038"/>
+            <a:ext cx="6096000" cy="461665"/>
+          </a:xfrm>
+          <a:prstGeom prst="rect">
+            <a:avLst/>
+          </a:prstGeom>
+          <a:noFill/>
+        </p:spPr>
+        <p:txBody>
+          <a:bodyPr wrap="square">
+            <a:spAutoFit/>
+          </a:bodyPr>
+          <a:lstStyle/>
+          <a:p>
+            <a:endParaRPr lang="en-US" altLang="zh-CN" sz="2400" dirty="0">
+              <a:solidFill>
+                <a:srgbClr val="1F2328"/>
+              </a:solidFill>
+              <a:latin typeface="-apple-system"/>
+              <a:ea typeface="微软雅黑" panose="020B0503020204020204" pitchFamily="34" charset="-122"/>
+              <a:cs typeface="Times New Roman" panose="02020603050405020304" pitchFamily="18" charset="0"/>
+            </a:endParaRPr>
+          </a:p>
+        </p:txBody>
+      </p:sp>
+      <p:sp>
+        <p:nvSpPr>
+          <p:cNvPr id="5" name="文本框 4">
+            <a:extLst>
+              <a:ext uri="{FF2B5EF4-FFF2-40B4-BE49-F238E27FC236}">
+                <a16:creationId xmlns:a16="http://schemas.microsoft.com/office/drawing/2014/main" id="{F3FC3B14-51B1-BBED-F0DE-52367C824CFD}"/>
+              </a:ext>
+            </a:extLst>
+          </p:cNvPr>
+          <p:cNvSpPr txBox="1"/>
+          <p:nvPr/>
+        </p:nvSpPr>
+        <p:spPr>
+          <a:xfrm>
+            <a:off x="1235113" y="3354686"/>
+            <a:ext cx="2768851" cy="1569660"/>
+          </a:xfrm>
+          <a:prstGeom prst="rect">
+            <a:avLst/>
+          </a:prstGeom>
+          <a:noFill/>
+        </p:spPr>
+        <p:txBody>
+          <a:bodyPr wrap="square">
+            <a:spAutoFit/>
+          </a:bodyPr>
+          <a:lstStyle/>
+          <a:p>
+            <a:r>
+              <a:rPr lang="zh-CN" altLang="en-US" sz="2400" dirty="0">
+                <a:solidFill>
+                  <a:srgbClr val="1F2328"/>
+                </a:solidFill>
+                <a:latin typeface="-apple-system"/>
+                <a:ea typeface="微软雅黑" panose="020B0503020204020204" pitchFamily="34" charset="-122"/>
+                <a:cs typeface="Times New Roman" panose="02020603050405020304" pitchFamily="18" charset="0"/>
+              </a:rPr>
+              <a:t>异常检测逻辑</a:t>
+            </a:r>
+            <a:r>
+              <a:rPr lang="en-US" altLang="zh-CN" sz="2400" dirty="0">
+                <a:solidFill>
+                  <a:srgbClr val="1F2328"/>
+                </a:solidFill>
+                <a:latin typeface="-apple-system"/>
+                <a:ea typeface="微软雅黑" panose="020B0503020204020204" pitchFamily="34" charset="-122"/>
+                <a:cs typeface="Times New Roman" panose="02020603050405020304" pitchFamily="18" charset="0"/>
+              </a:rPr>
+              <a:t>1</a:t>
+            </a:r>
+          </a:p>
+          <a:p>
+            <a:r>
+              <a:rPr lang="zh-CN" altLang="en-US" sz="2400" dirty="0">
+                <a:solidFill>
+                  <a:srgbClr val="1F2328"/>
+                </a:solidFill>
+                <a:latin typeface="-apple-system"/>
+                <a:ea typeface="微软雅黑" panose="020B0503020204020204" pitchFamily="34" charset="-122"/>
+                <a:cs typeface="Times New Roman" panose="02020603050405020304" pitchFamily="18" charset="0"/>
+              </a:rPr>
+              <a:t>异常检测逻辑</a:t>
+            </a:r>
+            <a:r>
+              <a:rPr lang="en-US" altLang="zh-CN" sz="2400" dirty="0">
+                <a:solidFill>
+                  <a:srgbClr val="1F2328"/>
+                </a:solidFill>
+                <a:latin typeface="-apple-system"/>
+                <a:ea typeface="微软雅黑" panose="020B0503020204020204" pitchFamily="34" charset="-122"/>
+                <a:cs typeface="Times New Roman" panose="02020603050405020304" pitchFamily="18" charset="0"/>
+              </a:rPr>
+              <a:t>2</a:t>
+            </a:r>
+          </a:p>
+          <a:p>
+            <a:r>
+              <a:rPr lang="en-US" altLang="zh-CN" sz="2400" dirty="0">
+                <a:solidFill>
+                  <a:srgbClr val="1F2328"/>
+                </a:solidFill>
+                <a:latin typeface="-apple-system"/>
+                <a:ea typeface="微软雅黑" panose="020B0503020204020204" pitchFamily="34" charset="-122"/>
+                <a:cs typeface="Times New Roman" panose="02020603050405020304" pitchFamily="18" charset="0"/>
+              </a:rPr>
+              <a:t>……</a:t>
+            </a:r>
+          </a:p>
+          <a:p>
+            <a:r>
+              <a:rPr lang="zh-CN" altLang="en-US" sz="2400" dirty="0">
+                <a:solidFill>
+                  <a:srgbClr val="1F2328"/>
+                </a:solidFill>
+                <a:latin typeface="-apple-system"/>
+                <a:ea typeface="微软雅黑" panose="020B0503020204020204" pitchFamily="34" charset="-122"/>
+                <a:cs typeface="Times New Roman" panose="02020603050405020304" pitchFamily="18" charset="0"/>
+              </a:rPr>
+              <a:t>异常检测逻辑</a:t>
+            </a:r>
+            <a:r>
+              <a:rPr lang="en-US" altLang="zh-CN" sz="2400" dirty="0">
+                <a:solidFill>
+                  <a:srgbClr val="1F2328"/>
+                </a:solidFill>
+                <a:latin typeface="-apple-system"/>
+                <a:ea typeface="微软雅黑" panose="020B0503020204020204" pitchFamily="34" charset="-122"/>
+                <a:cs typeface="Times New Roman" panose="02020603050405020304" pitchFamily="18" charset="0"/>
+              </a:rPr>
+              <a:t>n</a:t>
+            </a:r>
+          </a:p>
+        </p:txBody>
+      </p:sp>
+      <p:sp>
+        <p:nvSpPr>
+          <p:cNvPr id="6" name="文本框 5">
+            <a:extLst>
+              <a:ext uri="{FF2B5EF4-FFF2-40B4-BE49-F238E27FC236}">
+                <a16:creationId xmlns:a16="http://schemas.microsoft.com/office/drawing/2014/main" id="{9318A32F-5889-2F1C-E536-404B04B2F645}"/>
+              </a:ext>
+            </a:extLst>
+          </p:cNvPr>
+          <p:cNvSpPr txBox="1"/>
+          <p:nvPr/>
+        </p:nvSpPr>
+        <p:spPr>
+          <a:xfrm>
+            <a:off x="3515112" y="2215088"/>
+            <a:ext cx="9347699" cy="461665"/>
+          </a:xfrm>
+          <a:prstGeom prst="rect">
+            <a:avLst/>
+          </a:prstGeom>
+          <a:noFill/>
+        </p:spPr>
+        <p:txBody>
+          <a:bodyPr wrap="square">
+            <a:spAutoFit/>
+          </a:bodyPr>
+          <a:lstStyle/>
+          <a:p>
+            <a:r>
+              <a:rPr lang="zh-CN" altLang="en-US" sz="2400" dirty="0">
+                <a:solidFill>
+                  <a:srgbClr val="1F2328"/>
+                </a:solidFill>
+                <a:latin typeface="-apple-system"/>
+                <a:ea typeface="微软雅黑" panose="020B0503020204020204" pitchFamily="34" charset="-122"/>
+                <a:cs typeface="Times New Roman" panose="02020603050405020304" pitchFamily="18" charset="0"/>
+              </a:rPr>
+              <a:t>作为事件发布</a:t>
+            </a:r>
+            <a:endParaRPr lang="en-US" altLang="zh-CN" sz="2400" dirty="0">
+              <a:solidFill>
+                <a:srgbClr val="1F2328"/>
+              </a:solidFill>
+              <a:latin typeface="-apple-system"/>
+              <a:ea typeface="微软雅黑" panose="020B0503020204020204" pitchFamily="34" charset="-122"/>
+              <a:cs typeface="Times New Roman" panose="02020603050405020304" pitchFamily="18" charset="0"/>
+            </a:endParaRPr>
+          </a:p>
+        </p:txBody>
+      </p:sp>
+      <p:sp>
+        <p:nvSpPr>
+          <p:cNvPr id="8" name="文本框 7">
+            <a:extLst>
+              <a:ext uri="{FF2B5EF4-FFF2-40B4-BE49-F238E27FC236}">
+                <a16:creationId xmlns:a16="http://schemas.microsoft.com/office/drawing/2014/main" id="{9F6588C8-E07C-50BB-279F-33749AF34373}"/>
+              </a:ext>
+            </a:extLst>
+          </p:cNvPr>
+          <p:cNvSpPr txBox="1"/>
+          <p:nvPr/>
+        </p:nvSpPr>
+        <p:spPr>
+          <a:xfrm>
+            <a:off x="5613971" y="3354686"/>
+            <a:ext cx="3162883" cy="1569660"/>
+          </a:xfrm>
+          <a:prstGeom prst="rect">
+            <a:avLst/>
+          </a:prstGeom>
+          <a:noFill/>
+        </p:spPr>
+        <p:txBody>
+          <a:bodyPr wrap="square">
+            <a:spAutoFit/>
+          </a:bodyPr>
+          <a:lstStyle/>
+          <a:p>
+            <a:r>
+              <a:rPr lang="zh-CN" altLang="en-US" sz="2400" dirty="0">
+                <a:solidFill>
+                  <a:srgbClr val="1F2328"/>
+                </a:solidFill>
+                <a:latin typeface="-apple-system"/>
+                <a:ea typeface="微软雅黑" panose="020B0503020204020204" pitchFamily="34" charset="-122"/>
+                <a:cs typeface="Times New Roman" panose="02020603050405020304" pitchFamily="18" charset="0"/>
+              </a:rPr>
+              <a:t>活跃度检测逻辑</a:t>
+            </a:r>
+            <a:r>
+              <a:rPr lang="en-US" altLang="zh-CN" sz="2400" dirty="0">
+                <a:solidFill>
+                  <a:srgbClr val="1F2328"/>
+                </a:solidFill>
+                <a:latin typeface="-apple-system"/>
+                <a:ea typeface="微软雅黑" panose="020B0503020204020204" pitchFamily="34" charset="-122"/>
+                <a:cs typeface="Times New Roman" panose="02020603050405020304" pitchFamily="18" charset="0"/>
+              </a:rPr>
+              <a:t>1</a:t>
+            </a:r>
+          </a:p>
+          <a:p>
+            <a:r>
+              <a:rPr lang="zh-CN" altLang="en-US" sz="2400" dirty="0">
+                <a:solidFill>
+                  <a:srgbClr val="1F2328"/>
+                </a:solidFill>
+                <a:latin typeface="-apple-system"/>
+                <a:ea typeface="微软雅黑" panose="020B0503020204020204" pitchFamily="34" charset="-122"/>
+                <a:cs typeface="Times New Roman" panose="02020603050405020304" pitchFamily="18" charset="0"/>
+              </a:rPr>
+              <a:t>活跃度检测逻辑</a:t>
+            </a:r>
+            <a:r>
+              <a:rPr lang="en-US" altLang="zh-CN" sz="2400" dirty="0">
+                <a:solidFill>
+                  <a:srgbClr val="1F2328"/>
+                </a:solidFill>
+                <a:latin typeface="-apple-system"/>
+                <a:ea typeface="微软雅黑" panose="020B0503020204020204" pitchFamily="34" charset="-122"/>
+                <a:cs typeface="Times New Roman" panose="02020603050405020304" pitchFamily="18" charset="0"/>
+              </a:rPr>
+              <a:t>2</a:t>
+            </a:r>
+          </a:p>
+          <a:p>
+            <a:r>
+              <a:rPr lang="en-US" altLang="zh-CN" sz="2400" dirty="0">
+                <a:solidFill>
+                  <a:srgbClr val="1F2328"/>
+                </a:solidFill>
+                <a:latin typeface="-apple-system"/>
+                <a:ea typeface="微软雅黑" panose="020B0503020204020204" pitchFamily="34" charset="-122"/>
+                <a:cs typeface="Times New Roman" panose="02020603050405020304" pitchFamily="18" charset="0"/>
+              </a:rPr>
+              <a:t>……</a:t>
+            </a:r>
+          </a:p>
+          <a:p>
+            <a:r>
+              <a:rPr lang="zh-CN" altLang="en-US" sz="2400" dirty="0">
+                <a:solidFill>
+                  <a:srgbClr val="1F2328"/>
+                </a:solidFill>
+                <a:latin typeface="-apple-system"/>
+                <a:ea typeface="微软雅黑" panose="020B0503020204020204" pitchFamily="34" charset="-122"/>
+                <a:cs typeface="Times New Roman" panose="02020603050405020304" pitchFamily="18" charset="0"/>
+              </a:rPr>
+              <a:t>活跃度检测逻辑</a:t>
+            </a:r>
+            <a:r>
+              <a:rPr lang="en-US" altLang="zh-CN" sz="2400" dirty="0">
+                <a:solidFill>
+                  <a:srgbClr val="1F2328"/>
+                </a:solidFill>
+                <a:latin typeface="-apple-system"/>
+                <a:ea typeface="微软雅黑" panose="020B0503020204020204" pitchFamily="34" charset="-122"/>
+                <a:cs typeface="Times New Roman" panose="02020603050405020304" pitchFamily="18" charset="0"/>
+              </a:rPr>
+              <a:t>n</a:t>
+            </a:r>
+          </a:p>
+        </p:txBody>
+      </p:sp>
+      <p:cxnSp>
+        <p:nvCxnSpPr>
+          <p:cNvPr id="10" name="直接箭头连接符 9">
+            <a:extLst>
+              <a:ext uri="{FF2B5EF4-FFF2-40B4-BE49-F238E27FC236}">
+                <a16:creationId xmlns:a16="http://schemas.microsoft.com/office/drawing/2014/main" id="{821BD5D1-4ED7-CFA1-BA31-421225CA0F23}"/>
+              </a:ext>
+            </a:extLst>
+          </p:cNvPr>
+          <p:cNvCxnSpPr>
+            <a:cxnSpLocks/>
+          </p:cNvCxnSpPr>
+          <p:nvPr/>
+        </p:nvCxnSpPr>
+        <p:spPr>
+          <a:xfrm>
+            <a:off x="4475018" y="1551770"/>
+            <a:ext cx="0" cy="593337"/>
+          </a:xfrm>
+          <a:prstGeom prst="straightConnector1">
+            <a:avLst/>
+          </a:prstGeom>
+          <a:ln w="38100">
+            <a:solidFill>
+              <a:schemeClr val="tx2">
+                <a:lumMod val="75000"/>
+              </a:schemeClr>
+            </a:solidFill>
+            <a:tailEnd type="triangle"/>
+          </a:ln>
+        </p:spPr>
+        <p:style>
+          <a:lnRef idx="1">
+            <a:schemeClr val="accent1"/>
+          </a:lnRef>
+          <a:fillRef idx="0">
+            <a:schemeClr val="accent1"/>
+          </a:fillRef>
+          <a:effectRef idx="0">
+            <a:schemeClr val="accent1"/>
+          </a:effectRef>
+          <a:fontRef idx="minor">
+            <a:schemeClr val="tx1"/>
+          </a:fontRef>
+        </p:style>
+      </p:cxnSp>
+      <p:cxnSp>
+        <p:nvCxnSpPr>
+          <p:cNvPr id="11" name="直接箭头连接符 10">
+            <a:extLst>
+              <a:ext uri="{FF2B5EF4-FFF2-40B4-BE49-F238E27FC236}">
+                <a16:creationId xmlns:a16="http://schemas.microsoft.com/office/drawing/2014/main" id="{4EDFE28F-96F9-B5C7-A174-09613680FAB3}"/>
+              </a:ext>
+            </a:extLst>
+          </p:cNvPr>
+          <p:cNvCxnSpPr>
+            <a:cxnSpLocks/>
+          </p:cNvCxnSpPr>
+          <p:nvPr/>
+        </p:nvCxnSpPr>
+        <p:spPr>
+          <a:xfrm flipH="1">
+            <a:off x="2783216" y="2644634"/>
+            <a:ext cx="812039" cy="638977"/>
+          </a:xfrm>
+          <a:prstGeom prst="straightConnector1">
+            <a:avLst/>
+          </a:prstGeom>
+          <a:ln w="38100">
+            <a:solidFill>
+              <a:schemeClr val="tx2">
+                <a:lumMod val="75000"/>
+              </a:schemeClr>
+            </a:solidFill>
+            <a:tailEnd type="triangle"/>
+          </a:ln>
+        </p:spPr>
+        <p:style>
+          <a:lnRef idx="1">
+            <a:schemeClr val="accent1"/>
+          </a:lnRef>
+          <a:fillRef idx="0">
+            <a:schemeClr val="accent1"/>
+          </a:fillRef>
+          <a:effectRef idx="0">
+            <a:schemeClr val="accent1"/>
+          </a:effectRef>
+          <a:fontRef idx="minor">
+            <a:schemeClr val="tx1"/>
+          </a:fontRef>
+        </p:style>
+      </p:cxnSp>
+      <p:cxnSp>
+        <p:nvCxnSpPr>
+          <p:cNvPr id="13" name="直接箭头连接符 12">
+            <a:extLst>
+              <a:ext uri="{FF2B5EF4-FFF2-40B4-BE49-F238E27FC236}">
+                <a16:creationId xmlns:a16="http://schemas.microsoft.com/office/drawing/2014/main" id="{27CF06FD-5EC1-6CE0-4228-93793C299CA8}"/>
+              </a:ext>
+            </a:extLst>
+          </p:cNvPr>
+          <p:cNvCxnSpPr>
+            <a:cxnSpLocks/>
+          </p:cNvCxnSpPr>
+          <p:nvPr/>
+        </p:nvCxnSpPr>
+        <p:spPr>
+          <a:xfrm>
+            <a:off x="5437909" y="2676753"/>
+            <a:ext cx="942109" cy="625709"/>
+          </a:xfrm>
+          <a:prstGeom prst="straightConnector1">
+            <a:avLst/>
+          </a:prstGeom>
+          <a:ln w="38100">
+            <a:solidFill>
+              <a:schemeClr val="tx2">
+                <a:lumMod val="75000"/>
+              </a:schemeClr>
+            </a:solidFill>
+            <a:tailEnd type="triangle"/>
+          </a:ln>
+        </p:spPr>
+        <p:style>
+          <a:lnRef idx="1">
+            <a:schemeClr val="accent1"/>
+          </a:lnRef>
+          <a:fillRef idx="0">
+            <a:schemeClr val="accent1"/>
+          </a:fillRef>
+          <a:effectRef idx="0">
+            <a:schemeClr val="accent1"/>
+          </a:effectRef>
+          <a:fontRef idx="minor">
+            <a:schemeClr val="tx1"/>
+          </a:fontRef>
+        </p:style>
+      </p:cxnSp>
+      <p:cxnSp>
+        <p:nvCxnSpPr>
+          <p:cNvPr id="17" name="直接箭头连接符 16">
+            <a:extLst>
+              <a:ext uri="{FF2B5EF4-FFF2-40B4-BE49-F238E27FC236}">
+                <a16:creationId xmlns:a16="http://schemas.microsoft.com/office/drawing/2014/main" id="{D3A03600-03BB-B444-5184-3953F54B8AB9}"/>
+              </a:ext>
+            </a:extLst>
+          </p:cNvPr>
+          <p:cNvCxnSpPr>
+            <a:cxnSpLocks/>
+          </p:cNvCxnSpPr>
+          <p:nvPr/>
+        </p:nvCxnSpPr>
+        <p:spPr>
+          <a:xfrm>
+            <a:off x="8362657" y="3968625"/>
+            <a:ext cx="828393" cy="0"/>
+          </a:xfrm>
+          <a:prstGeom prst="straightConnector1">
+            <a:avLst/>
+          </a:prstGeom>
+          <a:ln w="38100">
+            <a:solidFill>
+              <a:schemeClr val="tx2">
+                <a:lumMod val="75000"/>
+              </a:schemeClr>
+            </a:solidFill>
+            <a:tailEnd type="triangle"/>
+          </a:ln>
+        </p:spPr>
+        <p:style>
+          <a:lnRef idx="1">
+            <a:schemeClr val="accent1"/>
+          </a:lnRef>
+          <a:fillRef idx="0">
+            <a:schemeClr val="accent1"/>
+          </a:fillRef>
+          <a:effectRef idx="0">
+            <a:schemeClr val="accent1"/>
+          </a:effectRef>
+          <a:fontRef idx="minor">
+            <a:schemeClr val="tx1"/>
+          </a:fontRef>
+        </p:style>
+      </p:cxnSp>
+      <p:sp>
+        <p:nvSpPr>
+          <p:cNvPr id="20" name="文本框 19">
+            <a:extLst>
+              <a:ext uri="{FF2B5EF4-FFF2-40B4-BE49-F238E27FC236}">
+                <a16:creationId xmlns:a16="http://schemas.microsoft.com/office/drawing/2014/main" id="{26DC9B92-F6C7-33C1-8523-2AAA8B10636B}"/>
+              </a:ext>
+            </a:extLst>
+          </p:cNvPr>
+          <p:cNvSpPr txBox="1"/>
+          <p:nvPr/>
+        </p:nvSpPr>
+        <p:spPr>
+          <a:xfrm>
+            <a:off x="9370940" y="3603161"/>
+            <a:ext cx="6431972" cy="830997"/>
+          </a:xfrm>
+          <a:prstGeom prst="rect">
+            <a:avLst/>
+          </a:prstGeom>
+          <a:noFill/>
+        </p:spPr>
+        <p:txBody>
+          <a:bodyPr wrap="square">
+            <a:spAutoFit/>
+          </a:bodyPr>
+          <a:lstStyle/>
+          <a:p>
+            <a:r>
+              <a:rPr lang="zh-CN" altLang="en-US" sz="2400" dirty="0">
+                <a:solidFill>
+                  <a:srgbClr val="1F2328"/>
+                </a:solidFill>
+                <a:latin typeface="-apple-system"/>
+                <a:ea typeface="微软雅黑" panose="020B0503020204020204" pitchFamily="34" charset="-122"/>
+                <a:cs typeface="Times New Roman" panose="02020603050405020304" pitchFamily="18" charset="0"/>
+              </a:rPr>
+              <a:t>存入数据库 </a:t>
+            </a:r>
+            <a:endParaRPr lang="en-US" altLang="zh-CN" sz="2400" dirty="0">
+              <a:solidFill>
+                <a:srgbClr val="1F2328"/>
+              </a:solidFill>
+              <a:latin typeface="-apple-system"/>
+              <a:ea typeface="微软雅黑" panose="020B0503020204020204" pitchFamily="34" charset="-122"/>
+              <a:cs typeface="Times New Roman" panose="02020603050405020304" pitchFamily="18" charset="0"/>
+            </a:endParaRPr>
+          </a:p>
+          <a:p>
+            <a:r>
+              <a:rPr lang="zh-CN" altLang="en-US" sz="2400" dirty="0">
+                <a:solidFill>
+                  <a:srgbClr val="1F2328"/>
+                </a:solidFill>
+                <a:latin typeface="-apple-system"/>
+                <a:ea typeface="微软雅黑" panose="020B0503020204020204" pitchFamily="34" charset="-122"/>
+                <a:cs typeface="Times New Roman" panose="02020603050405020304" pitchFamily="18" charset="0"/>
+              </a:rPr>
+              <a:t>生成报表</a:t>
+            </a:r>
+            <a:endParaRPr lang="en-US" altLang="zh-CN" sz="2400" dirty="0">
+              <a:solidFill>
+                <a:srgbClr val="1F2328"/>
+              </a:solidFill>
+              <a:latin typeface="-apple-system"/>
+              <a:ea typeface="微软雅黑" panose="020B0503020204020204" pitchFamily="34" charset="-122"/>
+              <a:cs typeface="Times New Roman" panose="02020603050405020304" pitchFamily="18" charset="0"/>
+            </a:endParaRPr>
+          </a:p>
+        </p:txBody>
+      </p:sp>
+      <p:sp>
+        <p:nvSpPr>
+          <p:cNvPr id="21" name="文本框 20">
+            <a:extLst>
+              <a:ext uri="{FF2B5EF4-FFF2-40B4-BE49-F238E27FC236}">
+                <a16:creationId xmlns:a16="http://schemas.microsoft.com/office/drawing/2014/main" id="{1440F9A9-A921-1954-4DE4-0AF912565A69}"/>
+              </a:ext>
+            </a:extLst>
+          </p:cNvPr>
+          <p:cNvSpPr txBox="1"/>
+          <p:nvPr/>
+        </p:nvSpPr>
+        <p:spPr>
+          <a:xfrm>
+            <a:off x="4660881" y="1576758"/>
+            <a:ext cx="6431972" cy="461665"/>
+          </a:xfrm>
+          <a:prstGeom prst="rect">
+            <a:avLst/>
+          </a:prstGeom>
+          <a:noFill/>
+        </p:spPr>
+        <p:txBody>
+          <a:bodyPr wrap="square">
+            <a:spAutoFit/>
+          </a:bodyPr>
+          <a:lstStyle/>
+          <a:p>
+            <a:r>
+              <a:rPr lang="zh-CN" altLang="en-US" sz="2400" dirty="0">
+                <a:solidFill>
+                  <a:srgbClr val="1F2328"/>
+                </a:solidFill>
+                <a:latin typeface="-apple-system"/>
+                <a:ea typeface="微软雅黑" panose="020B0503020204020204" pitchFamily="34" charset="-122"/>
+                <a:cs typeface="Times New Roman" panose="02020603050405020304" pitchFamily="18" charset="0"/>
+              </a:rPr>
+              <a:t>解密</a:t>
+            </a:r>
+            <a:endParaRPr lang="en-US" altLang="zh-CN" sz="2400" dirty="0">
+              <a:solidFill>
+                <a:srgbClr val="1F2328"/>
+              </a:solidFill>
+              <a:latin typeface="-apple-system"/>
+              <a:ea typeface="微软雅黑" panose="020B0503020204020204" pitchFamily="34" charset="-122"/>
+              <a:cs typeface="Times New Roman" panose="02020603050405020304" pitchFamily="18" charset="0"/>
+            </a:endParaRPr>
+          </a:p>
+        </p:txBody>
+      </p:sp>
+      <p:sp>
+        <p:nvSpPr>
+          <p:cNvPr id="22" name="文本框 21">
+            <a:extLst>
+              <a:ext uri="{FF2B5EF4-FFF2-40B4-BE49-F238E27FC236}">
+                <a16:creationId xmlns:a16="http://schemas.microsoft.com/office/drawing/2014/main" id="{85002B93-4B3B-9EEA-5BE6-F63AECA1BB17}"/>
+              </a:ext>
+            </a:extLst>
+          </p:cNvPr>
+          <p:cNvSpPr txBox="1"/>
+          <p:nvPr/>
+        </p:nvSpPr>
+        <p:spPr>
+          <a:xfrm>
+            <a:off x="2437809" y="2560210"/>
+            <a:ext cx="1219791" cy="461665"/>
+          </a:xfrm>
+          <a:prstGeom prst="rect">
+            <a:avLst/>
+          </a:prstGeom>
+          <a:noFill/>
+        </p:spPr>
+        <p:txBody>
+          <a:bodyPr wrap="square">
+            <a:spAutoFit/>
+          </a:bodyPr>
+          <a:lstStyle/>
+          <a:p>
+            <a:r>
+              <a:rPr lang="zh-CN" altLang="en-US" sz="2400" dirty="0">
+                <a:solidFill>
+                  <a:srgbClr val="1F2328"/>
+                </a:solidFill>
+                <a:latin typeface="-apple-system"/>
+                <a:ea typeface="微软雅黑" panose="020B0503020204020204" pitchFamily="34" charset="-122"/>
+                <a:cs typeface="Times New Roman" panose="02020603050405020304" pitchFamily="18" charset="0"/>
+              </a:rPr>
+              <a:t>监听</a:t>
+            </a:r>
+            <a:endParaRPr lang="en-US" altLang="zh-CN" sz="2400" dirty="0">
+              <a:solidFill>
+                <a:srgbClr val="1F2328"/>
+              </a:solidFill>
+              <a:latin typeface="-apple-system"/>
+              <a:ea typeface="微软雅黑" panose="020B0503020204020204" pitchFamily="34" charset="-122"/>
+              <a:cs typeface="Times New Roman" panose="02020603050405020304" pitchFamily="18" charset="0"/>
+            </a:endParaRPr>
+          </a:p>
+        </p:txBody>
+      </p:sp>
+      <p:cxnSp>
+        <p:nvCxnSpPr>
+          <p:cNvPr id="23" name="直接箭头连接符 22">
+            <a:extLst>
+              <a:ext uri="{FF2B5EF4-FFF2-40B4-BE49-F238E27FC236}">
+                <a16:creationId xmlns:a16="http://schemas.microsoft.com/office/drawing/2014/main" id="{54C6DFAC-5238-F74F-D125-09F5E0F8A037}"/>
+              </a:ext>
+            </a:extLst>
+          </p:cNvPr>
+          <p:cNvCxnSpPr>
+            <a:cxnSpLocks/>
+          </p:cNvCxnSpPr>
+          <p:nvPr/>
+        </p:nvCxnSpPr>
+        <p:spPr>
+          <a:xfrm>
+            <a:off x="2167717" y="4924346"/>
+            <a:ext cx="0" cy="801667"/>
+          </a:xfrm>
+          <a:prstGeom prst="straightConnector1">
+            <a:avLst/>
+          </a:prstGeom>
+          <a:ln w="38100">
+            <a:solidFill>
+              <a:schemeClr val="tx2">
+                <a:lumMod val="75000"/>
+              </a:schemeClr>
+            </a:solidFill>
+            <a:tailEnd type="triangle"/>
+          </a:ln>
+        </p:spPr>
+        <p:style>
+          <a:lnRef idx="1">
+            <a:schemeClr val="accent1"/>
+          </a:lnRef>
+          <a:fillRef idx="0">
+            <a:schemeClr val="accent1"/>
+          </a:fillRef>
+          <a:effectRef idx="0">
+            <a:schemeClr val="accent1"/>
+          </a:effectRef>
+          <a:fontRef idx="minor">
+            <a:schemeClr val="tx1"/>
+          </a:fontRef>
+        </p:style>
+      </p:cxnSp>
+      <p:cxnSp>
+        <p:nvCxnSpPr>
+          <p:cNvPr id="27" name="直接箭头连接符 26">
+            <a:extLst>
+              <a:ext uri="{FF2B5EF4-FFF2-40B4-BE49-F238E27FC236}">
+                <a16:creationId xmlns:a16="http://schemas.microsoft.com/office/drawing/2014/main" id="{639FC618-343B-E58A-D8DC-4764DEC891BE}"/>
+              </a:ext>
+            </a:extLst>
+          </p:cNvPr>
+          <p:cNvCxnSpPr>
+            <a:cxnSpLocks/>
+          </p:cNvCxnSpPr>
+          <p:nvPr/>
+        </p:nvCxnSpPr>
+        <p:spPr>
+          <a:xfrm>
+            <a:off x="6601171" y="4984798"/>
+            <a:ext cx="0" cy="801667"/>
+          </a:xfrm>
+          <a:prstGeom prst="straightConnector1">
+            <a:avLst/>
+          </a:prstGeom>
+          <a:ln w="38100">
+            <a:solidFill>
+              <a:schemeClr val="tx2">
+                <a:lumMod val="75000"/>
+              </a:schemeClr>
+            </a:solidFill>
+            <a:tailEnd type="triangle"/>
+          </a:ln>
+        </p:spPr>
+        <p:style>
+          <a:lnRef idx="1">
+            <a:schemeClr val="accent1"/>
+          </a:lnRef>
+          <a:fillRef idx="0">
+            <a:schemeClr val="accent1"/>
+          </a:fillRef>
+          <a:effectRef idx="0">
+            <a:schemeClr val="accent1"/>
+          </a:effectRef>
+          <a:fontRef idx="minor">
+            <a:schemeClr val="tx1"/>
+          </a:fontRef>
+        </p:style>
+      </p:cxnSp>
+      <p:sp>
+        <p:nvSpPr>
+          <p:cNvPr id="28" name="文本框 27">
+            <a:extLst>
+              <a:ext uri="{FF2B5EF4-FFF2-40B4-BE49-F238E27FC236}">
+                <a16:creationId xmlns:a16="http://schemas.microsoft.com/office/drawing/2014/main" id="{5962E888-87AE-5D41-589C-43CCE4FD099B}"/>
+              </a:ext>
+            </a:extLst>
+          </p:cNvPr>
+          <p:cNvSpPr txBox="1"/>
+          <p:nvPr/>
+        </p:nvSpPr>
+        <p:spPr>
+          <a:xfrm>
+            <a:off x="3014850" y="5075397"/>
+            <a:ext cx="6431972" cy="461665"/>
+          </a:xfrm>
+          <a:prstGeom prst="rect">
+            <a:avLst/>
+          </a:prstGeom>
+          <a:noFill/>
+        </p:spPr>
+        <p:txBody>
+          <a:bodyPr wrap="square">
+            <a:spAutoFit/>
+          </a:bodyPr>
+          <a:lstStyle/>
+          <a:p>
+            <a:r>
+              <a:rPr lang="zh-CN" altLang="en-US" sz="2400" dirty="0">
+                <a:solidFill>
+                  <a:srgbClr val="1F2328"/>
+                </a:solidFill>
+                <a:latin typeface="-apple-system"/>
+                <a:ea typeface="微软雅黑" panose="020B0503020204020204" pitchFamily="34" charset="-122"/>
+                <a:cs typeface="Times New Roman" panose="02020603050405020304" pitchFamily="18" charset="0"/>
+              </a:rPr>
+              <a:t>通过</a:t>
+            </a:r>
+            <a:r>
+              <a:rPr lang="en-US" altLang="zh-CN" sz="2400" dirty="0">
+                <a:solidFill>
+                  <a:srgbClr val="1F2328"/>
+                </a:solidFill>
+                <a:latin typeface="-apple-system"/>
+                <a:ea typeface="微软雅黑" panose="020B0503020204020204" pitchFamily="34" charset="-122"/>
+                <a:cs typeface="Times New Roman" panose="02020603050405020304" pitchFamily="18" charset="0"/>
+              </a:rPr>
+              <a:t>SSE</a:t>
+            </a:r>
+            <a:r>
+              <a:rPr lang="zh-CN" altLang="en-US" sz="2400" dirty="0">
+                <a:solidFill>
+                  <a:srgbClr val="1F2328"/>
+                </a:solidFill>
+                <a:latin typeface="-apple-system"/>
+                <a:ea typeface="微软雅黑" panose="020B0503020204020204" pitchFamily="34" charset="-122"/>
+                <a:cs typeface="Times New Roman" panose="02020603050405020304" pitchFamily="18" charset="0"/>
+              </a:rPr>
+              <a:t>推流到前端</a:t>
+            </a:r>
+            <a:endParaRPr lang="en-US" altLang="zh-CN" sz="2400" dirty="0">
+              <a:solidFill>
+                <a:srgbClr val="1F2328"/>
+              </a:solidFill>
+              <a:latin typeface="-apple-system"/>
+              <a:ea typeface="微软雅黑" panose="020B0503020204020204" pitchFamily="34" charset="-122"/>
+              <a:cs typeface="Times New Roman" panose="02020603050405020304" pitchFamily="18" charset="0"/>
+            </a:endParaRPr>
+          </a:p>
+        </p:txBody>
+      </p:sp>
+      <p:sp>
+        <p:nvSpPr>
+          <p:cNvPr id="9" name="文本框 8">
+            <a:extLst>
+              <a:ext uri="{FF2B5EF4-FFF2-40B4-BE49-F238E27FC236}">
+                <a16:creationId xmlns:a16="http://schemas.microsoft.com/office/drawing/2014/main" id="{DED32CB4-5D4B-4260-9FE6-1AF7489B9146}"/>
+              </a:ext>
+            </a:extLst>
+          </p:cNvPr>
+          <p:cNvSpPr txBox="1"/>
+          <p:nvPr/>
+        </p:nvSpPr>
+        <p:spPr>
+          <a:xfrm>
+            <a:off x="5908964" y="2552770"/>
+            <a:ext cx="886692" cy="461665"/>
+          </a:xfrm>
+          <a:prstGeom prst="rect">
+            <a:avLst/>
+          </a:prstGeom>
+          <a:noFill/>
+        </p:spPr>
+        <p:txBody>
+          <a:bodyPr wrap="square">
+            <a:spAutoFit/>
+          </a:bodyPr>
+          <a:lstStyle/>
+          <a:p>
+            <a:r>
+              <a:rPr lang="zh-CN" altLang="en-US" sz="2400" dirty="0">
+                <a:solidFill>
+                  <a:srgbClr val="1F2328"/>
+                </a:solidFill>
+                <a:latin typeface="-apple-system"/>
+                <a:ea typeface="微软雅黑" panose="020B0503020204020204" pitchFamily="34" charset="-122"/>
+                <a:cs typeface="Times New Roman" panose="02020603050405020304" pitchFamily="18" charset="0"/>
+              </a:rPr>
+              <a:t>监听</a:t>
+            </a:r>
+            <a:endParaRPr lang="en-US" altLang="zh-CN" sz="2400" dirty="0">
+              <a:solidFill>
+                <a:srgbClr val="1F2328"/>
+              </a:solidFill>
+              <a:latin typeface="-apple-system"/>
+              <a:ea typeface="微软雅黑" panose="020B0503020204020204" pitchFamily="34" charset="-122"/>
+              <a:cs typeface="Times New Roman" panose="02020603050405020304" pitchFamily="18" charset="0"/>
+            </a:endParaRPr>
+          </a:p>
+        </p:txBody>
+      </p:sp>
+    </p:spTree>
+    <p:extLst>
+      <p:ext uri="{BB962C8B-B14F-4D97-AF65-F5344CB8AC3E}">
+        <p14:creationId xmlns:p14="http://schemas.microsoft.com/office/powerpoint/2010/main" val="2904091499"/>
+      </p:ext>
+    </p:extLst>
+  </p:cSld>
+  <p:clrMapOvr>
+    <a:masterClrMapping/>
+  </p:clrMapOvr>
+  <p:transition/>
+</p:sld>
+</file>
+
+<file path=ppt/slides/slide5.xml><?xml version="1.0" encoding="utf-8"?>
+<p:sld xmlns:a="http://schemas.openxmlformats.org/drawingml/2006/main" xmlns:r="http://schemas.openxmlformats.org/officeDocument/2006/relationships" xmlns:p="http://schemas.openxmlformats.org/presentationml/2006/main">
+  <p:cSld>
+    <p:spTree>
+      <p:nvGrpSpPr>
+        <p:cNvPr id="1" name="">
+          <a:extLst>
+            <a:ext uri="{FF2B5EF4-FFF2-40B4-BE49-F238E27FC236}">
+              <a16:creationId xmlns:a16="http://schemas.microsoft.com/office/drawing/2014/main" id="{8AF491E4-F911-04B3-15B3-33B50920B227}"/>
+            </a:ext>
+          </a:extLst>
+        </p:cNvPr>
+        <p:cNvGrpSpPr/>
+        <p:nvPr/>
+      </p:nvGrpSpPr>
+      <p:grpSpPr>
+        <a:xfrm>
+          <a:off x="0" y="0"/>
+          <a:ext cx="0" cy="0"/>
+          <a:chOff x="0" y="0"/>
+          <a:chExt cx="0" cy="0"/>
+        </a:xfrm>
+      </p:grpSpPr>
+      <p:sp>
+        <p:nvSpPr>
+          <p:cNvPr id="24" name="TextBox 23">
+            <a:extLst>
+              <a:ext uri="{FF2B5EF4-FFF2-40B4-BE49-F238E27FC236}">
+                <a16:creationId xmlns:a16="http://schemas.microsoft.com/office/drawing/2014/main" id="{19D0036C-4B43-0D0B-0009-0061C2512ABB}"/>
+              </a:ext>
+            </a:extLst>
+          </p:cNvPr>
+          <p:cNvSpPr txBox="1"/>
+          <p:nvPr/>
+        </p:nvSpPr>
+        <p:spPr>
+          <a:xfrm>
+            <a:off x="8999745" y="2644634"/>
+            <a:ext cx="2688299" cy="363882"/>
+          </a:xfrm>
+          <a:prstGeom prst="rect">
+            <a:avLst/>
+          </a:prstGeom>
+          <a:noFill/>
+          <a:ln>
+            <a:noFill/>
+          </a:ln>
+        </p:spPr>
+        <p:txBody>
+          <a:bodyPr wrap="square" rtlCol="0">
+            <a:spAutoFit/>
+          </a:bodyPr>
+          <a:lstStyle/>
+          <a:p>
+            <a:pPr marL="0" marR="0" lvl="0" indent="0" algn="l" defTabSz="914400" rtl="0" eaLnBrk="1" fontAlgn="auto" latinLnBrk="0" hangingPunct="1">
+              <a:lnSpc>
+                <a:spcPct val="150000"/>
+              </a:lnSpc>
+              <a:spcBef>
+                <a:spcPts val="0"/>
+              </a:spcBef>
+              <a:spcAft>
+                <a:spcPts val="0"/>
+              </a:spcAft>
+              <a:buClrTx/>
+              <a:buSzTx/>
+              <a:buFontTx/>
+              <a:buNone/>
+              <a:tabLst/>
+              <a:defRPr/>
+            </a:pPr>
+            <a:endParaRPr kumimoji="0" lang="zh-CN" altLang="en-US" sz="1333" b="0" i="0" u="none" strike="noStrike" kern="1200" cap="none" spc="0" normalizeH="0" baseline="0" noProof="0" dirty="0">
+              <a:ln>
+                <a:noFill/>
+              </a:ln>
+              <a:solidFill>
+                <a:srgbClr val="5B9BD5"/>
+              </a:solidFill>
+              <a:effectLst/>
+              <a:uLnTx/>
+              <a:uFillTx/>
+              <a:latin typeface="微软雅黑" pitchFamily="34" charset="-122"/>
+              <a:ea typeface="微软雅黑" pitchFamily="34" charset="-122"/>
+              <a:cs typeface="+mn-cs"/>
+              <a:sym typeface="微软雅黑" pitchFamily="34" charset="-122"/>
+            </a:endParaRPr>
+          </a:p>
+        </p:txBody>
+      </p:sp>
+      <p:sp>
+        <p:nvSpPr>
+          <p:cNvPr id="35" name="矩形 80">
+            <a:extLst>
+              <a:ext uri="{FF2B5EF4-FFF2-40B4-BE49-F238E27FC236}">
+                <a16:creationId xmlns:a16="http://schemas.microsoft.com/office/drawing/2014/main" id="{73D364DF-68BF-3BC4-38EF-6AEE64066063}"/>
+              </a:ext>
+            </a:extLst>
+          </p:cNvPr>
+          <p:cNvSpPr>
+            <a:spLocks noChangeArrowheads="1"/>
+          </p:cNvSpPr>
+          <p:nvPr/>
+        </p:nvSpPr>
+        <p:spPr bwMode="auto">
+          <a:xfrm>
+            <a:off x="828326" y="335226"/>
+            <a:ext cx="1125629" cy="461665"/>
+          </a:xfrm>
+          <a:prstGeom prst="rect">
+            <a:avLst/>
+          </a:prstGeom>
+          <a:noFill/>
+          <a:ln>
+            <a:noFill/>
+          </a:ln>
+          <a:extLst>
+            <a:ext uri="{909E8E84-426E-40DD-AFC4-6F175D3DCCD1}">
+              <a14:hiddenFill xmlns:a14="http://schemas.microsoft.com/office/drawing/2010/main">
+                <a:solidFill>
+                  <a:srgbClr val="FFFFFF"/>
+                </a:solidFill>
+              </a14:hiddenFill>
+            </a:ext>
+            <a:ext uri="{91240B29-F687-4F45-9708-019B960494DF}">
+              <a14:hiddenLine xmlns:a14="http://schemas.microsoft.com/office/drawing/2010/main" w="9525">
+                <a:solidFill>
+                  <a:srgbClr val="000000"/>
+                </a:solidFill>
+                <a:miter lim="800000"/>
+                <a:headEnd/>
+                <a:tailEnd/>
+              </a14:hiddenLine>
+            </a:ext>
+          </a:extLst>
+        </p:spPr>
+        <p:txBody>
+          <a:bodyPr wrap="none">
+            <a:spAutoFit/>
+          </a:bodyPr>
+          <a:lstStyle>
+            <a:lvl1pPr>
+              <a:lnSpc>
+                <a:spcPct val="90000"/>
+              </a:lnSpc>
+              <a:spcBef>
+                <a:spcPts val="1000"/>
+              </a:spcBef>
+              <a:buChar char="•"/>
+              <a:defRPr sz="2800">
+                <a:solidFill>
+                  <a:schemeClr val="tx1"/>
+                </a:solidFill>
+                <a:latin typeface="Calibri" panose="020F0502020204030204" pitchFamily="34" charset="0"/>
+                <a:ea typeface="宋体" panose="02010600030101010101" pitchFamily="2" charset="-122"/>
+              </a:defRPr>
+            </a:lvl1pPr>
+            <a:lvl2pPr marL="742950" indent="-285750">
+              <a:lnSpc>
+                <a:spcPct val="90000"/>
+              </a:lnSpc>
+              <a:spcBef>
+                <a:spcPts val="500"/>
+              </a:spcBef>
+              <a:buChar char="•"/>
+              <a:defRPr sz="2400">
+                <a:solidFill>
+                  <a:schemeClr val="tx1"/>
+                </a:solidFill>
+                <a:latin typeface="Calibri" panose="020F0502020204030204" pitchFamily="34" charset="0"/>
+                <a:ea typeface="宋体" panose="02010600030101010101" pitchFamily="2" charset="-122"/>
+              </a:defRPr>
+            </a:lvl2pPr>
+            <a:lvl3pPr marL="1143000" indent="-228600">
+              <a:lnSpc>
+                <a:spcPct val="90000"/>
+              </a:lnSpc>
+              <a:spcBef>
+                <a:spcPts val="500"/>
+              </a:spcBef>
+              <a:buChar char="•"/>
+              <a:defRPr sz="2000">
+                <a:solidFill>
+                  <a:schemeClr val="tx1"/>
+                </a:solidFill>
+                <a:latin typeface="Calibri" panose="020F0502020204030204" pitchFamily="34" charset="0"/>
+                <a:ea typeface="宋体" panose="02010600030101010101" pitchFamily="2" charset="-122"/>
+              </a:defRPr>
+            </a:lvl3pPr>
+            <a:lvl4pPr marL="1600200" indent="-228600">
+              <a:lnSpc>
+                <a:spcPct val="90000"/>
+              </a:lnSpc>
+              <a:spcBef>
+                <a:spcPts val="500"/>
+              </a:spcBef>
+              <a:buChar char="•"/>
+              <a:defRPr>
+                <a:solidFill>
+                  <a:schemeClr val="tx1"/>
+                </a:solidFill>
+                <a:latin typeface="Calibri" panose="020F0502020204030204" pitchFamily="34" charset="0"/>
+                <a:ea typeface="宋体" panose="02010600030101010101" pitchFamily="2" charset="-122"/>
+              </a:defRPr>
+            </a:lvl4pPr>
+            <a:lvl5pPr marL="2057400" indent="-228600">
+              <a:lnSpc>
+                <a:spcPct val="90000"/>
+              </a:lnSpc>
+              <a:spcBef>
+                <a:spcPts val="500"/>
+              </a:spcBef>
+              <a:buChar char="•"/>
+              <a:defRPr>
+                <a:solidFill>
+                  <a:schemeClr val="tx1"/>
+                </a:solidFill>
+                <a:latin typeface="Calibri" panose="020F0502020204030204" pitchFamily="34" charset="0"/>
+                <a:ea typeface="宋体" panose="02010600030101010101" pitchFamily="2" charset="-122"/>
+              </a:defRPr>
+            </a:lvl5pPr>
+            <a:lvl6pPr marL="2514600" indent="-228600" eaLnBrk="0" fontAlgn="base" hangingPunct="0">
+              <a:lnSpc>
+                <a:spcPct val="90000"/>
+              </a:lnSpc>
+              <a:spcBef>
+                <a:spcPts val="500"/>
+              </a:spcBef>
+              <a:spcAft>
+                <a:spcPct val="0"/>
+              </a:spcAft>
+              <a:buFont typeface="Arial" panose="020B0604020202020204" pitchFamily="34" charset="0"/>
+              <a:buChar char="•"/>
+              <a:defRPr>
+                <a:solidFill>
+                  <a:schemeClr val="tx1"/>
+                </a:solidFill>
+                <a:latin typeface="Calibri" panose="020F0502020204030204" pitchFamily="34" charset="0"/>
+                <a:ea typeface="宋体" panose="02010600030101010101" pitchFamily="2" charset="-122"/>
+              </a:defRPr>
+            </a:lvl6pPr>
+            <a:lvl7pPr marL="2971800" indent="-228600" eaLnBrk="0" fontAlgn="base" hangingPunct="0">
+              <a:lnSpc>
+                <a:spcPct val="90000"/>
+              </a:lnSpc>
+              <a:spcBef>
+                <a:spcPts val="500"/>
+              </a:spcBef>
+              <a:spcAft>
+                <a:spcPct val="0"/>
+              </a:spcAft>
+              <a:buFont typeface="Arial" panose="020B0604020202020204" pitchFamily="34" charset="0"/>
+              <a:buChar char="•"/>
+              <a:defRPr>
+                <a:solidFill>
+                  <a:schemeClr val="tx1"/>
+                </a:solidFill>
+                <a:latin typeface="Calibri" panose="020F0502020204030204" pitchFamily="34" charset="0"/>
+                <a:ea typeface="宋体" panose="02010600030101010101" pitchFamily="2" charset="-122"/>
+              </a:defRPr>
+            </a:lvl7pPr>
+            <a:lvl8pPr marL="3429000" indent="-228600" eaLnBrk="0" fontAlgn="base" hangingPunct="0">
+              <a:lnSpc>
+                <a:spcPct val="90000"/>
+              </a:lnSpc>
+              <a:spcBef>
+                <a:spcPts val="500"/>
+              </a:spcBef>
+              <a:spcAft>
+                <a:spcPct val="0"/>
+              </a:spcAft>
+              <a:buFont typeface="Arial" panose="020B0604020202020204" pitchFamily="34" charset="0"/>
+              <a:buChar char="•"/>
+              <a:defRPr>
+                <a:solidFill>
+                  <a:schemeClr val="tx1"/>
+                </a:solidFill>
+                <a:latin typeface="Calibri" panose="020F0502020204030204" pitchFamily="34" charset="0"/>
+                <a:ea typeface="宋体" panose="02010600030101010101" pitchFamily="2" charset="-122"/>
+              </a:defRPr>
+            </a:lvl8pPr>
+            <a:lvl9pPr marL="3886200" indent="-228600" eaLnBrk="0" fontAlgn="base" hangingPunct="0">
+              <a:lnSpc>
+                <a:spcPct val="90000"/>
+              </a:lnSpc>
+              <a:spcBef>
+                <a:spcPts val="500"/>
+              </a:spcBef>
+              <a:spcAft>
+                <a:spcPct val="0"/>
+              </a:spcAft>
+              <a:buFont typeface="Arial" panose="020B0604020202020204" pitchFamily="34" charset="0"/>
+              <a:buChar char="•"/>
+              <a:defRPr>
+                <a:solidFill>
+                  <a:schemeClr val="tx1"/>
+                </a:solidFill>
+                <a:latin typeface="Calibri" panose="020F0502020204030204" pitchFamily="34" charset="0"/>
+                <a:ea typeface="宋体" panose="02010600030101010101" pitchFamily="2" charset="-122"/>
+              </a:defRPr>
+            </a:lvl9pPr>
+          </a:lstStyle>
+          <a:p>
+            <a:pPr lvl="0">
+              <a:lnSpc>
+                <a:spcPct val="100000"/>
+              </a:lnSpc>
+              <a:spcBef>
+                <a:spcPct val="0"/>
+              </a:spcBef>
+              <a:buNone/>
+              <a:defRPr/>
+            </a:pPr>
+            <a:r>
+              <a:rPr lang="en-US" altLang="zh-CN" sz="2400" dirty="0">
+                <a:solidFill>
+                  <a:prstClr val="black"/>
+                </a:solidFill>
+                <a:latin typeface="Times New Roman" panose="02020603050405020304" pitchFamily="18" charset="0"/>
+                <a:ea typeface="微软雅黑" panose="020B0503020204020204" pitchFamily="34" charset="-122"/>
+                <a:cs typeface="Times New Roman" panose="02020603050405020304" pitchFamily="18" charset="0"/>
+              </a:rPr>
+              <a:t>LOGIC</a:t>
+            </a:r>
+            <a:endParaRPr kumimoji="0" lang="zh-CN" altLang="en-US" sz="2400" b="0" i="0" u="none" strike="noStrike" kern="1200" cap="none" spc="0" normalizeH="0" baseline="0" noProof="0" dirty="0">
+              <a:ln>
+                <a:noFill/>
+              </a:ln>
+              <a:solidFill>
+                <a:prstClr val="black"/>
+              </a:solidFill>
+              <a:effectLst/>
+              <a:uLnTx/>
+              <a:uFillTx/>
+              <a:latin typeface="Times New Roman" panose="02020603050405020304" pitchFamily="18" charset="0"/>
+              <a:ea typeface="微软雅黑" panose="020B0503020204020204" pitchFamily="34" charset="-122"/>
+              <a:cs typeface="Times New Roman" panose="02020603050405020304" pitchFamily="18" charset="0"/>
+            </a:endParaRPr>
+          </a:p>
+        </p:txBody>
+      </p:sp>
+      <p:pic>
+        <p:nvPicPr>
+          <p:cNvPr id="7" name="Picture 2" descr="西南大学高清透明背景校徽（全透明）">
+            <a:extLst>
+              <a:ext uri="{FF2B5EF4-FFF2-40B4-BE49-F238E27FC236}">
+                <a16:creationId xmlns:a16="http://schemas.microsoft.com/office/drawing/2014/main" id="{647B9377-31EC-205E-BCF8-335DB31C2FD9}"/>
+              </a:ext>
+            </a:extLst>
+          </p:cNvPr>
+          <p:cNvPicPr>
+            <a:picLocks noChangeAspect="1" noChangeArrowheads="1"/>
+          </p:cNvPicPr>
+          <p:nvPr/>
+        </p:nvPicPr>
+        <p:blipFill>
+          <a:blip r:embed="rId3" cstate="print">
+            <a:extLst>
+              <a:ext uri="{28A0092B-C50C-407E-A947-70E740481C1C}">
+                <a14:useLocalDpi xmlns:a14="http://schemas.microsoft.com/office/drawing/2010/main" val="0"/>
+              </a:ext>
+            </a:extLst>
+          </a:blip>
+          <a:srcRect/>
+          <a:stretch>
+            <a:fillRect/>
+          </a:stretch>
+        </p:blipFill>
+        <p:spPr bwMode="auto">
+          <a:xfrm>
+            <a:off x="10040938" y="81755"/>
+            <a:ext cx="2103831" cy="2103831"/>
+          </a:xfrm>
+          <a:prstGeom prst="rect">
+            <a:avLst/>
+          </a:prstGeom>
+          <a:noFill/>
+          <a:extLst>
+            <a:ext uri="{909E8E84-426E-40DD-AFC4-6F175D3DCCD1}">
+              <a14:hiddenFill xmlns:a14="http://schemas.microsoft.com/office/drawing/2010/main">
+                <a:solidFill>
+                  <a:srgbClr val="FFFFFF"/>
+                </a:solidFill>
+              </a14:hiddenFill>
+            </a:ext>
+          </a:extLst>
+        </p:spPr>
+      </p:pic>
+      <p:sp>
+        <p:nvSpPr>
+          <p:cNvPr id="5" name="文本框 4">
+            <a:extLst>
+              <a:ext uri="{FF2B5EF4-FFF2-40B4-BE49-F238E27FC236}">
+                <a16:creationId xmlns:a16="http://schemas.microsoft.com/office/drawing/2014/main" id="{A99F9DB2-4262-B2D8-8A01-EE7BEBB42599}"/>
+              </a:ext>
+            </a:extLst>
+          </p:cNvPr>
+          <p:cNvSpPr txBox="1"/>
+          <p:nvPr/>
+        </p:nvSpPr>
+        <p:spPr>
+          <a:xfrm>
+            <a:off x="583765" y="1083072"/>
+            <a:ext cx="2768851" cy="461665"/>
+          </a:xfrm>
+          <a:prstGeom prst="rect">
+            <a:avLst/>
+          </a:prstGeom>
+          <a:noFill/>
+        </p:spPr>
+        <p:txBody>
+          <a:bodyPr wrap="square">
+            <a:spAutoFit/>
+          </a:bodyPr>
+          <a:lstStyle/>
+          <a:p>
+            <a:r>
+              <a:rPr lang="zh-CN" altLang="en-US" sz="2400" dirty="0">
+                <a:solidFill>
+                  <a:srgbClr val="1F2328"/>
+                </a:solidFill>
+                <a:latin typeface="-apple-system"/>
+                <a:ea typeface="微软雅黑" panose="020B0503020204020204" pitchFamily="34" charset="-122"/>
+                <a:cs typeface="Times New Roman" panose="02020603050405020304" pitchFamily="18" charset="0"/>
+              </a:rPr>
+              <a:t>基于规则</a:t>
+            </a:r>
+            <a:endParaRPr lang="en-US" altLang="zh-CN" sz="2400" dirty="0">
+              <a:solidFill>
+                <a:srgbClr val="1F2328"/>
+              </a:solidFill>
+              <a:latin typeface="-apple-system"/>
+              <a:ea typeface="微软雅黑" panose="020B0503020204020204" pitchFamily="34" charset="-122"/>
+              <a:cs typeface="Times New Roman" panose="02020603050405020304" pitchFamily="18" charset="0"/>
+            </a:endParaRPr>
+          </a:p>
+        </p:txBody>
+      </p:sp>
+      <p:sp>
+        <p:nvSpPr>
+          <p:cNvPr id="8" name="文本框 7">
+            <a:extLst>
+              <a:ext uri="{FF2B5EF4-FFF2-40B4-BE49-F238E27FC236}">
+                <a16:creationId xmlns:a16="http://schemas.microsoft.com/office/drawing/2014/main" id="{8F3FA646-A9B0-399F-FA67-BAF51B620548}"/>
+              </a:ext>
+            </a:extLst>
+          </p:cNvPr>
+          <p:cNvSpPr txBox="1"/>
+          <p:nvPr/>
+        </p:nvSpPr>
+        <p:spPr>
+          <a:xfrm>
+            <a:off x="583765" y="4222393"/>
+            <a:ext cx="3162883" cy="461665"/>
+          </a:xfrm>
+          <a:prstGeom prst="rect">
+            <a:avLst/>
+          </a:prstGeom>
+          <a:noFill/>
+        </p:spPr>
+        <p:txBody>
+          <a:bodyPr wrap="square">
+            <a:spAutoFit/>
+          </a:bodyPr>
+          <a:lstStyle/>
+          <a:p>
+            <a:r>
+              <a:rPr lang="zh-CN" altLang="en-US" sz="2400" dirty="0">
+                <a:solidFill>
+                  <a:srgbClr val="1F2328"/>
+                </a:solidFill>
+                <a:latin typeface="-apple-system"/>
+                <a:ea typeface="微软雅黑" panose="020B0503020204020204" pitchFamily="34" charset="-122"/>
+                <a:cs typeface="Times New Roman" panose="02020603050405020304" pitchFamily="18" charset="0"/>
+              </a:rPr>
+              <a:t>基于学习</a:t>
+            </a:r>
+            <a:endParaRPr lang="en-US" altLang="zh-CN" sz="2400" dirty="0">
+              <a:solidFill>
+                <a:srgbClr val="1F2328"/>
+              </a:solidFill>
+              <a:latin typeface="-apple-system"/>
+              <a:ea typeface="微软雅黑" panose="020B0503020204020204" pitchFamily="34" charset="-122"/>
+              <a:cs typeface="Times New Roman" panose="02020603050405020304" pitchFamily="18" charset="0"/>
+            </a:endParaRPr>
+          </a:p>
+        </p:txBody>
+      </p:sp>
+      <p:sp>
+        <p:nvSpPr>
+          <p:cNvPr id="12" name="文本框 11">
+            <a:extLst>
+              <a:ext uri="{FF2B5EF4-FFF2-40B4-BE49-F238E27FC236}">
+                <a16:creationId xmlns:a16="http://schemas.microsoft.com/office/drawing/2014/main" id="{2FE697D4-E544-DB13-6018-3B007CA20DEF}"/>
+              </a:ext>
+            </a:extLst>
+          </p:cNvPr>
+          <p:cNvSpPr txBox="1"/>
+          <p:nvPr/>
+        </p:nvSpPr>
+        <p:spPr>
+          <a:xfrm>
+            <a:off x="583764" y="1544737"/>
+            <a:ext cx="7009731" cy="2677656"/>
+          </a:xfrm>
+          <a:prstGeom prst="rect">
+            <a:avLst/>
+          </a:prstGeom>
+          <a:noFill/>
+        </p:spPr>
+        <p:txBody>
+          <a:bodyPr wrap="square">
+            <a:spAutoFit/>
+          </a:bodyPr>
+          <a:lstStyle/>
+          <a:p>
+            <a:r>
+              <a:rPr lang="zh-CN" altLang="en-US" sz="2400" dirty="0">
+                <a:solidFill>
+                  <a:srgbClr val="1F2328"/>
+                </a:solidFill>
+                <a:latin typeface="-apple-system"/>
+                <a:ea typeface="微软雅黑" panose="020B0503020204020204" pitchFamily="34" charset="-122"/>
+                <a:cs typeface="Times New Roman" panose="02020603050405020304" pitchFamily="18" charset="0"/>
+              </a:rPr>
+              <a:t>具体的规则</a:t>
+            </a:r>
+            <a:endParaRPr lang="en-US" altLang="zh-CN" sz="2400" dirty="0">
+              <a:solidFill>
+                <a:srgbClr val="1F2328"/>
+              </a:solidFill>
+              <a:latin typeface="-apple-system"/>
+              <a:ea typeface="微软雅黑" panose="020B0503020204020204" pitchFamily="34" charset="-122"/>
+              <a:cs typeface="Times New Roman" panose="02020603050405020304" pitchFamily="18" charset="0"/>
+            </a:endParaRPr>
+          </a:p>
+          <a:p>
+            <a:r>
+              <a:rPr lang="zh-CN" altLang="en-US" sz="2400" dirty="0">
+                <a:solidFill>
+                  <a:srgbClr val="1F2328"/>
+                </a:solidFill>
+                <a:latin typeface="-apple-system"/>
+                <a:ea typeface="微软雅黑" panose="020B0503020204020204" pitchFamily="34" charset="-122"/>
+                <a:cs typeface="Times New Roman" panose="02020603050405020304" pitchFamily="18" charset="0"/>
+              </a:rPr>
+              <a:t>例：某一时间片（</a:t>
+            </a:r>
+            <a:r>
+              <a:rPr lang="en-US" altLang="zh-CN" sz="2400" dirty="0">
+                <a:solidFill>
+                  <a:srgbClr val="1F2328"/>
+                </a:solidFill>
+                <a:latin typeface="-apple-system"/>
+                <a:ea typeface="微软雅黑" panose="020B0503020204020204" pitchFamily="34" charset="-122"/>
+                <a:cs typeface="Times New Roman" panose="02020603050405020304" pitchFamily="18" charset="0"/>
+              </a:rPr>
+              <a:t>TIMESTAMP)</a:t>
+            </a:r>
+          </a:p>
+          <a:p>
+            <a:r>
+              <a:rPr lang="zh-CN" altLang="en-US" sz="2400" dirty="0">
+                <a:solidFill>
+                  <a:srgbClr val="1F2328"/>
+                </a:solidFill>
+                <a:latin typeface="-apple-system"/>
+                <a:ea typeface="微软雅黑" panose="020B0503020204020204" pitchFamily="34" charset="-122"/>
+                <a:cs typeface="Times New Roman" panose="02020603050405020304" pitchFamily="18" charset="0"/>
+              </a:rPr>
+              <a:t>某一辆车</a:t>
+            </a:r>
+            <a:r>
+              <a:rPr lang="en-US" altLang="zh-CN" sz="2400" dirty="0">
+                <a:solidFill>
+                  <a:srgbClr val="1F2328"/>
+                </a:solidFill>
+                <a:latin typeface="-apple-system"/>
+                <a:ea typeface="微软雅黑" panose="020B0503020204020204" pitchFamily="34" charset="-122"/>
+                <a:cs typeface="Times New Roman" panose="02020603050405020304" pitchFamily="18" charset="0"/>
+              </a:rPr>
+              <a:t>(ID)</a:t>
+            </a:r>
+          </a:p>
+          <a:p>
+            <a:r>
+              <a:rPr lang="zh-CN" altLang="en-US" sz="2400" dirty="0">
+                <a:solidFill>
+                  <a:srgbClr val="1F2328"/>
+                </a:solidFill>
+                <a:latin typeface="-apple-system"/>
+                <a:ea typeface="微软雅黑" panose="020B0503020204020204" pitchFamily="34" charset="-122"/>
+                <a:cs typeface="Times New Roman" panose="02020603050405020304" pitchFamily="18" charset="0"/>
+              </a:rPr>
+              <a:t>加速度</a:t>
+            </a:r>
+            <a:r>
+              <a:rPr lang="en-US" altLang="zh-CN" sz="2400" dirty="0">
+                <a:solidFill>
+                  <a:srgbClr val="1F2328"/>
+                </a:solidFill>
+                <a:latin typeface="-apple-system"/>
+                <a:ea typeface="微软雅黑" panose="020B0503020204020204" pitchFamily="34" charset="-122"/>
+                <a:cs typeface="Times New Roman" panose="02020603050405020304" pitchFamily="18" charset="0"/>
+              </a:rPr>
+              <a:t>(</a:t>
+            </a:r>
+            <a:r>
+              <a:rPr lang="en-US" altLang="zh-CN" sz="2400" i="0" dirty="0" err="1">
+                <a:solidFill>
+                  <a:srgbClr val="1F2328"/>
+                </a:solidFill>
+                <a:effectLst/>
+                <a:latin typeface="-apple-system"/>
+              </a:rPr>
+              <a:t>accelerationLon</a:t>
+            </a:r>
+            <a:r>
+              <a:rPr lang="en-US" altLang="zh-CN" sz="2400" i="0" dirty="0">
+                <a:solidFill>
+                  <a:srgbClr val="1F2328"/>
+                </a:solidFill>
+                <a:effectLst/>
+                <a:latin typeface="-apple-system"/>
+              </a:rPr>
+              <a:t>)</a:t>
+            </a:r>
+          </a:p>
+          <a:p>
+            <a:r>
+              <a:rPr lang="zh-CN" altLang="en-US" sz="2400" dirty="0">
+                <a:solidFill>
+                  <a:srgbClr val="1F2328"/>
+                </a:solidFill>
+                <a:latin typeface="-apple-system"/>
+                <a:ea typeface="微软雅黑" panose="020B0503020204020204" pitchFamily="34" charset="-122"/>
+                <a:cs typeface="Times New Roman" panose="02020603050405020304" pitchFamily="18" charset="0"/>
+              </a:rPr>
+              <a:t>不能超过某一阈值</a:t>
+            </a:r>
+            <a:endParaRPr lang="en-US" altLang="zh-CN" sz="2400" dirty="0">
+              <a:solidFill>
+                <a:srgbClr val="1F2328"/>
+              </a:solidFill>
+              <a:latin typeface="-apple-system"/>
+              <a:ea typeface="微软雅黑" panose="020B0503020204020204" pitchFamily="34" charset="-122"/>
+              <a:cs typeface="Times New Roman" panose="02020603050405020304" pitchFamily="18" charset="0"/>
+            </a:endParaRPr>
+          </a:p>
+          <a:p>
+            <a:r>
+              <a:rPr lang="zh-CN" altLang="en-US" sz="2400" dirty="0">
+                <a:solidFill>
+                  <a:srgbClr val="1F2328"/>
+                </a:solidFill>
+                <a:latin typeface="-apple-system"/>
+                <a:ea typeface="微软雅黑" panose="020B0503020204020204" pitchFamily="34" charset="-122"/>
+                <a:cs typeface="Times New Roman" panose="02020603050405020304" pitchFamily="18" charset="0"/>
+              </a:rPr>
+              <a:t>或</a:t>
+            </a:r>
+            <a:endParaRPr lang="en-US" altLang="zh-CN" sz="2400" dirty="0">
+              <a:solidFill>
+                <a:srgbClr val="1F2328"/>
+              </a:solidFill>
+              <a:latin typeface="-apple-system"/>
+              <a:ea typeface="微软雅黑" panose="020B0503020204020204" pitchFamily="34" charset="-122"/>
+              <a:cs typeface="Times New Roman" panose="02020603050405020304" pitchFamily="18" charset="0"/>
+            </a:endParaRPr>
+          </a:p>
+          <a:p>
+            <a:r>
+              <a:rPr lang="zh-CN" altLang="en-US" sz="2400" dirty="0">
+                <a:solidFill>
+                  <a:srgbClr val="1F2328"/>
+                </a:solidFill>
+                <a:latin typeface="-apple-system"/>
+                <a:ea typeface="微软雅黑" panose="020B0503020204020204" pitchFamily="34" charset="-122"/>
+                <a:cs typeface="Times New Roman" panose="02020603050405020304" pitchFamily="18" charset="0"/>
+              </a:rPr>
+              <a:t>两个相邻时间片的经纬度之差不能大于某一阈值</a:t>
+            </a:r>
+            <a:endParaRPr lang="en-US" altLang="zh-CN" sz="2400" dirty="0">
+              <a:solidFill>
+                <a:srgbClr val="1F2328"/>
+              </a:solidFill>
+              <a:latin typeface="-apple-system"/>
+              <a:ea typeface="微软雅黑" panose="020B0503020204020204" pitchFamily="34" charset="-122"/>
+              <a:cs typeface="Times New Roman" panose="02020603050405020304" pitchFamily="18" charset="0"/>
+            </a:endParaRPr>
+          </a:p>
+        </p:txBody>
+      </p:sp>
+      <p:sp>
+        <p:nvSpPr>
+          <p:cNvPr id="15" name="文本框 14">
+            <a:extLst>
+              <a:ext uri="{FF2B5EF4-FFF2-40B4-BE49-F238E27FC236}">
+                <a16:creationId xmlns:a16="http://schemas.microsoft.com/office/drawing/2014/main" id="{5A83609C-D4DF-47E5-D22E-9354AF03F3F9}"/>
+              </a:ext>
+            </a:extLst>
+          </p:cNvPr>
+          <p:cNvSpPr txBox="1"/>
+          <p:nvPr/>
+        </p:nvSpPr>
+        <p:spPr>
+          <a:xfrm>
+            <a:off x="583765" y="4684058"/>
+            <a:ext cx="6096000" cy="1200329"/>
+          </a:xfrm>
+          <a:prstGeom prst="rect">
+            <a:avLst/>
+          </a:prstGeom>
+          <a:noFill/>
+        </p:spPr>
+        <p:txBody>
+          <a:bodyPr wrap="square">
+            <a:spAutoFit/>
+          </a:bodyPr>
+          <a:lstStyle/>
+          <a:p>
+            <a:r>
+              <a:rPr lang="zh-CN" altLang="en-US" sz="2400" dirty="0">
+                <a:solidFill>
+                  <a:srgbClr val="1F2328"/>
+                </a:solidFill>
+                <a:latin typeface="-apple-system"/>
+                <a:ea typeface="微软雅黑" panose="020B0503020204020204" pitchFamily="34" charset="-122"/>
+                <a:cs typeface="Times New Roman" panose="02020603050405020304" pitchFamily="18" charset="0"/>
+              </a:rPr>
+              <a:t>不给出具体规则</a:t>
+            </a:r>
+            <a:endParaRPr lang="en-US" altLang="zh-CN" sz="2400" dirty="0">
+              <a:solidFill>
+                <a:srgbClr val="1F2328"/>
+              </a:solidFill>
+              <a:latin typeface="-apple-system"/>
+              <a:ea typeface="微软雅黑" panose="020B0503020204020204" pitchFamily="34" charset="-122"/>
+              <a:cs typeface="Times New Roman" panose="02020603050405020304" pitchFamily="18" charset="0"/>
+            </a:endParaRPr>
+          </a:p>
+          <a:p>
+            <a:r>
+              <a:rPr lang="zh-CN" altLang="en-US" sz="2400" dirty="0">
+                <a:solidFill>
+                  <a:srgbClr val="1F2328"/>
+                </a:solidFill>
+                <a:latin typeface="-apple-system"/>
+                <a:ea typeface="微软雅黑" panose="020B0503020204020204" pitchFamily="34" charset="-122"/>
+                <a:cs typeface="Times New Roman" panose="02020603050405020304" pitchFamily="18" charset="0"/>
+              </a:rPr>
+              <a:t>例：基于自监督判断</a:t>
+            </a:r>
+            <a:r>
+              <a:rPr lang="en-US" altLang="zh-CN" sz="2400" dirty="0">
+                <a:solidFill>
+                  <a:srgbClr val="1F2328"/>
+                </a:solidFill>
+                <a:latin typeface="-apple-system"/>
+                <a:ea typeface="微软雅黑" panose="020B0503020204020204" pitchFamily="34" charset="-122"/>
+                <a:cs typeface="Times New Roman" panose="02020603050405020304" pitchFamily="18" charset="0"/>
+              </a:rPr>
+              <a:t>MSE</a:t>
+            </a:r>
+          </a:p>
+          <a:p>
+            <a:r>
+              <a:rPr lang="zh-CN" altLang="en-US" sz="2400" dirty="0">
+                <a:solidFill>
+                  <a:srgbClr val="1F2328"/>
+                </a:solidFill>
+                <a:latin typeface="-apple-system"/>
+                <a:ea typeface="微软雅黑" panose="020B0503020204020204" pitchFamily="34" charset="-122"/>
+                <a:cs typeface="Times New Roman" panose="02020603050405020304" pitchFamily="18" charset="0"/>
+              </a:rPr>
+              <a:t>大于某一阈值则异常</a:t>
+            </a:r>
+            <a:endParaRPr lang="en-US" altLang="zh-CN" sz="2400" dirty="0">
+              <a:solidFill>
+                <a:srgbClr val="1F2328"/>
+              </a:solidFill>
+              <a:latin typeface="-apple-system"/>
+              <a:ea typeface="微软雅黑" panose="020B0503020204020204" pitchFamily="34" charset="-122"/>
+              <a:cs typeface="Times New Roman" panose="02020603050405020304" pitchFamily="18" charset="0"/>
+            </a:endParaRPr>
+          </a:p>
+        </p:txBody>
+      </p:sp>
+    </p:spTree>
+    <p:extLst>
+      <p:ext uri="{BB962C8B-B14F-4D97-AF65-F5344CB8AC3E}">
+        <p14:creationId xmlns:p14="http://schemas.microsoft.com/office/powerpoint/2010/main" val="4146647688"/>
+      </p:ext>
+    </p:extLst>
+  </p:cSld>
+  <p:clrMapOvr>
+    <a:masterClrMapping/>
+  </p:clrMapOvr>
+  <p:transition/>
+</p:sld>
+</file>
+
+<file path=ppt/slides/slide6.xml><?xml version="1.0" encoding="utf-8"?>
 <p:sld xmlns:a="http://schemas.openxmlformats.org/drawingml/2006/main" xmlns:r="http://schemas.openxmlformats.org/officeDocument/2006/relationships" xmlns:p="http://schemas.openxmlformats.org/presentationml/2006/main">
   <p:cSld>
     <p:spTree>
@@ -5152,7 +8598,7 @@
         <p:spPr>
           <a:xfrm>
             <a:off x="5592044" y="3101761"/>
-            <a:ext cx="6096000" cy="2677656"/>
+            <a:ext cx="6096000" cy="3046988"/>
           </a:xfrm>
           <a:prstGeom prst="rect">
             <a:avLst/>
@@ -5316,6 +8762,8 @@
               </a:rPr>
               <a:t>commit </a:t>
             </a:r>
+          </a:p>
+          <a:p>
             <a:r>
               <a:rPr lang="zh-CN" altLang="en-US" sz="2400" dirty="0">
                 <a:solidFill>
@@ -5358,7 +8806,20 @@
                 <a:ea typeface="微软雅黑" panose="020B0503020204020204" pitchFamily="34" charset="-122"/>
                 <a:cs typeface="Times New Roman" panose="02020603050405020304" pitchFamily="18" charset="0"/>
               </a:rPr>
-              <a:t>pull request  review</a:t>
+              <a:t>pull request  </a:t>
+            </a:r>
+          </a:p>
+          <a:p>
+            <a:r>
+              <a:rPr lang="en-US" altLang="zh-CN" sz="2400" dirty="0">
+                <a:solidFill>
+                  <a:srgbClr val="1F2328"/>
+                </a:solidFill>
+                <a:latin typeface="-apple-system"/>
+                <a:ea typeface="微软雅黑" panose="020B0503020204020204" pitchFamily="34" charset="-122"/>
+                <a:cs typeface="Times New Roman" panose="02020603050405020304" pitchFamily="18" charset="0"/>
+              </a:rPr>
+              <a:t>review</a:t>
             </a:r>
             <a:r>
               <a:rPr lang="zh-CN" altLang="en-US" sz="2400" dirty="0">
@@ -5832,7 +9293,7 @@
         </p:nvSpPr>
         <p:spPr>
           <a:xfrm>
-            <a:off x="5517821" y="1429274"/>
+            <a:off x="5782115" y="1309336"/>
             <a:ext cx="6096000" cy="1569660"/>
           </a:xfrm>
           <a:prstGeom prst="rect">
@@ -5967,7 +9428,7 @@
 </p:sld>
 </file>
 
-<file path=ppt/slides/slide5.xml><?xml version="1.0" encoding="utf-8"?>
+<file path=ppt/slides/slide7.xml><?xml version="1.0" encoding="utf-8"?>
 <p:sld xmlns:a="http://schemas.openxmlformats.org/drawingml/2006/main" xmlns:r="http://schemas.openxmlformats.org/officeDocument/2006/relationships" xmlns:p="http://schemas.openxmlformats.org/presentationml/2006/main">
   <p:cSld>
     <p:spTree>
@@ -6404,7 +9865,7 @@
 </p:sld>
 </file>
 
-<file path=ppt/slides/slide6.xml><?xml version="1.0" encoding="utf-8"?>
+<file path=ppt/slides/slide8.xml><?xml version="1.0" encoding="utf-8"?>
 <p:sld xmlns:a="http://schemas.openxmlformats.org/drawingml/2006/main" xmlns:r="http://schemas.openxmlformats.org/officeDocument/2006/relationships" xmlns:p="http://schemas.openxmlformats.org/presentationml/2006/main">
   <p:cSld>
     <p:spTree>
@@ -6841,7 +10302,7 @@
 </p:sld>
 </file>
 
-<file path=ppt/slides/slide7.xml><?xml version="1.0" encoding="utf-8"?>
+<file path=ppt/slides/slide9.xml><?xml version="1.0" encoding="utf-8"?>
 <p:sld xmlns:a="http://schemas.openxmlformats.org/drawingml/2006/main" xmlns:r="http://schemas.openxmlformats.org/officeDocument/2006/relationships" xmlns:p="http://schemas.openxmlformats.org/presentationml/2006/main">
   <p:cSld>
     <p:spTree>
@@ -7263,7 +10724,7 @@
         <p:spPr>
           <a:xfrm>
             <a:off x="404190" y="931865"/>
-            <a:ext cx="9554817" cy="4774919"/>
+            <a:ext cx="9554817" cy="5064744"/>
           </a:xfrm>
           <a:prstGeom prst="rect">
             <a:avLst/>
@@ -7274,836 +10735,6 @@
     <p:extLst>
       <p:ext uri="{BB962C8B-B14F-4D97-AF65-F5344CB8AC3E}">
         <p14:creationId xmlns:p14="http://schemas.microsoft.com/office/powerpoint/2010/main" val="2947040980"/>
-      </p:ext>
-    </p:extLst>
-  </p:cSld>
-  <p:clrMapOvr>
-    <a:masterClrMapping/>
-  </p:clrMapOvr>
-  <p:transition/>
-</p:sld>
-</file>
-
-<file path=ppt/slides/slide8.xml><?xml version="1.0" encoding="utf-8"?>
-<p:sld xmlns:a="http://schemas.openxmlformats.org/drawingml/2006/main" xmlns:r="http://schemas.openxmlformats.org/officeDocument/2006/relationships" xmlns:p="http://schemas.openxmlformats.org/presentationml/2006/main">
-  <p:cSld>
-    <p:spTree>
-      <p:nvGrpSpPr>
-        <p:cNvPr id="1" name="">
-          <a:extLst>
-            <a:ext uri="{FF2B5EF4-FFF2-40B4-BE49-F238E27FC236}">
-              <a16:creationId xmlns:a16="http://schemas.microsoft.com/office/drawing/2014/main" id="{F912E606-A4F8-9A97-F479-782F49F365D1}"/>
-            </a:ext>
-          </a:extLst>
-        </p:cNvPr>
-        <p:cNvGrpSpPr/>
-        <p:nvPr/>
-      </p:nvGrpSpPr>
-      <p:grpSpPr>
-        <a:xfrm>
-          <a:off x="0" y="0"/>
-          <a:ext cx="0" cy="0"/>
-          <a:chOff x="0" y="0"/>
-          <a:chExt cx="0" cy="0"/>
-        </a:xfrm>
-      </p:grpSpPr>
-      <p:sp>
-        <p:nvSpPr>
-          <p:cNvPr id="24" name="TextBox 23">
-            <a:extLst>
-              <a:ext uri="{FF2B5EF4-FFF2-40B4-BE49-F238E27FC236}">
-                <a16:creationId xmlns:a16="http://schemas.microsoft.com/office/drawing/2014/main" id="{5A34470E-DB4A-6B0F-3669-89351F46B7E9}"/>
-              </a:ext>
-            </a:extLst>
-          </p:cNvPr>
-          <p:cNvSpPr txBox="1"/>
-          <p:nvPr/>
-        </p:nvSpPr>
-        <p:spPr>
-          <a:xfrm>
-            <a:off x="8999745" y="2644634"/>
-            <a:ext cx="2688299" cy="363882"/>
-          </a:xfrm>
-          <a:prstGeom prst="rect">
-            <a:avLst/>
-          </a:prstGeom>
-          <a:noFill/>
-          <a:ln>
-            <a:noFill/>
-          </a:ln>
-        </p:spPr>
-        <p:txBody>
-          <a:bodyPr wrap="square" rtlCol="0">
-            <a:spAutoFit/>
-          </a:bodyPr>
-          <a:lstStyle/>
-          <a:p>
-            <a:pPr marL="0" marR="0" lvl="0" indent="0" algn="l" defTabSz="914400" rtl="0" eaLnBrk="1" fontAlgn="auto" latinLnBrk="0" hangingPunct="1">
-              <a:lnSpc>
-                <a:spcPct val="150000"/>
-              </a:lnSpc>
-              <a:spcBef>
-                <a:spcPts val="0"/>
-              </a:spcBef>
-              <a:spcAft>
-                <a:spcPts val="0"/>
-              </a:spcAft>
-              <a:buClrTx/>
-              <a:buSzTx/>
-              <a:buFontTx/>
-              <a:buNone/>
-              <a:tabLst/>
-              <a:defRPr/>
-            </a:pPr>
-            <a:endParaRPr kumimoji="0" lang="zh-CN" altLang="en-US" sz="1333" b="0" i="0" u="none" strike="noStrike" kern="1200" cap="none" spc="0" normalizeH="0" baseline="0" noProof="0">
-              <a:ln>
-                <a:noFill/>
-              </a:ln>
-              <a:solidFill>
-                <a:srgbClr val="5B9BD5"/>
-              </a:solidFill>
-              <a:effectLst/>
-              <a:uLnTx/>
-              <a:uFillTx/>
-              <a:latin typeface="微软雅黑" pitchFamily="34" charset="-122"/>
-              <a:ea typeface="微软雅黑" pitchFamily="34" charset="-122"/>
-              <a:cs typeface="+mn-cs"/>
-              <a:sym typeface="微软雅黑" pitchFamily="34" charset="-122"/>
-            </a:endParaRPr>
-          </a:p>
-        </p:txBody>
-      </p:sp>
-      <p:sp>
-        <p:nvSpPr>
-          <p:cNvPr id="35" name="矩形 80">
-            <a:extLst>
-              <a:ext uri="{FF2B5EF4-FFF2-40B4-BE49-F238E27FC236}">
-                <a16:creationId xmlns:a16="http://schemas.microsoft.com/office/drawing/2014/main" id="{BAD40F97-E783-248A-D6FD-7DF89B0526CB}"/>
-              </a:ext>
-            </a:extLst>
-          </p:cNvPr>
-          <p:cNvSpPr>
-            <a:spLocks noChangeArrowheads="1"/>
-          </p:cNvSpPr>
-          <p:nvPr/>
-        </p:nvSpPr>
-        <p:spPr bwMode="auto">
-          <a:xfrm>
-            <a:off x="828326" y="335226"/>
-            <a:ext cx="1963999" cy="461665"/>
-          </a:xfrm>
-          <a:prstGeom prst="rect">
-            <a:avLst/>
-          </a:prstGeom>
-          <a:noFill/>
-          <a:ln>
-            <a:noFill/>
-          </a:ln>
-          <a:extLst>
-            <a:ext uri="{909E8E84-426E-40DD-AFC4-6F175D3DCCD1}">
-              <a14:hiddenFill xmlns:a14="http://schemas.microsoft.com/office/drawing/2010/main">
-                <a:solidFill>
-                  <a:srgbClr val="FFFFFF"/>
-                </a:solidFill>
-              </a14:hiddenFill>
-            </a:ext>
-            <a:ext uri="{91240B29-F687-4F45-9708-019B960494DF}">
-              <a14:hiddenLine xmlns:a14="http://schemas.microsoft.com/office/drawing/2010/main" w="9525">
-                <a:solidFill>
-                  <a:srgbClr val="000000"/>
-                </a:solidFill>
-                <a:miter lim="800000"/>
-                <a:headEnd/>
-                <a:tailEnd/>
-              </a14:hiddenLine>
-            </a:ext>
-          </a:extLst>
-        </p:spPr>
-        <p:txBody>
-          <a:bodyPr wrap="none">
-            <a:spAutoFit/>
-          </a:bodyPr>
-          <a:lstStyle>
-            <a:lvl1pPr>
-              <a:lnSpc>
-                <a:spcPct val="90000"/>
-              </a:lnSpc>
-              <a:spcBef>
-                <a:spcPts val="1000"/>
-              </a:spcBef>
-              <a:buChar char="•"/>
-              <a:defRPr sz="2800">
-                <a:solidFill>
-                  <a:schemeClr val="tx1"/>
-                </a:solidFill>
-                <a:latin typeface="Calibri" panose="020F0502020204030204" pitchFamily="34" charset="0"/>
-                <a:ea typeface="宋体" panose="02010600030101010101" pitchFamily="2" charset="-122"/>
-              </a:defRPr>
-            </a:lvl1pPr>
-            <a:lvl2pPr marL="742950" indent="-285750">
-              <a:lnSpc>
-                <a:spcPct val="90000"/>
-              </a:lnSpc>
-              <a:spcBef>
-                <a:spcPts val="500"/>
-              </a:spcBef>
-              <a:buChar char="•"/>
-              <a:defRPr sz="2400">
-                <a:solidFill>
-                  <a:schemeClr val="tx1"/>
-                </a:solidFill>
-                <a:latin typeface="Calibri" panose="020F0502020204030204" pitchFamily="34" charset="0"/>
-                <a:ea typeface="宋体" panose="02010600030101010101" pitchFamily="2" charset="-122"/>
-              </a:defRPr>
-            </a:lvl2pPr>
-            <a:lvl3pPr marL="1143000" indent="-228600">
-              <a:lnSpc>
-                <a:spcPct val="90000"/>
-              </a:lnSpc>
-              <a:spcBef>
-                <a:spcPts val="500"/>
-              </a:spcBef>
-              <a:buChar char="•"/>
-              <a:defRPr sz="2000">
-                <a:solidFill>
-                  <a:schemeClr val="tx1"/>
-                </a:solidFill>
-                <a:latin typeface="Calibri" panose="020F0502020204030204" pitchFamily="34" charset="0"/>
-                <a:ea typeface="宋体" panose="02010600030101010101" pitchFamily="2" charset="-122"/>
-              </a:defRPr>
-            </a:lvl3pPr>
-            <a:lvl4pPr marL="1600200" indent="-228600">
-              <a:lnSpc>
-                <a:spcPct val="90000"/>
-              </a:lnSpc>
-              <a:spcBef>
-                <a:spcPts val="500"/>
-              </a:spcBef>
-              <a:buChar char="•"/>
-              <a:defRPr>
-                <a:solidFill>
-                  <a:schemeClr val="tx1"/>
-                </a:solidFill>
-                <a:latin typeface="Calibri" panose="020F0502020204030204" pitchFamily="34" charset="0"/>
-                <a:ea typeface="宋体" panose="02010600030101010101" pitchFamily="2" charset="-122"/>
-              </a:defRPr>
-            </a:lvl4pPr>
-            <a:lvl5pPr marL="2057400" indent="-228600">
-              <a:lnSpc>
-                <a:spcPct val="90000"/>
-              </a:lnSpc>
-              <a:spcBef>
-                <a:spcPts val="500"/>
-              </a:spcBef>
-              <a:buChar char="•"/>
-              <a:defRPr>
-                <a:solidFill>
-                  <a:schemeClr val="tx1"/>
-                </a:solidFill>
-                <a:latin typeface="Calibri" panose="020F0502020204030204" pitchFamily="34" charset="0"/>
-                <a:ea typeface="宋体" panose="02010600030101010101" pitchFamily="2" charset="-122"/>
-              </a:defRPr>
-            </a:lvl5pPr>
-            <a:lvl6pPr marL="2514600" indent="-228600" eaLnBrk="0" fontAlgn="base" hangingPunct="0">
-              <a:lnSpc>
-                <a:spcPct val="90000"/>
-              </a:lnSpc>
-              <a:spcBef>
-                <a:spcPts val="500"/>
-              </a:spcBef>
-              <a:spcAft>
-                <a:spcPct val="0"/>
-              </a:spcAft>
-              <a:buFont typeface="Arial" panose="020B0604020202020204" pitchFamily="34" charset="0"/>
-              <a:buChar char="•"/>
-              <a:defRPr>
-                <a:solidFill>
-                  <a:schemeClr val="tx1"/>
-                </a:solidFill>
-                <a:latin typeface="Calibri" panose="020F0502020204030204" pitchFamily="34" charset="0"/>
-                <a:ea typeface="宋体" panose="02010600030101010101" pitchFamily="2" charset="-122"/>
-              </a:defRPr>
-            </a:lvl6pPr>
-            <a:lvl7pPr marL="2971800" indent="-228600" eaLnBrk="0" fontAlgn="base" hangingPunct="0">
-              <a:lnSpc>
-                <a:spcPct val="90000"/>
-              </a:lnSpc>
-              <a:spcBef>
-                <a:spcPts val="500"/>
-              </a:spcBef>
-              <a:spcAft>
-                <a:spcPct val="0"/>
-              </a:spcAft>
-              <a:buFont typeface="Arial" panose="020B0604020202020204" pitchFamily="34" charset="0"/>
-              <a:buChar char="•"/>
-              <a:defRPr>
-                <a:solidFill>
-                  <a:schemeClr val="tx1"/>
-                </a:solidFill>
-                <a:latin typeface="Calibri" panose="020F0502020204030204" pitchFamily="34" charset="0"/>
-                <a:ea typeface="宋体" panose="02010600030101010101" pitchFamily="2" charset="-122"/>
-              </a:defRPr>
-            </a:lvl7pPr>
-            <a:lvl8pPr marL="3429000" indent="-228600" eaLnBrk="0" fontAlgn="base" hangingPunct="0">
-              <a:lnSpc>
-                <a:spcPct val="90000"/>
-              </a:lnSpc>
-              <a:spcBef>
-                <a:spcPts val="500"/>
-              </a:spcBef>
-              <a:spcAft>
-                <a:spcPct val="0"/>
-              </a:spcAft>
-              <a:buFont typeface="Arial" panose="020B0604020202020204" pitchFamily="34" charset="0"/>
-              <a:buChar char="•"/>
-              <a:defRPr>
-                <a:solidFill>
-                  <a:schemeClr val="tx1"/>
-                </a:solidFill>
-                <a:latin typeface="Calibri" panose="020F0502020204030204" pitchFamily="34" charset="0"/>
-                <a:ea typeface="宋体" panose="02010600030101010101" pitchFamily="2" charset="-122"/>
-              </a:defRPr>
-            </a:lvl8pPr>
-            <a:lvl9pPr marL="3886200" indent="-228600" eaLnBrk="0" fontAlgn="base" hangingPunct="0">
-              <a:lnSpc>
-                <a:spcPct val="90000"/>
-              </a:lnSpc>
-              <a:spcBef>
-                <a:spcPts val="500"/>
-              </a:spcBef>
-              <a:spcAft>
-                <a:spcPct val="0"/>
-              </a:spcAft>
-              <a:buFont typeface="Arial" panose="020B0604020202020204" pitchFamily="34" charset="0"/>
-              <a:buChar char="•"/>
-              <a:defRPr>
-                <a:solidFill>
-                  <a:schemeClr val="tx1"/>
-                </a:solidFill>
-                <a:latin typeface="Calibri" panose="020F0502020204030204" pitchFamily="34" charset="0"/>
-                <a:ea typeface="宋体" panose="02010600030101010101" pitchFamily="2" charset="-122"/>
-              </a:defRPr>
-            </a:lvl9pPr>
-          </a:lstStyle>
-          <a:p>
-            <a:pPr lvl="0">
-              <a:lnSpc>
-                <a:spcPct val="100000"/>
-              </a:lnSpc>
-              <a:spcBef>
-                <a:spcPct val="0"/>
-              </a:spcBef>
-              <a:buNone/>
-              <a:defRPr/>
-            </a:pPr>
-            <a:r>
-              <a:rPr kumimoji="0" lang="en-US" altLang="zh-CN" sz="2400" b="0" i="0" u="none" strike="noStrike" kern="1200" cap="none" spc="0" normalizeH="0" baseline="0" noProof="0" dirty="0">
-                <a:ln>
-                  <a:noFill/>
-                </a:ln>
-                <a:solidFill>
-                  <a:prstClr val="black"/>
-                </a:solidFill>
-                <a:effectLst/>
-                <a:uLnTx/>
-                <a:uFillTx/>
-                <a:latin typeface="Times New Roman" panose="02020603050405020304" pitchFamily="18" charset="0"/>
-                <a:ea typeface="微软雅黑" panose="020B0503020204020204" pitchFamily="34" charset="-122"/>
-                <a:cs typeface="Times New Roman" panose="02020603050405020304" pitchFamily="18" charset="0"/>
-              </a:rPr>
-              <a:t>EXHIBITION</a:t>
-            </a:r>
-            <a:endParaRPr kumimoji="0" lang="zh-CN" altLang="en-US" sz="2400" b="0" i="0" u="none" strike="noStrike" kern="1200" cap="none" spc="0" normalizeH="0" baseline="0" noProof="0" dirty="0">
-              <a:ln>
-                <a:noFill/>
-              </a:ln>
-              <a:solidFill>
-                <a:prstClr val="black"/>
-              </a:solidFill>
-              <a:effectLst/>
-              <a:uLnTx/>
-              <a:uFillTx/>
-              <a:latin typeface="Times New Roman" panose="02020603050405020304" pitchFamily="18" charset="0"/>
-              <a:ea typeface="微软雅黑" panose="020B0503020204020204" pitchFamily="34" charset="-122"/>
-              <a:cs typeface="Times New Roman" panose="02020603050405020304" pitchFamily="18" charset="0"/>
-            </a:endParaRPr>
-          </a:p>
-        </p:txBody>
-      </p:sp>
-      <p:pic>
-        <p:nvPicPr>
-          <p:cNvPr id="7" name="Picture 2" descr="西南大学高清透明背景校徽（全透明）">
-            <a:extLst>
-              <a:ext uri="{FF2B5EF4-FFF2-40B4-BE49-F238E27FC236}">
-                <a16:creationId xmlns:a16="http://schemas.microsoft.com/office/drawing/2014/main" id="{01423191-F089-6978-B8F0-A12AC2BAD5E2}"/>
-              </a:ext>
-            </a:extLst>
-          </p:cNvPr>
-          <p:cNvPicPr>
-            <a:picLocks noChangeAspect="1" noChangeArrowheads="1"/>
-          </p:cNvPicPr>
-          <p:nvPr/>
-        </p:nvPicPr>
-        <p:blipFill>
-          <a:blip r:embed="rId3" cstate="print">
-            <a:extLst>
-              <a:ext uri="{28A0092B-C50C-407E-A947-70E740481C1C}">
-                <a14:useLocalDpi xmlns:a14="http://schemas.microsoft.com/office/drawing/2010/main" val="0"/>
-              </a:ext>
-            </a:extLst>
-          </a:blip>
-          <a:srcRect/>
-          <a:stretch>
-            <a:fillRect/>
-          </a:stretch>
-        </p:blipFill>
-        <p:spPr bwMode="auto">
-          <a:xfrm>
-            <a:off x="10040938" y="81755"/>
-            <a:ext cx="2103831" cy="2103831"/>
-          </a:xfrm>
-          <a:prstGeom prst="rect">
-            <a:avLst/>
-          </a:prstGeom>
-          <a:noFill/>
-          <a:extLst>
-            <a:ext uri="{909E8E84-426E-40DD-AFC4-6F175D3DCCD1}">
-              <a14:hiddenFill xmlns:a14="http://schemas.microsoft.com/office/drawing/2010/main">
-                <a:solidFill>
-                  <a:srgbClr val="FFFFFF"/>
-                </a:solidFill>
-              </a14:hiddenFill>
-            </a:ext>
-          </a:extLst>
-        </p:spPr>
-      </p:pic>
-      <p:pic>
-        <p:nvPicPr>
-          <p:cNvPr id="4" name="图片 3" descr="图形用户界面, 应用程序&#10;&#10;AI 生成的内容可能不正确。">
-            <a:extLst>
-              <a:ext uri="{FF2B5EF4-FFF2-40B4-BE49-F238E27FC236}">
-                <a16:creationId xmlns:a16="http://schemas.microsoft.com/office/drawing/2014/main" id="{037BCD04-DA47-588D-5377-C83C9EE8B9D5}"/>
-              </a:ext>
-            </a:extLst>
-          </p:cNvPr>
-          <p:cNvPicPr>
-            <a:picLocks noChangeAspect="1"/>
-          </p:cNvPicPr>
-          <p:nvPr/>
-        </p:nvPicPr>
-        <p:blipFill>
-          <a:blip r:embed="rId4">
-            <a:extLst>
-              <a:ext uri="{28A0092B-C50C-407E-A947-70E740481C1C}">
-                <a14:useLocalDpi xmlns:a14="http://schemas.microsoft.com/office/drawing/2010/main" val="0"/>
-              </a:ext>
-            </a:extLst>
-          </a:blip>
-          <a:stretch>
-            <a:fillRect/>
-          </a:stretch>
-        </p:blipFill>
-        <p:spPr>
-          <a:xfrm>
-            <a:off x="265891" y="1076707"/>
-            <a:ext cx="9620230" cy="4321588"/>
-          </a:xfrm>
-          <a:prstGeom prst="rect">
-            <a:avLst/>
-          </a:prstGeom>
-        </p:spPr>
-      </p:pic>
-    </p:spTree>
-    <p:extLst>
-      <p:ext uri="{BB962C8B-B14F-4D97-AF65-F5344CB8AC3E}">
-        <p14:creationId xmlns:p14="http://schemas.microsoft.com/office/powerpoint/2010/main" val="1517340126"/>
-      </p:ext>
-    </p:extLst>
-  </p:cSld>
-  <p:clrMapOvr>
-    <a:masterClrMapping/>
-  </p:clrMapOvr>
-  <p:transition/>
-</p:sld>
-</file>
-
-<file path=ppt/slides/slide9.xml><?xml version="1.0" encoding="utf-8"?>
-<p:sld xmlns:a="http://schemas.openxmlformats.org/drawingml/2006/main" xmlns:r="http://schemas.openxmlformats.org/officeDocument/2006/relationships" xmlns:p="http://schemas.openxmlformats.org/presentationml/2006/main">
-  <p:cSld>
-    <p:spTree>
-      <p:nvGrpSpPr>
-        <p:cNvPr id="1" name=""/>
-        <p:cNvGrpSpPr/>
-        <p:nvPr/>
-      </p:nvGrpSpPr>
-      <p:grpSpPr>
-        <a:xfrm>
-          <a:off x="0" y="0"/>
-          <a:ext cx="0" cy="0"/>
-          <a:chOff x="0" y="0"/>
-          <a:chExt cx="0" cy="0"/>
-        </a:xfrm>
-      </p:grpSpPr>
-      <p:pic>
-        <p:nvPicPr>
-          <p:cNvPr id="2" name="图片 1"/>
-          <p:cNvPicPr>
-            <a:picLocks noChangeAspect="1"/>
-          </p:cNvPicPr>
-          <p:nvPr/>
-        </p:nvPicPr>
-        <p:blipFill>
-          <a:blip r:embed="rId3" cstate="print">
-            <a:extLst>
-              <a:ext uri="{28A0092B-C50C-407E-A947-70E740481C1C}">
-                <a14:useLocalDpi xmlns:a14="http://schemas.microsoft.com/office/drawing/2010/main" val="0"/>
-              </a:ext>
-            </a:extLst>
-          </a:blip>
-          <a:stretch>
-            <a:fillRect/>
-          </a:stretch>
-        </p:blipFill>
-        <p:spPr>
-          <a:xfrm>
-            <a:off x="0" y="-12169"/>
-            <a:ext cx="10058400" cy="5031330"/>
-          </a:xfrm>
-          <a:prstGeom prst="rect">
-            <a:avLst/>
-          </a:prstGeom>
-        </p:spPr>
-      </p:pic>
-      <p:pic>
-        <p:nvPicPr>
-          <p:cNvPr id="3" name="图片 2"/>
-          <p:cNvPicPr>
-            <a:picLocks noChangeAspect="1"/>
-          </p:cNvPicPr>
-          <p:nvPr/>
-        </p:nvPicPr>
-        <p:blipFill>
-          <a:blip r:embed="rId4" cstate="print">
-            <a:extLst>
-              <a:ext uri="{28A0092B-C50C-407E-A947-70E740481C1C}">
-                <a14:useLocalDpi xmlns:a14="http://schemas.microsoft.com/office/drawing/2010/main" val="0"/>
-              </a:ext>
-            </a:extLst>
-          </a:blip>
-          <a:stretch>
-            <a:fillRect/>
-          </a:stretch>
-        </p:blipFill>
-        <p:spPr>
-          <a:xfrm>
-            <a:off x="2133600" y="1826670"/>
-            <a:ext cx="10058400" cy="5031330"/>
-          </a:xfrm>
-          <a:prstGeom prst="rect">
-            <a:avLst/>
-          </a:prstGeom>
-        </p:spPr>
-      </p:pic>
-      <p:pic>
-        <p:nvPicPr>
-          <p:cNvPr id="4" name="图片 3"/>
-          <p:cNvPicPr>
-            <a:picLocks noChangeAspect="1"/>
-          </p:cNvPicPr>
-          <p:nvPr/>
-        </p:nvPicPr>
-        <p:blipFill>
-          <a:blip r:embed="rId5" cstate="print">
-            <a:extLst>
-              <a:ext uri="{28A0092B-C50C-407E-A947-70E740481C1C}">
-                <a14:useLocalDpi xmlns:a14="http://schemas.microsoft.com/office/drawing/2010/main" val="0"/>
-              </a:ext>
-            </a:extLst>
-          </a:blip>
-          <a:stretch>
-            <a:fillRect/>
-          </a:stretch>
-        </p:blipFill>
-        <p:spPr>
-          <a:xfrm>
-            <a:off x="476250" y="-1291"/>
-            <a:ext cx="10058400" cy="5031330"/>
-          </a:xfrm>
-          <a:prstGeom prst="rect">
-            <a:avLst/>
-          </a:prstGeom>
-        </p:spPr>
-      </p:pic>
-      <p:pic>
-        <p:nvPicPr>
-          <p:cNvPr id="5" name="图片 4"/>
-          <p:cNvPicPr>
-            <a:picLocks noChangeAspect="1"/>
-          </p:cNvPicPr>
-          <p:nvPr/>
-        </p:nvPicPr>
-        <p:blipFill>
-          <a:blip r:embed="rId6" cstate="print">
-            <a:extLst>
-              <a:ext uri="{28A0092B-C50C-407E-A947-70E740481C1C}">
-                <a14:useLocalDpi xmlns:a14="http://schemas.microsoft.com/office/drawing/2010/main" val="0"/>
-              </a:ext>
-            </a:extLst>
-          </a:blip>
-          <a:stretch>
-            <a:fillRect/>
-          </a:stretch>
-        </p:blipFill>
-        <p:spPr>
-          <a:xfrm>
-            <a:off x="76200" y="895350"/>
-            <a:ext cx="11920251" cy="5962650"/>
-          </a:xfrm>
-          <a:prstGeom prst="rect">
-            <a:avLst/>
-          </a:prstGeom>
-        </p:spPr>
-      </p:pic>
-      <p:sp>
-        <p:nvSpPr>
-          <p:cNvPr id="8" name="文本框 9"/>
-          <p:cNvSpPr txBox="1">
-            <a:spLocks noChangeArrowheads="1"/>
-          </p:cNvSpPr>
-          <p:nvPr/>
-        </p:nvSpPr>
-        <p:spPr bwMode="auto">
-          <a:xfrm>
-            <a:off x="2319753" y="2078805"/>
-            <a:ext cx="7309063" cy="2123658"/>
-          </a:xfrm>
-          <a:prstGeom prst="rect">
-            <a:avLst/>
-          </a:prstGeom>
-          <a:noFill/>
-          <a:ln>
-            <a:noFill/>
-          </a:ln>
-          <a:extLst>
-            <a:ext uri="{909E8E84-426E-40DD-AFC4-6F175D3DCCD1}">
-              <a14:hiddenFill xmlns:a14="http://schemas.microsoft.com/office/drawing/2010/main">
-                <a:solidFill>
-                  <a:srgbClr val="FFFFFF"/>
-                </a:solidFill>
-              </a14:hiddenFill>
-            </a:ext>
-            <a:ext uri="{91240B29-F687-4F45-9708-019B960494DF}">
-              <a14:hiddenLine xmlns:a14="http://schemas.microsoft.com/office/drawing/2010/main" w="9525">
-                <a:solidFill>
-                  <a:srgbClr val="000000"/>
-                </a:solidFill>
-                <a:miter lim="800000"/>
-                <a:headEnd/>
-                <a:tailEnd/>
-              </a14:hiddenLine>
-            </a:ext>
-          </a:extLst>
-        </p:spPr>
-        <p:txBody>
-          <a:bodyPr wrap="square">
-            <a:spAutoFit/>
-          </a:bodyPr>
-          <a:lstStyle>
-            <a:lvl1pPr>
-              <a:defRPr>
-                <a:solidFill>
-                  <a:schemeClr val="tx1"/>
-                </a:solidFill>
-                <a:latin typeface="Calibri" panose="020F0502020204030204" pitchFamily="34" charset="0"/>
-                <a:ea typeface="宋体" panose="02010600030101010101" pitchFamily="2" charset="-122"/>
-              </a:defRPr>
-            </a:lvl1pPr>
-            <a:lvl2pPr marL="742950" indent="-285750">
-              <a:defRPr>
-                <a:solidFill>
-                  <a:schemeClr val="tx1"/>
-                </a:solidFill>
-                <a:latin typeface="Calibri" panose="020F0502020204030204" pitchFamily="34" charset="0"/>
-                <a:ea typeface="宋体" panose="02010600030101010101" pitchFamily="2" charset="-122"/>
-              </a:defRPr>
-            </a:lvl2pPr>
-            <a:lvl3pPr marL="1143000" indent="-228600">
-              <a:defRPr>
-                <a:solidFill>
-                  <a:schemeClr val="tx1"/>
-                </a:solidFill>
-                <a:latin typeface="Calibri" panose="020F0502020204030204" pitchFamily="34" charset="0"/>
-                <a:ea typeface="宋体" panose="02010600030101010101" pitchFamily="2" charset="-122"/>
-              </a:defRPr>
-            </a:lvl3pPr>
-            <a:lvl4pPr marL="1600200" indent="-228600">
-              <a:defRPr>
-                <a:solidFill>
-                  <a:schemeClr val="tx1"/>
-                </a:solidFill>
-                <a:latin typeface="Calibri" panose="020F0502020204030204" pitchFamily="34" charset="0"/>
-                <a:ea typeface="宋体" panose="02010600030101010101" pitchFamily="2" charset="-122"/>
-              </a:defRPr>
-            </a:lvl4pPr>
-            <a:lvl5pPr marL="2057400" indent="-228600">
-              <a:defRPr>
-                <a:solidFill>
-                  <a:schemeClr val="tx1"/>
-                </a:solidFill>
-                <a:latin typeface="Calibri" panose="020F0502020204030204" pitchFamily="34" charset="0"/>
-                <a:ea typeface="宋体" panose="02010600030101010101" pitchFamily="2" charset="-122"/>
-              </a:defRPr>
-            </a:lvl5pPr>
-            <a:lvl6pPr marL="2514600" indent="-228600" fontAlgn="base">
-              <a:spcBef>
-                <a:spcPct val="0"/>
-              </a:spcBef>
-              <a:spcAft>
-                <a:spcPct val="0"/>
-              </a:spcAft>
-              <a:defRPr>
-                <a:solidFill>
-                  <a:schemeClr val="tx1"/>
-                </a:solidFill>
-                <a:latin typeface="Calibri" panose="020F0502020204030204" pitchFamily="34" charset="0"/>
-                <a:ea typeface="宋体" panose="02010600030101010101" pitchFamily="2" charset="-122"/>
-              </a:defRPr>
-            </a:lvl6pPr>
-            <a:lvl7pPr marL="2971800" indent="-228600" fontAlgn="base">
-              <a:spcBef>
-                <a:spcPct val="0"/>
-              </a:spcBef>
-              <a:spcAft>
-                <a:spcPct val="0"/>
-              </a:spcAft>
-              <a:defRPr>
-                <a:solidFill>
-                  <a:schemeClr val="tx1"/>
-                </a:solidFill>
-                <a:latin typeface="Calibri" panose="020F0502020204030204" pitchFamily="34" charset="0"/>
-                <a:ea typeface="宋体" panose="02010600030101010101" pitchFamily="2" charset="-122"/>
-              </a:defRPr>
-            </a:lvl7pPr>
-            <a:lvl8pPr marL="3429000" indent="-228600" fontAlgn="base">
-              <a:spcBef>
-                <a:spcPct val="0"/>
-              </a:spcBef>
-              <a:spcAft>
-                <a:spcPct val="0"/>
-              </a:spcAft>
-              <a:defRPr>
-                <a:solidFill>
-                  <a:schemeClr val="tx1"/>
-                </a:solidFill>
-                <a:latin typeface="Calibri" panose="020F0502020204030204" pitchFamily="34" charset="0"/>
-                <a:ea typeface="宋体" panose="02010600030101010101" pitchFamily="2" charset="-122"/>
-              </a:defRPr>
-            </a:lvl8pPr>
-            <a:lvl9pPr marL="3886200" indent="-228600" fontAlgn="base">
-              <a:spcBef>
-                <a:spcPct val="0"/>
-              </a:spcBef>
-              <a:spcAft>
-                <a:spcPct val="0"/>
-              </a:spcAft>
-              <a:defRPr>
-                <a:solidFill>
-                  <a:schemeClr val="tx1"/>
-                </a:solidFill>
-                <a:latin typeface="Calibri" panose="020F0502020204030204" pitchFamily="34" charset="0"/>
-                <a:ea typeface="宋体" panose="02010600030101010101" pitchFamily="2" charset="-122"/>
-              </a:defRPr>
-            </a:lvl9pPr>
-          </a:lstStyle>
-          <a:p>
-            <a:pPr algn="ctr" eaLnBrk="1" hangingPunct="1"/>
-            <a:r>
-              <a:rPr lang="en-US" altLang="zh-CN" sz="6600">
-                <a:solidFill>
-                  <a:srgbClr val="4F5D70"/>
-                </a:solidFill>
-                <a:latin typeface="Times New Roman" panose="02020603050405020304" pitchFamily="18" charset="0"/>
-                <a:ea typeface="微软雅黑" panose="020B0503020204020204" pitchFamily="34" charset="-122"/>
-                <a:cs typeface="Times New Roman" panose="02020603050405020304" pitchFamily="18" charset="0"/>
-              </a:rPr>
-              <a:t>THANK </a:t>
-            </a:r>
-          </a:p>
-          <a:p>
-            <a:pPr algn="ctr" eaLnBrk="1" hangingPunct="1"/>
-            <a:r>
-              <a:rPr lang="en-US" altLang="zh-CN" sz="6600">
-                <a:solidFill>
-                  <a:srgbClr val="4F5D70"/>
-                </a:solidFill>
-                <a:latin typeface="Times New Roman" panose="02020603050405020304" pitchFamily="18" charset="0"/>
-                <a:ea typeface="微软雅黑" panose="020B0503020204020204" pitchFamily="34" charset="-122"/>
-                <a:cs typeface="Times New Roman" panose="02020603050405020304" pitchFamily="18" charset="0"/>
-              </a:rPr>
-              <a:t>YOU!</a:t>
-            </a:r>
-            <a:endParaRPr lang="zh-CN" altLang="en-US" sz="6600">
-              <a:solidFill>
-                <a:srgbClr val="4F5D70"/>
-              </a:solidFill>
-              <a:latin typeface="Times New Roman" panose="02020603050405020304" pitchFamily="18" charset="0"/>
-              <a:ea typeface="微软雅黑" panose="020B0503020204020204" pitchFamily="34" charset="-122"/>
-              <a:cs typeface="Times New Roman" panose="02020603050405020304" pitchFamily="18" charset="0"/>
-            </a:endParaRPr>
-          </a:p>
-        </p:txBody>
-      </p:sp>
-      <p:pic>
-        <p:nvPicPr>
-          <p:cNvPr id="6" name="Picture 2" descr="西南大学高清透明背景校徽（全透明）">
-            <a:extLst>
-              <a:ext uri="{FF2B5EF4-FFF2-40B4-BE49-F238E27FC236}">
-                <a16:creationId xmlns:a16="http://schemas.microsoft.com/office/drawing/2014/main" id="{9CE5DB68-0C32-43D4-6BA7-7364A4124842}"/>
-              </a:ext>
-            </a:extLst>
-          </p:cNvPr>
-          <p:cNvPicPr>
-            <a:picLocks noChangeAspect="1" noChangeArrowheads="1"/>
-          </p:cNvPicPr>
-          <p:nvPr/>
-        </p:nvPicPr>
-        <p:blipFill>
-          <a:blip r:embed="rId7" cstate="print">
-            <a:extLst>
-              <a:ext uri="{28A0092B-C50C-407E-A947-70E740481C1C}">
-                <a14:useLocalDpi xmlns:a14="http://schemas.microsoft.com/office/drawing/2010/main" val="0"/>
-              </a:ext>
-            </a:extLst>
-          </a:blip>
-          <a:srcRect/>
-          <a:stretch>
-            <a:fillRect/>
-          </a:stretch>
-        </p:blipFill>
-        <p:spPr bwMode="auto">
-          <a:xfrm>
-            <a:off x="10040938" y="81755"/>
-            <a:ext cx="2103831" cy="2103831"/>
-          </a:xfrm>
-          <a:prstGeom prst="rect">
-            <a:avLst/>
-          </a:prstGeom>
-          <a:noFill/>
-          <a:extLst>
-            <a:ext uri="{909E8E84-426E-40DD-AFC4-6F175D3DCCD1}">
-              <a14:hiddenFill xmlns:a14="http://schemas.microsoft.com/office/drawing/2010/main">
-                <a:solidFill>
-                  <a:srgbClr val="FFFFFF"/>
-                </a:solidFill>
-              </a14:hiddenFill>
-            </a:ext>
-          </a:extLst>
-        </p:spPr>
-      </p:pic>
-    </p:spTree>
-    <p:extLst>
-      <p:ext uri="{BB962C8B-B14F-4D97-AF65-F5344CB8AC3E}">
-        <p14:creationId xmlns:p14="http://schemas.microsoft.com/office/powerpoint/2010/main" val="3952716568"/>
       </p:ext>
     </p:extLst>
   </p:cSld>
